--- a/보고서 폴더/제출용.pptx
+++ b/보고서 폴더/제출용.pptx
@@ -119,6 +119,11 @@
       </a:defRPr>
     </a:lvl9pPr>
   </p:defaultTextStyle>
+  <p:extLst>
+    <p:ext uri="{EFAFB233-063F-42B5-8137-9DF3F51BA10A}">
+      <p15:sldGuideLst xmlns:p15="http://schemas.microsoft.com/office/powerpoint/2012/main"/>
+    </p:ext>
+  </p:extLst>
 </p:presentation>
 </file>
 
@@ -339,7 +344,7 @@
           <a:p>
             <a:fld id="{9AB3A824-1A51-4B26-AD58-A6D8E14F6C04}" type="datetimeFigureOut">
               <a:rPr lang="en-US" dirty="0"/>
-              <a:t>9/24/2019</a:t>
+              <a:t>10/6/2019</a:t>
             </a:fld>
             <a:endParaRPr lang="en-US" dirty="0"/>
           </a:p>
@@ -673,7 +678,7 @@
           <a:p>
             <a:fld id="{D857E33E-8B18-4087-B112-809917729534}" type="datetimeFigureOut">
               <a:rPr lang="en-US" dirty="0"/>
-              <a:t>9/24/2019</a:t>
+              <a:t>10/6/2019</a:t>
             </a:fld>
             <a:endParaRPr lang="en-US" dirty="0"/>
           </a:p>
@@ -975,7 +980,7 @@
           <a:p>
             <a:fld id="{D3FFE419-2371-464F-8239-3959401C3561}" type="datetimeFigureOut">
               <a:rPr lang="en-US" dirty="0"/>
-              <a:t>9/24/2019</a:t>
+              <a:t>10/6/2019</a:t>
             </a:fld>
             <a:endParaRPr lang="en-US" dirty="0"/>
           </a:p>
@@ -1222,7 +1227,7 @@
           <a:p>
             <a:fld id="{97D162C4-EDD9-4389-A98B-B87ECEA2A816}" type="datetimeFigureOut">
               <a:rPr lang="en-US" dirty="0"/>
-              <a:t>9/24/2019</a:t>
+              <a:t>10/6/2019</a:t>
             </a:fld>
             <a:endParaRPr lang="en-US" dirty="0"/>
           </a:p>
@@ -1629,7 +1634,7 @@
           <a:p>
             <a:fld id="{3E5059C3-6A89-4494-99FF-5A4D6FFD50EB}" type="datetimeFigureOut">
               <a:rPr lang="en-US" dirty="0"/>
-              <a:t>9/24/2019</a:t>
+              <a:t>10/6/2019</a:t>
             </a:fld>
             <a:endParaRPr lang="en-US" dirty="0"/>
           </a:p>
@@ -1943,7 +1948,7 @@
           <a:p>
             <a:fld id="{CA954B2F-12DE-47F5-8894-472B206D2E1E}" type="datetimeFigureOut">
               <a:rPr lang="en-US" dirty="0"/>
-              <a:t>9/24/2019</a:t>
+              <a:t>10/6/2019</a:t>
             </a:fld>
             <a:endParaRPr lang="en-US" dirty="0"/>
           </a:p>
@@ -2487,7 +2492,7 @@
           <a:p>
             <a:fld id="{3F30E46F-7819-4ACF-B48B-48222C2ACC88}" type="datetimeFigureOut">
               <a:rPr lang="en-US" dirty="0"/>
-              <a:t>9/24/2019</a:t>
+              <a:t>10/6/2019</a:t>
             </a:fld>
             <a:endParaRPr lang="en-US" dirty="0"/>
           </a:p>
@@ -2682,7 +2687,7 @@
           <a:p>
             <a:fld id="{1FAF3416-4057-4DAA-829D-4CA07428D088}" type="datetimeFigureOut">
               <a:rPr lang="en-US" dirty="0"/>
-              <a:t>9/24/2019</a:t>
+              <a:t>10/6/2019</a:t>
             </a:fld>
             <a:endParaRPr lang="en-US" dirty="0"/>
           </a:p>
@@ -2895,7 +2900,7 @@
           <a:p>
             <a:fld id="{921D9284-D300-4297-87F7-E791DCC15DB1}" type="datetimeFigureOut">
               <a:rPr lang="en-US" dirty="0"/>
-              <a:t>9/24/2019</a:t>
+              <a:t>10/6/2019</a:t>
             </a:fld>
             <a:endParaRPr lang="en-US" dirty="0"/>
           </a:p>
@@ -3264,7 +3269,7 @@
           <a:p>
             <a:fld id="{37D525BB-DA17-4BA0-B3C8-3AC3ABC827E6}" type="datetimeFigureOut">
               <a:rPr lang="en-US" dirty="0"/>
-              <a:t>9/24/2019</a:t>
+              <a:t>10/6/2019</a:t>
             </a:fld>
             <a:endParaRPr lang="en-US" dirty="0"/>
           </a:p>
@@ -3667,7 +3672,7 @@
           <a:p>
             <a:fld id="{B16C4C9A-3960-41CF-A4E9-2A8FB932454B}" type="datetimeFigureOut">
               <a:rPr lang="en-US" dirty="0"/>
-              <a:t>9/24/2019</a:t>
+              <a:t>10/6/2019</a:t>
             </a:fld>
             <a:endParaRPr lang="en-US" dirty="0"/>
           </a:p>
@@ -4005,7 +4010,7 @@
           <a:p>
             <a:fld id="{3CBC1C18-307B-4F68-A007-B5B542270E8D}" type="datetimeFigureOut">
               <a:rPr lang="en-US" dirty="0"/>
-              <a:t>9/24/2019</a:t>
+              <a:t>10/6/2019</a:t>
             </a:fld>
             <a:endParaRPr lang="en-US" dirty="0"/>
           </a:p>
@@ -4600,14 +4605,6 @@
             </a:r>
             <a:r>
               <a:rPr lang="ko-KR" altLang="en-US" dirty="0" smtClean="0"/>
-              <a:t>이소현</a:t>
-            </a:r>
-            <a:r>
-              <a:rPr lang="en-US" altLang="ko-KR" dirty="0" smtClean="0"/>
-              <a:t>, </a:t>
-            </a:r>
-            <a:r>
-              <a:rPr lang="ko-KR" altLang="en-US" dirty="0" smtClean="0"/>
               <a:t>최문석</a:t>
             </a:r>
             <a:r>
@@ -5667,11 +5664,15 @@
           <a:p>
             <a:r>
               <a:rPr lang="ko-KR" altLang="en-US" dirty="0" err="1" smtClean="0"/>
-              <a:t>프로토</a:t>
-            </a:r>
-            <a:r>
-              <a:rPr lang="ko-KR" altLang="en-US" dirty="0" smtClean="0"/>
-              <a:t> 타입 제작</a:t>
+              <a:t>프로토타입</a:t>
+            </a:r>
+            <a:r>
+              <a:rPr lang="ko-KR" altLang="en-US" dirty="0" smtClean="0"/>
+              <a:t> </a:t>
+            </a:r>
+            <a:r>
+              <a:rPr lang="ko-KR" altLang="en-US" dirty="0" smtClean="0"/>
+              <a:t>제작</a:t>
             </a:r>
             <a:endParaRPr lang="en-US" altLang="ko-KR" dirty="0" smtClean="0"/>
           </a:p>
@@ -5841,16 +5842,16 @@
               <a:t>심대훈</a:t>
             </a:r>
             <a:r>
-              <a:rPr lang="en-US" altLang="ko-KR" dirty="0" smtClean="0"/>
-              <a:t>, </a:t>
-            </a:r>
-            <a:r>
-              <a:rPr lang="ko-KR" altLang="en-US" dirty="0" smtClean="0"/>
-              <a:t>이소현 이상 총 </a:t>
-            </a:r>
-            <a:r>
-              <a:rPr lang="en-US" altLang="ko-KR" dirty="0" smtClean="0"/>
-              <a:t>4</a:t>
+              <a:rPr lang="ko-KR" altLang="en-US" dirty="0" smtClean="0"/>
+              <a:t> </a:t>
+            </a:r>
+            <a:r>
+              <a:rPr lang="ko-KR" altLang="en-US" dirty="0" smtClean="0"/>
+              <a:t>이상 총 </a:t>
+            </a:r>
+            <a:r>
+              <a:rPr lang="en-US" altLang="ko-KR" dirty="0"/>
+              <a:t>3</a:t>
             </a:r>
             <a:r>
               <a:rPr lang="ko-KR" altLang="en-US" dirty="0" smtClean="0"/>
@@ -5939,14 +5940,6 @@
               <a:rPr lang="ko-KR" altLang="en-US" dirty="0" smtClean="0"/>
               <a:t>김도엽</a:t>
             </a:r>
-            <a:r>
-              <a:rPr lang="en-US" altLang="ko-KR" dirty="0" smtClean="0"/>
-              <a:t>, </a:t>
-            </a:r>
-            <a:r>
-              <a:rPr lang="ko-KR" altLang="en-US" dirty="0" smtClean="0"/>
-              <a:t>이소현</a:t>
-            </a:r>
             <a:endParaRPr lang="en-US" altLang="ko-KR" dirty="0" smtClean="0"/>
           </a:p>
           <a:p>
@@ -6033,8 +6026,16 @@
               <a:t>, </a:t>
             </a:r>
             <a:r>
-              <a:rPr lang="ko-KR" altLang="en-US" dirty="0" smtClean="0"/>
-              <a:t>이소현</a:t>
+              <a:rPr lang="ko-KR" altLang="en-US" dirty="0" err="1" smtClean="0"/>
+              <a:t>심대훈</a:t>
+            </a:r>
+            <a:r>
+              <a:rPr lang="en-US" altLang="ko-KR" dirty="0" smtClean="0"/>
+              <a:t>, </a:t>
+            </a:r>
+            <a:r>
+              <a:rPr lang="ko-KR" altLang="en-US" dirty="0" smtClean="0"/>
+              <a:t>김도엽</a:t>
             </a:r>
             <a:endParaRPr lang="en-US" altLang="ko-KR" dirty="0"/>
           </a:p>

--- a/보고서 폴더/제출용.pptx
+++ b/보고서 폴더/제출용.pptx
@@ -13,14 +13,19 @@
     <p:sldId id="264" r:id="rId7"/>
     <p:sldId id="265" r:id="rId8"/>
     <p:sldId id="272" r:id="rId9"/>
-    <p:sldId id="266" r:id="rId10"/>
-    <p:sldId id="267" r:id="rId11"/>
-    <p:sldId id="268" r:id="rId12"/>
-    <p:sldId id="269" r:id="rId13"/>
-    <p:sldId id="270" r:id="rId14"/>
-    <p:sldId id="271" r:id="rId15"/>
-    <p:sldId id="273" r:id="rId16"/>
-    <p:sldId id="259" r:id="rId17"/>
+    <p:sldId id="274" r:id="rId10"/>
+    <p:sldId id="266" r:id="rId11"/>
+    <p:sldId id="267" r:id="rId12"/>
+    <p:sldId id="268" r:id="rId13"/>
+    <p:sldId id="279" r:id="rId14"/>
+    <p:sldId id="269" r:id="rId15"/>
+    <p:sldId id="277" r:id="rId16"/>
+    <p:sldId id="278" r:id="rId17"/>
+    <p:sldId id="270" r:id="rId18"/>
+    <p:sldId id="276" r:id="rId19"/>
+    <p:sldId id="271" r:id="rId20"/>
+    <p:sldId id="273" r:id="rId21"/>
+    <p:sldId id="259" r:id="rId22"/>
   </p:sldIdLst>
   <p:sldSz cx="12192000" cy="6858000"/>
   <p:notesSz cx="6858000" cy="9144000"/>
@@ -121,7 +126,7 @@
   </p:defaultTextStyle>
   <p:extLst>
     <p:ext uri="{EFAFB233-063F-42B5-8137-9DF3F51BA10A}">
-      <p15:sldGuideLst xmlns:p15="http://schemas.microsoft.com/office/powerpoint/2012/main"/>
+      <p15:sldGuideLst xmlns="" xmlns:p15="http://schemas.microsoft.com/office/powerpoint/2012/main"/>
     </p:ext>
   </p:extLst>
 </p:presentation>
@@ -344,7 +349,8 @@
           <a:p>
             <a:fld id="{9AB3A824-1A51-4B26-AD58-A6D8E14F6C04}" type="datetimeFigureOut">
               <a:rPr lang="en-US" dirty="0"/>
-              <a:t>10/6/2019</a:t>
+              <a:pPr/>
+              <a:t>10/11/2019</a:t>
             </a:fld>
             <a:endParaRPr lang="en-US" dirty="0"/>
           </a:p>
@@ -390,6 +396,7 @@
           <a:p>
             <a:fld id="{6D22F896-40B5-4ADD-8801-0D06FADFA095}" type="slidenum">
               <a:rPr lang="en-US" dirty="0"/>
+              <a:pPr/>
               <a:t>‹#›</a:t>
             </a:fld>
             <a:endParaRPr lang="en-US" dirty="0"/>
@@ -678,7 +685,8 @@
           <a:p>
             <a:fld id="{D857E33E-8B18-4087-B112-809917729534}" type="datetimeFigureOut">
               <a:rPr lang="en-US" dirty="0"/>
-              <a:t>10/6/2019</a:t>
+              <a:pPr/>
+              <a:t>10/11/2019</a:t>
             </a:fld>
             <a:endParaRPr lang="en-US" dirty="0"/>
           </a:p>
@@ -724,6 +732,7 @@
           <a:p>
             <a:fld id="{6D22F896-40B5-4ADD-8801-0D06FADFA095}" type="slidenum">
               <a:rPr lang="en-US" dirty="0"/>
+              <a:pPr/>
               <a:t>‹#›</a:t>
             </a:fld>
             <a:endParaRPr lang="en-US" dirty="0"/>
@@ -980,7 +989,8 @@
           <a:p>
             <a:fld id="{D3FFE419-2371-464F-8239-3959401C3561}" type="datetimeFigureOut">
               <a:rPr lang="en-US" dirty="0"/>
-              <a:t>10/6/2019</a:t>
+              <a:pPr/>
+              <a:t>10/11/2019</a:t>
             </a:fld>
             <a:endParaRPr lang="en-US" dirty="0"/>
           </a:p>
@@ -1026,6 +1036,7 @@
           <a:p>
             <a:fld id="{6D22F896-40B5-4ADD-8801-0D06FADFA095}" type="slidenum">
               <a:rPr lang="en-US" dirty="0"/>
+              <a:pPr/>
               <a:t>‹#›</a:t>
             </a:fld>
             <a:endParaRPr lang="en-US" dirty="0"/>
@@ -1227,7 +1238,8 @@
           <a:p>
             <a:fld id="{97D162C4-EDD9-4389-A98B-B87ECEA2A816}" type="datetimeFigureOut">
               <a:rPr lang="en-US" dirty="0"/>
-              <a:t>10/6/2019</a:t>
+              <a:pPr/>
+              <a:t>10/11/2019</a:t>
             </a:fld>
             <a:endParaRPr lang="en-US" dirty="0"/>
           </a:p>
@@ -1273,6 +1285,7 @@
           <a:p>
             <a:fld id="{6D22F896-40B5-4ADD-8801-0D06FADFA095}" type="slidenum">
               <a:rPr lang="en-US" dirty="0"/>
+              <a:pPr/>
               <a:t>‹#›</a:t>
             </a:fld>
             <a:endParaRPr lang="en-US" dirty="0"/>
@@ -1634,7 +1647,8 @@
           <a:p>
             <a:fld id="{3E5059C3-6A89-4494-99FF-5A4D6FFD50EB}" type="datetimeFigureOut">
               <a:rPr lang="en-US" dirty="0"/>
-              <a:t>10/6/2019</a:t>
+              <a:pPr/>
+              <a:t>10/11/2019</a:t>
             </a:fld>
             <a:endParaRPr lang="en-US" dirty="0"/>
           </a:p>
@@ -1680,6 +1694,7 @@
           <a:p>
             <a:fld id="{6D22F896-40B5-4ADD-8801-0D06FADFA095}" type="slidenum">
               <a:rPr lang="en-US" dirty="0"/>
+              <a:pPr/>
               <a:t>‹#›</a:t>
             </a:fld>
             <a:endParaRPr lang="en-US" dirty="0"/>
@@ -1948,7 +1963,8 @@
           <a:p>
             <a:fld id="{CA954B2F-12DE-47F5-8894-472B206D2E1E}" type="datetimeFigureOut">
               <a:rPr lang="en-US" dirty="0"/>
-              <a:t>10/6/2019</a:t>
+              <a:pPr/>
+              <a:t>10/11/2019</a:t>
             </a:fld>
             <a:endParaRPr lang="en-US" dirty="0"/>
           </a:p>
@@ -1994,6 +2010,7 @@
           <a:p>
             <a:fld id="{6D22F896-40B5-4ADD-8801-0D06FADFA095}" type="slidenum">
               <a:rPr lang="en-US" dirty="0"/>
+              <a:pPr/>
               <a:t>‹#›</a:t>
             </a:fld>
             <a:endParaRPr lang="en-US" dirty="0"/>
@@ -2492,7 +2509,8 @@
           <a:p>
             <a:fld id="{3F30E46F-7819-4ACF-B48B-48222C2ACC88}" type="datetimeFigureOut">
               <a:rPr lang="en-US" dirty="0"/>
-              <a:t>10/6/2019</a:t>
+              <a:pPr/>
+              <a:t>10/11/2019</a:t>
             </a:fld>
             <a:endParaRPr lang="en-US" dirty="0"/>
           </a:p>
@@ -2538,6 +2556,7 @@
           <a:p>
             <a:fld id="{6D22F896-40B5-4ADD-8801-0D06FADFA095}" type="slidenum">
               <a:rPr lang="en-US" dirty="0"/>
+              <a:pPr/>
               <a:t>‹#›</a:t>
             </a:fld>
             <a:endParaRPr lang="en-US" dirty="0"/>
@@ -2687,7 +2706,8 @@
           <a:p>
             <a:fld id="{1FAF3416-4057-4DAA-829D-4CA07428D088}" type="datetimeFigureOut">
               <a:rPr lang="en-US" dirty="0"/>
-              <a:t>10/6/2019</a:t>
+              <a:pPr/>
+              <a:t>10/11/2019</a:t>
             </a:fld>
             <a:endParaRPr lang="en-US" dirty="0"/>
           </a:p>
@@ -2733,6 +2753,7 @@
           <a:p>
             <a:fld id="{6D22F896-40B5-4ADD-8801-0D06FADFA095}" type="slidenum">
               <a:rPr lang="en-US" dirty="0"/>
+              <a:pPr/>
               <a:t>‹#›</a:t>
             </a:fld>
             <a:endParaRPr lang="en-US" dirty="0"/>
@@ -2900,7 +2921,8 @@
           <a:p>
             <a:fld id="{921D9284-D300-4297-87F7-E791DCC15DB1}" type="datetimeFigureOut">
               <a:rPr lang="en-US" dirty="0"/>
-              <a:t>10/6/2019</a:t>
+              <a:pPr/>
+              <a:t>10/11/2019</a:t>
             </a:fld>
             <a:endParaRPr lang="en-US" dirty="0"/>
           </a:p>
@@ -2946,6 +2968,7 @@
           <a:p>
             <a:fld id="{6D22F896-40B5-4ADD-8801-0D06FADFA095}" type="slidenum">
               <a:rPr lang="en-US" dirty="0"/>
+              <a:pPr/>
               <a:t>‹#›</a:t>
             </a:fld>
             <a:endParaRPr lang="en-US" dirty="0"/>
@@ -3269,7 +3292,8 @@
           <a:p>
             <a:fld id="{37D525BB-DA17-4BA0-B3C8-3AC3ABC827E6}" type="datetimeFigureOut">
               <a:rPr lang="en-US" dirty="0"/>
-              <a:t>10/6/2019</a:t>
+              <a:pPr/>
+              <a:t>10/11/2019</a:t>
             </a:fld>
             <a:endParaRPr lang="en-US" dirty="0"/>
           </a:p>
@@ -3315,6 +3339,7 @@
           <a:p>
             <a:fld id="{6D22F896-40B5-4ADD-8801-0D06FADFA095}" type="slidenum">
               <a:rPr lang="en-US" dirty="0"/>
+              <a:pPr/>
               <a:t>‹#›</a:t>
             </a:fld>
             <a:endParaRPr lang="en-US" dirty="0"/>
@@ -3672,7 +3697,8 @@
           <a:p>
             <a:fld id="{B16C4C9A-3960-41CF-A4E9-2A8FB932454B}" type="datetimeFigureOut">
               <a:rPr lang="en-US" dirty="0"/>
-              <a:t>10/6/2019</a:t>
+              <a:pPr/>
+              <a:t>10/11/2019</a:t>
             </a:fld>
             <a:endParaRPr lang="en-US" dirty="0"/>
           </a:p>
@@ -3718,6 +3744,7 @@
           <a:p>
             <a:fld id="{6D22F896-40B5-4ADD-8801-0D06FADFA095}" type="slidenum">
               <a:rPr lang="en-US" dirty="0"/>
+              <a:pPr/>
               <a:t>‹#›</a:t>
             </a:fld>
             <a:endParaRPr lang="en-US" dirty="0"/>
@@ -3766,7 +3793,7 @@
           <a:blip r:embed="rId13">
             <a:extLst>
               <a:ext uri="{28A0092B-C50C-407E-A947-70E740481C1C}">
-                <a14:useLocalDpi xmlns:a14="http://schemas.microsoft.com/office/drawing/2010/main" val="0"/>
+                <a14:useLocalDpi xmlns="" xmlns:a14="http://schemas.microsoft.com/office/drawing/2010/main" val="0"/>
               </a:ext>
             </a:extLst>
           </a:blip>
@@ -3796,7 +3823,7 @@
           <a:blip r:embed="rId14">
             <a:extLst>
               <a:ext uri="{28A0092B-C50C-407E-A947-70E740481C1C}">
-                <a14:useLocalDpi xmlns:a14="http://schemas.microsoft.com/office/drawing/2010/main" val="0"/>
+                <a14:useLocalDpi xmlns="" xmlns:a14="http://schemas.microsoft.com/office/drawing/2010/main" val="0"/>
               </a:ext>
             </a:extLst>
           </a:blip>
@@ -4010,7 +4037,8 @@
           <a:p>
             <a:fld id="{3CBC1C18-307B-4F68-A007-B5B542270E8D}" type="datetimeFigureOut">
               <a:rPr lang="en-US" dirty="0"/>
-              <a:t>10/6/2019</a:t>
+              <a:pPr/>
+              <a:t>10/11/2019</a:t>
             </a:fld>
             <a:endParaRPr lang="en-US" dirty="0"/>
           </a:p>
@@ -4618,7 +4646,7 @@
     </p:spTree>
     <p:extLst>
       <p:ext uri="{BB962C8B-B14F-4D97-AF65-F5344CB8AC3E}">
-        <p14:creationId xmlns:p14="http://schemas.microsoft.com/office/powerpoint/2010/main" val="3499749389"/>
+        <p14:creationId xmlns="" xmlns:p14="http://schemas.microsoft.com/office/powerpoint/2010/main" val="3499749389"/>
       </p:ext>
     </p:extLst>
   </p:cSld>
@@ -4679,39 +4707,288 @@
             </a:r>
             <a:r>
               <a:rPr lang="en-US" altLang="ko-KR" dirty="0" smtClean="0"/>
-              <a:t>– </a:t>
+              <a:t>- </a:t>
             </a:r>
             <a:r>
               <a:rPr lang="ko-KR" altLang="en-US" dirty="0" smtClean="0"/>
-              <a:t>사용자 목록</a:t>
+              <a:t>알림</a:t>
             </a:r>
             <a:endParaRPr lang="ko-KR" altLang="en-US" dirty="0"/>
           </a:p>
         </p:txBody>
       </p:sp>
-      <p:sp>
-        <p:nvSpPr>
-          <p:cNvPr id="4" name="내용 개체 틀 3"/>
-          <p:cNvSpPr>
-            <a:spLocks noGrp="1"/>
-          </p:cNvSpPr>
-          <p:nvPr>
-            <p:ph idx="1"/>
-          </p:nvPr>
-        </p:nvSpPr>
-        <p:spPr/>
-        <p:txBody>
-          <a:bodyPr/>
-          <a:lstStyle/>
-          <a:p>
-            <a:endParaRPr lang="ko-KR" altLang="en-US"/>
-          </a:p>
-        </p:txBody>
-      </p:sp>
+      <p:pic>
+        <p:nvPicPr>
+          <p:cNvPr id="5" name="그림 4" descr="메인화면, 알림.PNG"/>
+          <p:cNvPicPr>
+            <a:picLocks noChangeAspect="1"/>
+          </p:cNvPicPr>
+          <p:nvPr/>
+        </p:nvPicPr>
+        <p:blipFill>
+          <a:blip r:embed="rId2"/>
+          <a:stretch>
+            <a:fillRect/>
+          </a:stretch>
+        </p:blipFill>
+        <p:spPr>
+          <a:xfrm>
+            <a:off x="2420869" y="1351721"/>
+            <a:ext cx="4055725" cy="5389329"/>
+          </a:xfrm>
+          <a:prstGeom prst="rect">
+            <a:avLst/>
+          </a:prstGeom>
+        </p:spPr>
+      </p:pic>
+      <p:sp>
+        <p:nvSpPr>
+          <p:cNvPr id="6" name="TextBox 5"/>
+          <p:cNvSpPr txBox="1"/>
+          <p:nvPr/>
+        </p:nvSpPr>
+        <p:spPr>
+          <a:xfrm>
+            <a:off x="6619461" y="1590261"/>
+            <a:ext cx="4005470" cy="4478149"/>
+          </a:xfrm>
+          <a:prstGeom prst="rect">
+            <a:avLst/>
+          </a:prstGeom>
+          <a:noFill/>
+        </p:spPr>
+        <p:txBody>
+          <a:bodyPr wrap="square" rtlCol="0">
+            <a:spAutoFit/>
+          </a:bodyPr>
+          <a:lstStyle/>
+          <a:p>
+            <a:pPr>
+              <a:buFontTx/>
+              <a:buChar char="-"/>
+            </a:pPr>
+            <a:r>
+              <a:rPr lang="ko-KR" altLang="en-US" sz="1500" dirty="0" smtClean="0"/>
+              <a:t>본 </a:t>
+            </a:r>
+            <a:r>
+              <a:rPr lang="ko-KR" altLang="en-US" sz="1500" dirty="0" smtClean="0"/>
+              <a:t>프로그램의 </a:t>
+            </a:r>
+            <a:r>
+              <a:rPr lang="ko-KR" altLang="en-US" sz="1500" dirty="0" err="1" smtClean="0"/>
+              <a:t>메인화면입니다</a:t>
+            </a:r>
+            <a:r>
+              <a:rPr lang="en-US" altLang="ko-KR" sz="1500" dirty="0" smtClean="0"/>
+              <a:t>.</a:t>
+            </a:r>
+          </a:p>
+          <a:p>
+            <a:pPr>
+              <a:buFontTx/>
+              <a:buChar char="-"/>
+            </a:pPr>
+            <a:endParaRPr lang="en-US" altLang="ko-KR" sz="1500" dirty="0" smtClean="0"/>
+          </a:p>
+          <a:p>
+            <a:pPr>
+              <a:buFontTx/>
+              <a:buChar char="-"/>
+            </a:pPr>
+            <a:r>
+              <a:rPr lang="ko-KR" altLang="en-US" sz="1500" dirty="0" smtClean="0"/>
+              <a:t>사용자가 </a:t>
+            </a:r>
+            <a:r>
+              <a:rPr lang="ko-KR" altLang="en-US" sz="1500" dirty="0" err="1" smtClean="0"/>
+              <a:t>로그인을</a:t>
+            </a:r>
+            <a:r>
+              <a:rPr lang="ko-KR" altLang="en-US" sz="1500" dirty="0" smtClean="0"/>
+              <a:t> 하고 </a:t>
+            </a:r>
+            <a:r>
+              <a:rPr lang="ko-KR" altLang="en-US" sz="1500" dirty="0" smtClean="0"/>
+              <a:t>프로그램에 진입하면 </a:t>
+            </a:r>
+            <a:r>
+              <a:rPr lang="ko-KR" altLang="en-US" sz="1500" dirty="0" smtClean="0"/>
+              <a:t>처음 만나는 화면입니다</a:t>
+            </a:r>
+            <a:r>
+              <a:rPr lang="en-US" altLang="ko-KR" sz="1500" dirty="0" smtClean="0"/>
+              <a:t>.</a:t>
+            </a:r>
+          </a:p>
+          <a:p>
+            <a:endParaRPr lang="en-US" altLang="ko-KR" sz="1500" dirty="0" smtClean="0"/>
+          </a:p>
+          <a:p>
+            <a:pPr>
+              <a:buFontTx/>
+              <a:buChar char="-"/>
+            </a:pPr>
+            <a:r>
+              <a:rPr lang="ko-KR" altLang="en-US" sz="1500" dirty="0" smtClean="0"/>
+              <a:t>기본 </a:t>
+            </a:r>
+            <a:r>
+              <a:rPr lang="ko-KR" altLang="en-US" sz="1500" dirty="0" err="1" smtClean="0"/>
+              <a:t>메인화면은</a:t>
+            </a:r>
+            <a:r>
+              <a:rPr lang="ko-KR" altLang="en-US" sz="1500" dirty="0" smtClean="0"/>
+              <a:t> </a:t>
+            </a:r>
+            <a:r>
+              <a:rPr lang="ko-KR" altLang="en-US" sz="1500" dirty="0" err="1" smtClean="0"/>
+              <a:t>알림화면으로</a:t>
+            </a:r>
+            <a:r>
+              <a:rPr lang="ko-KR" altLang="en-US" sz="1500" dirty="0" smtClean="0"/>
+              <a:t> 되어 있고 </a:t>
+            </a:r>
+            <a:r>
+              <a:rPr lang="ko-KR" altLang="en-US" sz="1500" dirty="0" err="1" smtClean="0"/>
+              <a:t>알림화면에서는</a:t>
+            </a:r>
+            <a:r>
+              <a:rPr lang="ko-KR" altLang="en-US" sz="1500" dirty="0" smtClean="0"/>
+              <a:t> 해당 조직 내의 </a:t>
+            </a:r>
+            <a:r>
+              <a:rPr lang="ko-KR" altLang="en-US" sz="1500" dirty="0" smtClean="0"/>
+              <a:t>공지사항이나 이슈</a:t>
+            </a:r>
+            <a:r>
+              <a:rPr lang="en-US" altLang="ko-KR" sz="1500" dirty="0" smtClean="0"/>
+              <a:t>, </a:t>
+            </a:r>
+            <a:r>
+              <a:rPr lang="ko-KR" altLang="en-US" sz="1500" dirty="0" smtClean="0"/>
+              <a:t>새로운 소식 등을 확인할 수 있습니다</a:t>
+            </a:r>
+            <a:r>
+              <a:rPr lang="en-US" altLang="ko-KR" sz="1500" dirty="0" smtClean="0"/>
+              <a:t>.</a:t>
+            </a:r>
+          </a:p>
+          <a:p>
+            <a:pPr>
+              <a:buFontTx/>
+              <a:buChar char="-"/>
+            </a:pPr>
+            <a:endParaRPr lang="en-US" altLang="ko-KR" sz="1500" dirty="0" smtClean="0"/>
+          </a:p>
+          <a:p>
+            <a:pPr>
+              <a:buFontTx/>
+              <a:buChar char="-"/>
+            </a:pPr>
+            <a:r>
+              <a:rPr lang="en-US" altLang="ko-KR" sz="1500" dirty="0" smtClean="0"/>
+              <a:t> </a:t>
+            </a:r>
+            <a:r>
+              <a:rPr lang="ko-KR" altLang="en-US" sz="1500" dirty="0" smtClean="0"/>
+              <a:t>화면 왼쪽에는 메뉴를 선택할 수 있는 카테고리가 </a:t>
+            </a:r>
+            <a:r>
+              <a:rPr lang="ko-KR" altLang="en-US" sz="1500" dirty="0" smtClean="0"/>
+              <a:t>위치합니다</a:t>
+            </a:r>
+            <a:r>
+              <a:rPr lang="en-US" altLang="ko-KR" sz="1500" dirty="0" smtClean="0"/>
+              <a:t>.</a:t>
+            </a:r>
+          </a:p>
+          <a:p>
+            <a:pPr>
+              <a:buFontTx/>
+              <a:buChar char="-"/>
+            </a:pPr>
+            <a:endParaRPr lang="en-US" altLang="ko-KR" sz="1500" dirty="0" smtClean="0"/>
+          </a:p>
+          <a:p>
+            <a:pPr>
+              <a:buFontTx/>
+              <a:buChar char="-"/>
+            </a:pPr>
+            <a:r>
+              <a:rPr lang="en-US" altLang="ko-KR" sz="1500" dirty="0" smtClean="0"/>
+              <a:t> </a:t>
+            </a:r>
+            <a:r>
+              <a:rPr lang="ko-KR" altLang="en-US" sz="1500" dirty="0" smtClean="0"/>
+              <a:t>화면 </a:t>
+            </a:r>
+            <a:r>
+              <a:rPr lang="ko-KR" altLang="en-US" sz="1500" dirty="0" smtClean="0"/>
+              <a:t>오른쪽에는 현재 등록된 사용자의 목록을 그룹별로 나누어 나타냅니다</a:t>
+            </a:r>
+            <a:r>
+              <a:rPr lang="en-US" altLang="ko-KR" sz="1500" dirty="0" smtClean="0"/>
+              <a:t>.</a:t>
+            </a:r>
+          </a:p>
+          <a:p>
+            <a:pPr>
+              <a:buFontTx/>
+              <a:buChar char="-"/>
+            </a:pPr>
+            <a:endParaRPr lang="en-US" altLang="ko-KR" sz="1500" dirty="0" smtClean="0"/>
+          </a:p>
+          <a:p>
+            <a:pPr>
+              <a:buFontTx/>
+              <a:buChar char="-"/>
+            </a:pPr>
+            <a:r>
+              <a:rPr lang="en-US" altLang="ko-KR" sz="1500" dirty="0" smtClean="0"/>
+              <a:t> </a:t>
+            </a:r>
+            <a:r>
+              <a:rPr lang="ko-KR" altLang="en-US" sz="1500" dirty="0" smtClean="0"/>
+              <a:t>프로그램이 실행되고 있는 동안에 새로운 소식이 있다면 모니터의 우측 하단에 팝업 창으로 알림이 뜹니다</a:t>
+            </a:r>
+            <a:r>
+              <a:rPr lang="en-US" altLang="ko-KR" sz="1500" dirty="0" smtClean="0"/>
+              <a:t>.</a:t>
+            </a:r>
+            <a:endParaRPr lang="en-US" altLang="ko-KR" sz="1500" dirty="0" smtClean="0"/>
+          </a:p>
+        </p:txBody>
+      </p:sp>
+      <p:pic>
+        <p:nvPicPr>
+          <p:cNvPr id="7" name="그림 6" descr="팝업알림.png"/>
+          <p:cNvPicPr>
+            <a:picLocks noChangeAspect="1"/>
+          </p:cNvPicPr>
+          <p:nvPr/>
+        </p:nvPicPr>
+        <p:blipFill>
+          <a:blip r:embed="rId3"/>
+          <a:srcRect l="35623" t="47150" r="33623" b="45799"/>
+          <a:stretch>
+            <a:fillRect/>
+          </a:stretch>
+        </p:blipFill>
+        <p:spPr>
+          <a:xfrm>
+            <a:off x="8277225" y="6248400"/>
+            <a:ext cx="2343150" cy="447675"/>
+          </a:xfrm>
+          <a:prstGeom prst="rect">
+            <a:avLst/>
+          </a:prstGeom>
+        </p:spPr>
+      </p:pic>
     </p:spTree>
     <p:extLst>
       <p:ext uri="{BB962C8B-B14F-4D97-AF65-F5344CB8AC3E}">
-        <p14:creationId xmlns:p14="http://schemas.microsoft.com/office/powerpoint/2010/main" val="2081439481"/>
+        <p14:creationId xmlns="" xmlns:p14="http://schemas.microsoft.com/office/powerpoint/2010/main" val="2372702934"/>
       </p:ext>
     </p:extLst>
   </p:cSld>
@@ -4775,40 +5052,220 @@
               <a:t>– </a:t>
             </a:r>
             <a:r>
-              <a:rPr lang="ko-KR" altLang="en-US" dirty="0" err="1" smtClean="0"/>
-              <a:t>채팅방</a:t>
-            </a:r>
-            <a:r>
               <a:rPr lang="ko-KR" altLang="en-US" dirty="0" smtClean="0"/>
-              <a:t> 목록</a:t>
+              <a:t>사용자 목록</a:t>
             </a:r>
             <a:endParaRPr lang="ko-KR" altLang="en-US" dirty="0"/>
           </a:p>
         </p:txBody>
       </p:sp>
-      <p:sp>
-        <p:nvSpPr>
-          <p:cNvPr id="4" name="내용 개체 틀 3"/>
-          <p:cNvSpPr>
-            <a:spLocks noGrp="1"/>
-          </p:cNvSpPr>
-          <p:nvPr>
-            <p:ph idx="1"/>
-          </p:nvPr>
-        </p:nvSpPr>
-        <p:spPr/>
-        <p:txBody>
-          <a:bodyPr/>
-          <a:lstStyle/>
-          <a:p>
-            <a:endParaRPr lang="ko-KR" altLang="en-US"/>
+      <p:pic>
+        <p:nvPicPr>
+          <p:cNvPr id="5" name="그림 4" descr="사용자 목록.png"/>
+          <p:cNvPicPr>
+            <a:picLocks noChangeAspect="1"/>
+          </p:cNvPicPr>
+          <p:nvPr/>
+        </p:nvPicPr>
+        <p:blipFill>
+          <a:blip r:embed="rId2"/>
+          <a:stretch>
+            <a:fillRect/>
+          </a:stretch>
+        </p:blipFill>
+        <p:spPr>
+          <a:xfrm>
+            <a:off x="1431233" y="1408595"/>
+            <a:ext cx="6331228" cy="5276023"/>
+          </a:xfrm>
+          <a:prstGeom prst="rect">
+            <a:avLst/>
+          </a:prstGeom>
+        </p:spPr>
+      </p:pic>
+      <p:pic>
+        <p:nvPicPr>
+          <p:cNvPr id="7" name="그림 6" descr="사용자 상세정보.PNG"/>
+          <p:cNvPicPr>
+            <a:picLocks noChangeAspect="1"/>
+          </p:cNvPicPr>
+          <p:nvPr/>
+        </p:nvPicPr>
+        <p:blipFill>
+          <a:blip r:embed="rId3"/>
+          <a:stretch>
+            <a:fillRect/>
+          </a:stretch>
+        </p:blipFill>
+        <p:spPr>
+          <a:xfrm>
+            <a:off x="6755474" y="4957434"/>
+            <a:ext cx="3372321" cy="1733792"/>
+          </a:xfrm>
+          <a:prstGeom prst="rect">
+            <a:avLst/>
+          </a:prstGeom>
+        </p:spPr>
+      </p:pic>
+      <p:sp>
+        <p:nvSpPr>
+          <p:cNvPr id="9" name="직사각형 8"/>
+          <p:cNvSpPr/>
+          <p:nvPr/>
+        </p:nvSpPr>
+        <p:spPr>
+          <a:xfrm>
+            <a:off x="6775174" y="1430012"/>
+            <a:ext cx="3969026" cy="3554819"/>
+          </a:xfrm>
+          <a:prstGeom prst="rect">
+            <a:avLst/>
+          </a:prstGeom>
+        </p:spPr>
+        <p:txBody>
+          <a:bodyPr wrap="square">
+            <a:spAutoFit/>
+          </a:bodyPr>
+          <a:lstStyle/>
+          <a:p>
+            <a:pPr>
+              <a:buFontTx/>
+              <a:buChar char="-"/>
+            </a:pPr>
+            <a:r>
+              <a:rPr lang="ko-KR" altLang="en-US" sz="1500" dirty="0" smtClean="0"/>
+              <a:t> 사용자목록 </a:t>
+            </a:r>
+            <a:r>
+              <a:rPr lang="ko-KR" altLang="en-US" sz="1500" dirty="0" smtClean="0"/>
+              <a:t>탭을 선택하면 현재 등록된 사용자들의 목록을 그룹별로 나누어 출력합니다</a:t>
+            </a:r>
+            <a:r>
+              <a:rPr lang="en-US" altLang="ko-KR" sz="1500" dirty="0" smtClean="0"/>
+              <a:t>.</a:t>
+            </a:r>
+          </a:p>
+          <a:p>
+            <a:pPr>
+              <a:buFontTx/>
+              <a:buChar char="-"/>
+            </a:pPr>
+            <a:r>
+              <a:rPr lang="en-US" altLang="ko-KR" sz="1500" dirty="0" smtClean="0"/>
+              <a:t> </a:t>
+            </a:r>
+            <a:r>
+              <a:rPr lang="ko-KR" altLang="en-US" sz="1500" dirty="0" smtClean="0"/>
+              <a:t>최 상단에는 검색 창이 위치합니다</a:t>
+            </a:r>
+            <a:r>
+              <a:rPr lang="en-US" altLang="ko-KR" sz="1500" dirty="0" smtClean="0"/>
+              <a:t>. </a:t>
+            </a:r>
+            <a:r>
+              <a:rPr lang="ko-KR" altLang="en-US" sz="1500" dirty="0" smtClean="0"/>
+              <a:t>이름을 입력하면 등록된 사용자를 검색해줍니다</a:t>
+            </a:r>
+            <a:r>
+              <a:rPr lang="en-US" altLang="ko-KR" sz="1500" dirty="0" smtClean="0"/>
+              <a:t>.</a:t>
+            </a:r>
+          </a:p>
+          <a:p>
+            <a:pPr>
+              <a:buFontTx/>
+              <a:buChar char="-"/>
+            </a:pPr>
+            <a:endParaRPr lang="en-US" altLang="ko-KR" sz="1500" dirty="0" smtClean="0"/>
+          </a:p>
+          <a:p>
+            <a:pPr>
+              <a:buFontTx/>
+              <a:buChar char="-"/>
+            </a:pPr>
+            <a:r>
+              <a:rPr lang="ko-KR" altLang="en-US" sz="1500" dirty="0" smtClean="0"/>
+              <a:t>맨 </a:t>
+            </a:r>
+            <a:r>
+              <a:rPr lang="ko-KR" altLang="en-US" sz="1500" dirty="0" smtClean="0"/>
+              <a:t>위에는 본인의 프로필을 출력하고 그 아래부터 다른 사용자를 </a:t>
+            </a:r>
+            <a:r>
+              <a:rPr lang="ko-KR" altLang="en-US" sz="1500" dirty="0" smtClean="0"/>
+              <a:t>출력합니다</a:t>
+            </a:r>
+            <a:r>
+              <a:rPr lang="en-US" altLang="ko-KR" sz="1500" dirty="0" smtClean="0"/>
+              <a:t>.</a:t>
+            </a:r>
+          </a:p>
+          <a:p>
+            <a:r>
+              <a:rPr lang="ko-KR" altLang="en-US" sz="1500" dirty="0" smtClean="0"/>
+              <a:t>오른쪽 </a:t>
+            </a:r>
+            <a:r>
+              <a:rPr lang="ko-KR" altLang="en-US" sz="1500" dirty="0" smtClean="0"/>
+              <a:t>화면의 상세 페이지로서 해당 프로필을 선택하면 해당 사용자의 프로필 상세 페이지가 등장합니다</a:t>
+            </a:r>
+            <a:r>
+              <a:rPr lang="en-US" altLang="ko-KR" sz="1500" dirty="0" smtClean="0"/>
+              <a:t>.</a:t>
+            </a:r>
+          </a:p>
+          <a:p>
+            <a:endParaRPr lang="en-US" altLang="ko-KR" sz="1500" dirty="0" smtClean="0"/>
+          </a:p>
+          <a:p>
+            <a:r>
+              <a:rPr lang="en-US" altLang="ko-KR" sz="1500" dirty="0" smtClean="0"/>
+              <a:t>- </a:t>
+            </a:r>
+            <a:r>
+              <a:rPr lang="ko-KR" altLang="en-US" sz="1500" dirty="0" smtClean="0"/>
+              <a:t>상세 </a:t>
+            </a:r>
+            <a:r>
+              <a:rPr lang="ko-KR" altLang="en-US" sz="1500" dirty="0" smtClean="0"/>
+              <a:t>페이지는 명함 형태로 출력되고 목록에서 출력되지 않는 내용</a:t>
+            </a:r>
+            <a:r>
+              <a:rPr lang="en-US" altLang="ko-KR" sz="1500" dirty="0" smtClean="0"/>
+              <a:t>(</a:t>
+            </a:r>
+            <a:r>
+              <a:rPr lang="ko-KR" altLang="en-US" sz="1500" dirty="0" err="1" smtClean="0"/>
+              <a:t>이메일</a:t>
+            </a:r>
+            <a:r>
+              <a:rPr lang="en-US" altLang="ko-KR" sz="1500" dirty="0" smtClean="0"/>
+              <a:t>, </a:t>
+            </a:r>
+            <a:r>
+              <a:rPr lang="ko-KR" altLang="en-US" sz="1500" dirty="0" smtClean="0"/>
+              <a:t>전화번호 등</a:t>
+            </a:r>
+            <a:r>
+              <a:rPr lang="en-US" altLang="ko-KR" sz="1500" dirty="0" smtClean="0"/>
+              <a:t>)</a:t>
+            </a:r>
+            <a:r>
+              <a:rPr lang="ko-KR" altLang="en-US" sz="1500" dirty="0" smtClean="0"/>
+              <a:t>을 출력합니다</a:t>
+            </a:r>
+            <a:r>
+              <a:rPr lang="en-US" altLang="ko-KR" sz="1500" dirty="0" smtClean="0"/>
+              <a:t>.</a:t>
+            </a:r>
+            <a:endParaRPr lang="ko-KR" altLang="en-US" sz="1500" dirty="0"/>
           </a:p>
         </p:txBody>
       </p:sp>
     </p:spTree>
     <p:extLst>
       <p:ext uri="{BB962C8B-B14F-4D97-AF65-F5344CB8AC3E}">
-        <p14:creationId xmlns:p14="http://schemas.microsoft.com/office/powerpoint/2010/main" val="2065060951"/>
+        <p14:creationId xmlns="" xmlns:p14="http://schemas.microsoft.com/office/powerpoint/2010/main" val="2081439481"/>
       </p:ext>
     </p:extLst>
   </p:cSld>
@@ -4869,39 +5326,205 @@
             </a:r>
             <a:r>
               <a:rPr lang="en-US" altLang="ko-KR" dirty="0" smtClean="0"/>
+              <a:t>– </a:t>
+            </a:r>
+            <a:r>
+              <a:rPr lang="ko-KR" altLang="en-US" dirty="0" err="1" smtClean="0"/>
+              <a:t>채팅방</a:t>
+            </a:r>
+            <a:r>
+              <a:rPr lang="ko-KR" altLang="en-US" dirty="0" smtClean="0"/>
+              <a:t> 목록</a:t>
+            </a:r>
+            <a:endParaRPr lang="ko-KR" altLang="en-US" dirty="0"/>
+          </a:p>
+        </p:txBody>
+      </p:sp>
+      <p:pic>
+        <p:nvPicPr>
+          <p:cNvPr id="6" name="그림 5" descr="채팅방 목록.png"/>
+          <p:cNvPicPr>
+            <a:picLocks noChangeAspect="1"/>
+          </p:cNvPicPr>
+          <p:nvPr/>
+        </p:nvPicPr>
+        <p:blipFill>
+          <a:blip r:embed="rId2"/>
+          <a:stretch>
+            <a:fillRect/>
+          </a:stretch>
+        </p:blipFill>
+        <p:spPr>
+          <a:xfrm>
+            <a:off x="1333976" y="1314450"/>
+            <a:ext cx="6575583" cy="5479653"/>
+          </a:xfrm>
+          <a:prstGeom prst="rect">
+            <a:avLst/>
+          </a:prstGeom>
+        </p:spPr>
+      </p:pic>
+      <p:sp>
+        <p:nvSpPr>
+          <p:cNvPr id="7" name="TextBox 6"/>
+          <p:cNvSpPr txBox="1"/>
+          <p:nvPr/>
+        </p:nvSpPr>
+        <p:spPr>
+          <a:xfrm>
+            <a:off x="6896100" y="1628775"/>
+            <a:ext cx="3990975" cy="3093154"/>
+          </a:xfrm>
+          <a:prstGeom prst="rect">
+            <a:avLst/>
+          </a:prstGeom>
+          <a:noFill/>
+        </p:spPr>
+        <p:txBody>
+          <a:bodyPr wrap="square" rtlCol="0">
+            <a:spAutoFit/>
+          </a:bodyPr>
+          <a:lstStyle/>
+          <a:p>
+            <a:pPr>
+              <a:buFontTx/>
+              <a:buChar char="-"/>
+            </a:pPr>
+            <a:r>
+              <a:rPr lang="ko-KR" altLang="en-US" sz="1500" dirty="0" smtClean="0"/>
+              <a:t> 채팅 </a:t>
+            </a:r>
+            <a:r>
+              <a:rPr lang="ko-KR" altLang="en-US" sz="1500" dirty="0" smtClean="0"/>
+              <a:t>탭을 선택하면 사용자가 생성한 </a:t>
+            </a:r>
+            <a:r>
+              <a:rPr lang="ko-KR" altLang="en-US" sz="1500" dirty="0" err="1" smtClean="0"/>
+              <a:t>채팅방의</a:t>
+            </a:r>
+            <a:r>
+              <a:rPr lang="ko-KR" altLang="en-US" sz="1500" dirty="0" smtClean="0"/>
+              <a:t> 목록이 출력됩니다</a:t>
+            </a:r>
+            <a:r>
+              <a:rPr lang="en-US" altLang="ko-KR" sz="1500" dirty="0" smtClean="0"/>
+              <a:t>.</a:t>
+            </a:r>
+          </a:p>
+          <a:p>
+            <a:endParaRPr lang="en-US" altLang="ko-KR" sz="1500" dirty="0" smtClean="0"/>
+          </a:p>
+          <a:p>
+            <a:pPr>
+              <a:buFontTx/>
+              <a:buChar char="-"/>
+            </a:pPr>
+            <a:r>
+              <a:rPr lang="ko-KR" altLang="en-US" sz="1500" dirty="0" smtClean="0"/>
+              <a:t> 채팅 </a:t>
+            </a:r>
+            <a:r>
+              <a:rPr lang="ko-KR" altLang="en-US" sz="1500" dirty="0" smtClean="0"/>
+              <a:t>탭에서는 상대를 초대하는 개인채팅방과 누구든지 </a:t>
+            </a:r>
+            <a:r>
+              <a:rPr lang="ko-KR" altLang="en-US" sz="1500" dirty="0" err="1" smtClean="0"/>
+              <a:t>제한없이</a:t>
+            </a:r>
+            <a:r>
+              <a:rPr lang="ko-KR" altLang="en-US" sz="1500" dirty="0" smtClean="0"/>
+              <a:t> 입장할 수 있는 오픈 </a:t>
+            </a:r>
+            <a:r>
+              <a:rPr lang="ko-KR" altLang="en-US" sz="1500" dirty="0" err="1" smtClean="0"/>
+              <a:t>채팅방을</a:t>
+            </a:r>
+            <a:r>
+              <a:rPr lang="ko-KR" altLang="en-US" sz="1500" dirty="0" smtClean="0"/>
+              <a:t> 생성할 수 있습니다</a:t>
+            </a:r>
+            <a:r>
+              <a:rPr lang="en-US" altLang="ko-KR" sz="1500" dirty="0" smtClean="0"/>
+              <a:t>.</a:t>
+            </a:r>
+          </a:p>
+          <a:p>
+            <a:pPr>
+              <a:buFontTx/>
+              <a:buChar char="-"/>
+            </a:pPr>
+            <a:endParaRPr lang="en-US" altLang="ko-KR" sz="1500" dirty="0" smtClean="0"/>
+          </a:p>
+          <a:p>
+            <a:pPr>
+              <a:buFontTx/>
+              <a:buChar char="-"/>
+            </a:pPr>
+            <a:r>
+              <a:rPr lang="ko-KR" altLang="en-US" sz="1500" dirty="0" smtClean="0"/>
+              <a:t> 또한 </a:t>
+            </a:r>
+            <a:r>
+              <a:rPr lang="ko-KR" altLang="en-US" sz="1500" dirty="0" smtClean="0"/>
+              <a:t>화면 오른쪽에 있는 사용자 목록에서도 사용자를 선택해 </a:t>
+            </a:r>
+            <a:r>
+              <a:rPr lang="ko-KR" altLang="en-US" sz="1500" dirty="0" err="1" smtClean="0"/>
+              <a:t>채팅방을</a:t>
+            </a:r>
+            <a:r>
+              <a:rPr lang="ko-KR" altLang="en-US" sz="1500" dirty="0" smtClean="0"/>
+              <a:t> 생성할 수 있습니다</a:t>
+            </a:r>
+            <a:r>
+              <a:rPr lang="en-US" altLang="ko-KR" sz="1500" dirty="0" smtClean="0"/>
+              <a:t>.</a:t>
+            </a:r>
+          </a:p>
+          <a:p>
+            <a:pPr>
+              <a:buFontTx/>
+              <a:buChar char="-"/>
+            </a:pPr>
+            <a:endParaRPr lang="en-US" altLang="ko-KR" sz="1500" dirty="0" smtClean="0"/>
+          </a:p>
+          <a:p>
+            <a:r>
+              <a:rPr lang="en-US" altLang="ko-KR" sz="1500" dirty="0" smtClean="0"/>
               <a:t>- </a:t>
             </a:r>
             <a:r>
-              <a:rPr lang="ko-KR" altLang="en-US" dirty="0" smtClean="0"/>
-              <a:t>게시판</a:t>
-            </a:r>
-            <a:endParaRPr lang="ko-KR" altLang="en-US" dirty="0"/>
-          </a:p>
-        </p:txBody>
-      </p:sp>
-      <p:sp>
-        <p:nvSpPr>
-          <p:cNvPr id="4" name="내용 개체 틀 3"/>
-          <p:cNvSpPr>
-            <a:spLocks noGrp="1"/>
-          </p:cNvSpPr>
-          <p:nvPr>
-            <p:ph idx="1"/>
-          </p:nvPr>
-        </p:nvSpPr>
-        <p:spPr/>
-        <p:txBody>
-          <a:bodyPr/>
-          <a:lstStyle/>
-          <a:p>
-            <a:endParaRPr lang="ko-KR" altLang="en-US"/>
+              <a:rPr lang="ko-KR" altLang="en-US" sz="1500" dirty="0" err="1" smtClean="0"/>
+              <a:t>채팅방</a:t>
+            </a:r>
+            <a:r>
+              <a:rPr lang="ko-KR" altLang="en-US" sz="1500" dirty="0" smtClean="0"/>
+              <a:t> </a:t>
+            </a:r>
+            <a:r>
+              <a:rPr lang="ko-KR" altLang="en-US" sz="1500" dirty="0" smtClean="0"/>
+              <a:t>목록에서는 해당 </a:t>
+            </a:r>
+            <a:r>
+              <a:rPr lang="ko-KR" altLang="en-US" sz="1500" dirty="0" err="1" smtClean="0"/>
+              <a:t>채팅방을</a:t>
+            </a:r>
+            <a:r>
+              <a:rPr lang="ko-KR" altLang="en-US" sz="1500" dirty="0" smtClean="0"/>
+              <a:t> 선택해 방을 삭제할 수도 있습니다</a:t>
+            </a:r>
+            <a:r>
+              <a:rPr lang="en-US" altLang="ko-KR" sz="1500" dirty="0" smtClean="0"/>
+              <a:t>.</a:t>
+            </a:r>
+            <a:endParaRPr lang="ko-KR" altLang="en-US" sz="1500" dirty="0"/>
           </a:p>
         </p:txBody>
       </p:sp>
     </p:spTree>
     <p:extLst>
       <p:ext uri="{BB962C8B-B14F-4D97-AF65-F5344CB8AC3E}">
-        <p14:creationId xmlns:p14="http://schemas.microsoft.com/office/powerpoint/2010/main" val="2705078034"/>
+        <p14:creationId xmlns="" xmlns:p14="http://schemas.microsoft.com/office/powerpoint/2010/main" val="2065060951"/>
       </p:ext>
     </p:extLst>
   </p:cSld>
@@ -4962,39 +5585,143 @@
             </a:r>
             <a:r>
               <a:rPr lang="en-US" altLang="ko-KR" dirty="0" smtClean="0"/>
+              <a:t>– </a:t>
+            </a:r>
+            <a:r>
+              <a:rPr lang="ko-KR" altLang="en-US" dirty="0" err="1" smtClean="0"/>
+              <a:t>채팅방</a:t>
+            </a:r>
+            <a:r>
+              <a:rPr lang="ko-KR" altLang="en-US" dirty="0" smtClean="0"/>
+              <a:t> 목록</a:t>
+            </a:r>
+            <a:endParaRPr lang="ko-KR" altLang="en-US" dirty="0"/>
+          </a:p>
+        </p:txBody>
+      </p:sp>
+      <p:pic>
+        <p:nvPicPr>
+          <p:cNvPr id="3" name="그림 2" descr="채팅방.png"/>
+          <p:cNvPicPr>
+            <a:picLocks noChangeAspect="1"/>
+          </p:cNvPicPr>
+          <p:nvPr/>
+        </p:nvPicPr>
+        <p:blipFill>
+          <a:blip r:embed="rId2"/>
+          <a:stretch>
+            <a:fillRect/>
+          </a:stretch>
+        </p:blipFill>
+        <p:spPr>
+          <a:xfrm>
+            <a:off x="1438751" y="1609725"/>
+            <a:ext cx="6015513" cy="5012928"/>
+          </a:xfrm>
+          <a:prstGeom prst="rect">
+            <a:avLst/>
+          </a:prstGeom>
+        </p:spPr>
+      </p:pic>
+      <p:sp>
+        <p:nvSpPr>
+          <p:cNvPr id="4" name="TextBox 3"/>
+          <p:cNvSpPr txBox="1"/>
+          <p:nvPr/>
+        </p:nvSpPr>
+        <p:spPr>
+          <a:xfrm>
+            <a:off x="6591300" y="2171700"/>
+            <a:ext cx="3952875" cy="1477328"/>
+          </a:xfrm>
+          <a:prstGeom prst="rect">
+            <a:avLst/>
+          </a:prstGeom>
+          <a:noFill/>
+        </p:spPr>
+        <p:txBody>
+          <a:bodyPr wrap="square" rtlCol="0">
+            <a:spAutoFit/>
+          </a:bodyPr>
+          <a:lstStyle/>
+          <a:p>
+            <a:pPr>
+              <a:buFontTx/>
+              <a:buChar char="-"/>
+            </a:pPr>
+            <a:r>
+              <a:rPr lang="ko-KR" altLang="en-US" sz="1500" dirty="0" smtClean="0"/>
+              <a:t> </a:t>
+            </a:r>
+            <a:r>
+              <a:rPr lang="ko-KR" altLang="en-US" sz="1500" dirty="0" err="1" smtClean="0"/>
+              <a:t>채팅방을</a:t>
+            </a:r>
+            <a:r>
+              <a:rPr lang="ko-KR" altLang="en-US" sz="1500" dirty="0" smtClean="0"/>
+              <a:t> </a:t>
+            </a:r>
+            <a:r>
+              <a:rPr lang="ko-KR" altLang="en-US" sz="1500" dirty="0" smtClean="0"/>
+              <a:t>생성하고 </a:t>
+            </a:r>
+            <a:r>
+              <a:rPr lang="ko-KR" altLang="en-US" sz="1500" dirty="0" err="1" smtClean="0"/>
+              <a:t>채팅방에</a:t>
+            </a:r>
+            <a:r>
+              <a:rPr lang="ko-KR" altLang="en-US" sz="1500" dirty="0" smtClean="0"/>
+              <a:t> </a:t>
+            </a:r>
+            <a:r>
+              <a:rPr lang="ko-KR" altLang="en-US" sz="1500" dirty="0" smtClean="0"/>
+              <a:t>입장하면 </a:t>
+            </a:r>
+            <a:r>
+              <a:rPr lang="ko-KR" altLang="en-US" sz="1500" dirty="0" smtClean="0"/>
+              <a:t>다음과 같은 화면이 출력됩니다</a:t>
+            </a:r>
+            <a:r>
+              <a:rPr lang="en-US" altLang="ko-KR" sz="1500" dirty="0" smtClean="0"/>
+              <a:t>.</a:t>
+            </a:r>
+          </a:p>
+          <a:p>
+            <a:pPr>
+              <a:buFontTx/>
+              <a:buChar char="-"/>
+            </a:pPr>
+            <a:endParaRPr lang="en-US" altLang="ko-KR" sz="1500" dirty="0" smtClean="0"/>
+          </a:p>
+          <a:p>
+            <a:r>
+              <a:rPr lang="en-US" altLang="ko-KR" sz="1500" dirty="0" smtClean="0"/>
               <a:t>- </a:t>
             </a:r>
             <a:r>
-              <a:rPr lang="ko-KR" altLang="en-US" dirty="0" smtClean="0"/>
-              <a:t>일정</a:t>
-            </a:r>
-            <a:endParaRPr lang="ko-KR" altLang="en-US" dirty="0"/>
-          </a:p>
-        </p:txBody>
-      </p:sp>
-      <p:sp>
-        <p:nvSpPr>
-          <p:cNvPr id="4" name="내용 개체 틀 3"/>
-          <p:cNvSpPr>
-            <a:spLocks noGrp="1"/>
-          </p:cNvSpPr>
-          <p:nvPr>
-            <p:ph idx="1"/>
-          </p:nvPr>
-        </p:nvSpPr>
-        <p:spPr/>
-        <p:txBody>
-          <a:bodyPr/>
-          <a:lstStyle/>
-          <a:p>
-            <a:endParaRPr lang="ko-KR" altLang="en-US"/>
+              <a:rPr lang="ko-KR" altLang="en-US" sz="1500" dirty="0" err="1" smtClean="0"/>
+              <a:t>채팅방</a:t>
+            </a:r>
+            <a:r>
+              <a:rPr lang="ko-KR" altLang="en-US" sz="1500" dirty="0" smtClean="0"/>
+              <a:t> </a:t>
+            </a:r>
+            <a:r>
+              <a:rPr lang="ko-KR" altLang="en-US" sz="1500" dirty="0" smtClean="0"/>
+              <a:t>안에서는 상대방에게 메시지를 보내거나 상대방의 메시지를 받을 수 있고 파일전송이 가능합니다</a:t>
+            </a:r>
+            <a:r>
+              <a:rPr lang="en-US" altLang="ko-KR" sz="1500" dirty="0" smtClean="0"/>
+              <a:t>.</a:t>
+            </a:r>
+            <a:endParaRPr lang="ko-KR" altLang="en-US" sz="1500" dirty="0"/>
           </a:p>
         </p:txBody>
       </p:sp>
     </p:spTree>
     <p:extLst>
       <p:ext uri="{BB962C8B-B14F-4D97-AF65-F5344CB8AC3E}">
-        <p14:creationId xmlns:p14="http://schemas.microsoft.com/office/powerpoint/2010/main" val="563193488"/>
+        <p14:creationId xmlns="" xmlns:p14="http://schemas.microsoft.com/office/powerpoint/2010/main" val="2065060951"/>
       </p:ext>
     </p:extLst>
   </p:cSld>
@@ -5051,35 +5778,173 @@
             <a:pPr algn="l"/>
             <a:r>
               <a:rPr lang="ko-KR" altLang="en-US" dirty="0" smtClean="0"/>
-              <a:t>데이터 베이스 설계</a:t>
+              <a:t>프로젝트 상세 설명 </a:t>
+            </a:r>
+            <a:r>
+              <a:rPr lang="en-US" altLang="ko-KR" dirty="0" smtClean="0"/>
+              <a:t>- </a:t>
+            </a:r>
+            <a:r>
+              <a:rPr lang="ko-KR" altLang="en-US" dirty="0" smtClean="0"/>
+              <a:t>게시판</a:t>
             </a:r>
             <a:endParaRPr lang="ko-KR" altLang="en-US" dirty="0"/>
           </a:p>
         </p:txBody>
       </p:sp>
-      <p:sp>
-        <p:nvSpPr>
-          <p:cNvPr id="4" name="내용 개체 틀 3"/>
-          <p:cNvSpPr>
-            <a:spLocks noGrp="1"/>
-          </p:cNvSpPr>
-          <p:nvPr>
-            <p:ph idx="1"/>
-          </p:nvPr>
-        </p:nvSpPr>
-        <p:spPr/>
-        <p:txBody>
-          <a:bodyPr/>
-          <a:lstStyle/>
-          <a:p>
-            <a:endParaRPr lang="ko-KR" altLang="en-US"/>
+      <p:pic>
+        <p:nvPicPr>
+          <p:cNvPr id="5" name="그림 4" descr="게시판목록.png"/>
+          <p:cNvPicPr>
+            <a:picLocks noChangeAspect="1"/>
+          </p:cNvPicPr>
+          <p:nvPr/>
+        </p:nvPicPr>
+        <p:blipFill>
+          <a:blip r:embed="rId2"/>
+          <a:stretch>
+            <a:fillRect/>
+          </a:stretch>
+        </p:blipFill>
+        <p:spPr>
+          <a:xfrm>
+            <a:off x="1391126" y="1457325"/>
+            <a:ext cx="6312693" cy="5260578"/>
+          </a:xfrm>
+          <a:prstGeom prst="rect">
+            <a:avLst/>
+          </a:prstGeom>
+        </p:spPr>
+      </p:pic>
+      <p:sp>
+        <p:nvSpPr>
+          <p:cNvPr id="6" name="TextBox 5"/>
+          <p:cNvSpPr txBox="1"/>
+          <p:nvPr/>
+        </p:nvSpPr>
+        <p:spPr>
+          <a:xfrm>
+            <a:off x="6715125" y="1457325"/>
+            <a:ext cx="3705225" cy="2862322"/>
+          </a:xfrm>
+          <a:prstGeom prst="rect">
+            <a:avLst/>
+          </a:prstGeom>
+          <a:noFill/>
+        </p:spPr>
+        <p:txBody>
+          <a:bodyPr wrap="square" rtlCol="0">
+            <a:spAutoFit/>
+          </a:bodyPr>
+          <a:lstStyle/>
+          <a:p>
+            <a:pPr>
+              <a:buFontTx/>
+              <a:buChar char="-"/>
+            </a:pPr>
+            <a:r>
+              <a:rPr lang="ko-KR" altLang="en-US" sz="1500" dirty="0" smtClean="0"/>
+              <a:t> 게시판 </a:t>
+            </a:r>
+            <a:r>
+              <a:rPr lang="ko-KR" altLang="en-US" sz="1500" dirty="0" smtClean="0"/>
+              <a:t>탭을 선택하면 등록된 게시물의 리스트가 출력됩니다</a:t>
+            </a:r>
+            <a:r>
+              <a:rPr lang="en-US" altLang="ko-KR" sz="1500" dirty="0" smtClean="0"/>
+              <a:t>.</a:t>
+            </a:r>
+          </a:p>
+          <a:p>
+            <a:pPr>
+              <a:buFontTx/>
+              <a:buChar char="-"/>
+            </a:pPr>
+            <a:endParaRPr lang="en-US" altLang="ko-KR" sz="1500" dirty="0" smtClean="0"/>
+          </a:p>
+          <a:p>
+            <a:pPr>
+              <a:buFontTx/>
+              <a:buChar char="-"/>
+            </a:pPr>
+            <a:r>
+              <a:rPr lang="ko-KR" altLang="en-US" sz="1500" dirty="0" smtClean="0"/>
+              <a:t> 상단의 </a:t>
+            </a:r>
+            <a:r>
+              <a:rPr lang="ko-KR" altLang="en-US" sz="1500" dirty="0" smtClean="0"/>
+              <a:t>머리말을 선택하면 </a:t>
+            </a:r>
+            <a:r>
+              <a:rPr lang="ko-KR" altLang="en-US" sz="1500" dirty="0" err="1" smtClean="0"/>
+              <a:t>필터링을</a:t>
+            </a:r>
+            <a:r>
+              <a:rPr lang="ko-KR" altLang="en-US" sz="1500" dirty="0" smtClean="0"/>
+              <a:t> 통해 해당하는 머리말의 게시물만 출력합니다</a:t>
+            </a:r>
+            <a:r>
+              <a:rPr lang="en-US" altLang="ko-KR" sz="1500" dirty="0" smtClean="0"/>
+              <a:t>.</a:t>
+            </a:r>
+          </a:p>
+          <a:p>
+            <a:pPr>
+              <a:buFontTx/>
+              <a:buChar char="-"/>
+            </a:pPr>
+            <a:endParaRPr lang="en-US" altLang="ko-KR" sz="1500" dirty="0" smtClean="0"/>
+          </a:p>
+          <a:p>
+            <a:pPr>
+              <a:buFontTx/>
+              <a:buChar char="-"/>
+            </a:pPr>
+            <a:r>
+              <a:rPr lang="ko-KR" altLang="en-US" sz="1500" dirty="0" smtClean="0"/>
+              <a:t> 새 </a:t>
+            </a:r>
+            <a:r>
+              <a:rPr lang="ko-KR" altLang="en-US" sz="1500" dirty="0" smtClean="0"/>
+              <a:t>글 쓰기를 누르면 게시물을 등록할 수 있는 창이 등장합니다</a:t>
+            </a:r>
+            <a:r>
+              <a:rPr lang="en-US" altLang="ko-KR" sz="1500" dirty="0" smtClean="0"/>
+              <a:t>.</a:t>
+            </a:r>
+          </a:p>
+          <a:p>
+            <a:pPr>
+              <a:buFontTx/>
+              <a:buChar char="-"/>
+            </a:pPr>
+            <a:endParaRPr lang="en-US" altLang="ko-KR" sz="1500" dirty="0" smtClean="0"/>
+          </a:p>
+          <a:p>
+            <a:r>
+              <a:rPr lang="en-US" altLang="ko-KR" sz="1500" dirty="0" smtClean="0"/>
+              <a:t>- </a:t>
+            </a:r>
+            <a:r>
+              <a:rPr lang="ko-KR" altLang="en-US" sz="1500" dirty="0" smtClean="0"/>
+              <a:t>게시물의 </a:t>
+            </a:r>
+            <a:r>
+              <a:rPr lang="ko-KR" altLang="en-US" sz="1500" dirty="0" smtClean="0"/>
+              <a:t>내용을 확인하려면 리스트에서 해당 게시물을 선택하면 됩니다</a:t>
+            </a:r>
+            <a:r>
+              <a:rPr lang="en-US" altLang="ko-KR" sz="1500" dirty="0" smtClean="0"/>
+              <a:t>.</a:t>
+            </a:r>
+            <a:endParaRPr lang="ko-KR" altLang="en-US" sz="1500" dirty="0"/>
           </a:p>
         </p:txBody>
       </p:sp>
     </p:spTree>
     <p:extLst>
       <p:ext uri="{BB962C8B-B14F-4D97-AF65-F5344CB8AC3E}">
-        <p14:creationId xmlns:p14="http://schemas.microsoft.com/office/powerpoint/2010/main" val="2747580281"/>
+        <p14:creationId xmlns="" xmlns:p14="http://schemas.microsoft.com/office/powerpoint/2010/main" val="2705078034"/>
       </p:ext>
     </p:extLst>
   </p:cSld>
@@ -5136,7 +6001,15 @@
             <a:pPr algn="l"/>
             <a:r>
               <a:rPr lang="ko-KR" altLang="en-US" dirty="0" smtClean="0"/>
-              <a:t>데이터 베이스 설계</a:t>
+              <a:t>프로젝트 상세 설명 </a:t>
+            </a:r>
+            <a:r>
+              <a:rPr lang="en-US" altLang="ko-KR" dirty="0" smtClean="0"/>
+              <a:t>- </a:t>
+            </a:r>
+            <a:r>
+              <a:rPr lang="ko-KR" altLang="en-US" dirty="0" smtClean="0"/>
+              <a:t>게시판</a:t>
             </a:r>
             <a:endParaRPr lang="ko-KR" altLang="en-US" dirty="0"/>
           </a:p>
@@ -5144,27 +6017,99 @@
       </p:sp>
       <p:sp>
         <p:nvSpPr>
-          <p:cNvPr id="4" name="내용 개체 틀 3"/>
-          <p:cNvSpPr>
-            <a:spLocks noGrp="1"/>
-          </p:cNvSpPr>
-          <p:nvPr>
-            <p:ph idx="1"/>
-          </p:nvPr>
-        </p:nvSpPr>
-        <p:spPr/>
-        <p:txBody>
-          <a:bodyPr/>
-          <a:lstStyle/>
-          <a:p>
-            <a:endParaRPr lang="ko-KR" altLang="en-US"/>
-          </a:p>
-        </p:txBody>
-      </p:sp>
+          <p:cNvPr id="6" name="TextBox 5"/>
+          <p:cNvSpPr txBox="1"/>
+          <p:nvPr/>
+        </p:nvSpPr>
+        <p:spPr>
+          <a:xfrm>
+            <a:off x="6715125" y="1457325"/>
+            <a:ext cx="3705225" cy="1938992"/>
+          </a:xfrm>
+          <a:prstGeom prst="rect">
+            <a:avLst/>
+          </a:prstGeom>
+          <a:noFill/>
+        </p:spPr>
+        <p:txBody>
+          <a:bodyPr wrap="square" rtlCol="0">
+            <a:spAutoFit/>
+          </a:bodyPr>
+          <a:lstStyle/>
+          <a:p>
+            <a:pPr>
+              <a:buFontTx/>
+              <a:buChar char="-"/>
+            </a:pPr>
+            <a:r>
+              <a:rPr lang="ko-KR" altLang="en-US" sz="1500" dirty="0" smtClean="0"/>
+              <a:t>게시물을 열람하면 다음과 같은 화면으로 전환되고 게시물을 내용을 열람할 수 있게 됩니다</a:t>
+            </a:r>
+            <a:r>
+              <a:rPr lang="en-US" altLang="ko-KR" sz="1500" dirty="0" smtClean="0"/>
+              <a:t>.</a:t>
+            </a:r>
+          </a:p>
+          <a:p>
+            <a:pPr>
+              <a:buFontTx/>
+              <a:buChar char="-"/>
+            </a:pPr>
+            <a:endParaRPr lang="en-US" altLang="ko-KR" sz="1500" dirty="0" smtClean="0"/>
+          </a:p>
+          <a:p>
+            <a:pPr>
+              <a:buFontTx/>
+              <a:buChar char="-"/>
+            </a:pPr>
+            <a:r>
+              <a:rPr lang="ko-KR" altLang="en-US" sz="1500" dirty="0" smtClean="0"/>
+              <a:t>게시물 열람 화면에서는 해당 게시물에 </a:t>
+            </a:r>
+            <a:r>
+              <a:rPr lang="ko-KR" altLang="en-US" sz="1500" dirty="0" err="1" smtClean="0"/>
+              <a:t>댓글도</a:t>
+            </a:r>
+            <a:r>
+              <a:rPr lang="ko-KR" altLang="en-US" sz="1500" dirty="0" smtClean="0"/>
+              <a:t> 등록할 수 있고 자신의 게시물이라면 삭제 또는 수정 작업을 진행할 수 있습니다</a:t>
+            </a:r>
+            <a:r>
+              <a:rPr lang="en-US" altLang="ko-KR" sz="1500" dirty="0" smtClean="0"/>
+              <a:t>.</a:t>
+            </a:r>
+            <a:endParaRPr lang="ko-KR" altLang="en-US" sz="1500" dirty="0"/>
+          </a:p>
+        </p:txBody>
+      </p:sp>
+      <p:pic>
+        <p:nvPicPr>
+          <p:cNvPr id="7" name="그림 6" descr="게시물 열람.png"/>
+          <p:cNvPicPr>
+            <a:picLocks noChangeAspect="1"/>
+          </p:cNvPicPr>
+          <p:nvPr/>
+        </p:nvPicPr>
+        <p:blipFill>
+          <a:blip r:embed="rId2"/>
+          <a:stretch>
+            <a:fillRect/>
+          </a:stretch>
+        </p:blipFill>
+        <p:spPr>
+          <a:xfrm>
+            <a:off x="1400174" y="1430336"/>
+            <a:ext cx="6353175" cy="5294313"/>
+          </a:xfrm>
+          <a:prstGeom prst="rect">
+            <a:avLst/>
+          </a:prstGeom>
+        </p:spPr>
+      </p:pic>
     </p:spTree>
     <p:extLst>
       <p:ext uri="{BB962C8B-B14F-4D97-AF65-F5344CB8AC3E}">
-        <p14:creationId xmlns:p14="http://schemas.microsoft.com/office/powerpoint/2010/main" val="2536428638"/>
+        <p14:creationId xmlns="" xmlns:p14="http://schemas.microsoft.com/office/powerpoint/2010/main" val="2705078034"/>
       </p:ext>
     </p:extLst>
   </p:cSld>
@@ -5205,34 +6150,690 @@
             <a:spLocks noGrp="1"/>
           </p:cNvSpPr>
           <p:nvPr>
-            <p:ph type="ctrTitle"/>
-          </p:nvPr>
-        </p:nvSpPr>
-        <p:spPr>
-          <a:xfrm>
-            <a:off x="1172475" y="3518186"/>
-            <a:ext cx="6447526" cy="973668"/>
-          </a:xfrm>
-        </p:spPr>
-        <p:txBody>
-          <a:bodyPr>
-            <a:normAutofit/>
+            <p:ph type="title"/>
+          </p:nvPr>
+        </p:nvSpPr>
+        <p:spPr>
+          <a:xfrm>
+            <a:off x="2340875" y="841923"/>
+            <a:ext cx="7958331" cy="1077229"/>
+          </a:xfrm>
+        </p:spPr>
+        <p:txBody>
+          <a:bodyPr/>
+          <a:lstStyle/>
+          <a:p>
+            <a:pPr algn="l"/>
+            <a:r>
+              <a:rPr lang="ko-KR" altLang="en-US" dirty="0" smtClean="0"/>
+              <a:t>프로젝트 상세 설명 </a:t>
+            </a:r>
+            <a:r>
+              <a:rPr lang="en-US" altLang="ko-KR" dirty="0" smtClean="0"/>
+              <a:t>- </a:t>
+            </a:r>
+            <a:r>
+              <a:rPr lang="ko-KR" altLang="en-US" dirty="0" smtClean="0"/>
+              <a:t>게시물 등록 </a:t>
+            </a:r>
+            <a:r>
+              <a:rPr lang="en-US" altLang="ko-KR" dirty="0" smtClean="0"/>
+              <a:t>/ </a:t>
+            </a:r>
+            <a:r>
+              <a:rPr lang="ko-KR" altLang="en-US" dirty="0" smtClean="0"/>
+              <a:t>수정</a:t>
+            </a:r>
+            <a:endParaRPr lang="ko-KR" altLang="en-US" dirty="0"/>
+          </a:p>
+        </p:txBody>
+      </p:sp>
+      <p:sp>
+        <p:nvSpPr>
+          <p:cNvPr id="6" name="TextBox 5"/>
+          <p:cNvSpPr txBox="1"/>
+          <p:nvPr/>
+        </p:nvSpPr>
+        <p:spPr>
+          <a:xfrm>
+            <a:off x="6715125" y="1457325"/>
+            <a:ext cx="4019550" cy="3323987"/>
+          </a:xfrm>
+          <a:prstGeom prst="rect">
+            <a:avLst/>
+          </a:prstGeom>
+          <a:noFill/>
+        </p:spPr>
+        <p:txBody>
+          <a:bodyPr wrap="square" rtlCol="0">
+            <a:spAutoFit/>
           </a:bodyPr>
           <a:lstStyle/>
           <a:p>
-            <a:pPr algn="ctr"/>
-            <a:r>
-              <a:rPr lang="ko-KR" altLang="en-US" dirty="0" smtClean="0"/>
-              <a:t>감사합니다</a:t>
-            </a:r>
-            <a:endParaRPr lang="ko-KR" altLang="en-US" dirty="0"/>
-          </a:p>
-        </p:txBody>
-      </p:sp>
+            <a:pPr>
+              <a:buFontTx/>
+              <a:buChar char="-"/>
+            </a:pPr>
+            <a:r>
+              <a:rPr lang="ko-KR" altLang="en-US" sz="1500" dirty="0" smtClean="0"/>
+              <a:t>새 글 쓰기 버튼을 누르면 게시물 등록 창이 등장합니다</a:t>
+            </a:r>
+            <a:r>
+              <a:rPr lang="en-US" altLang="ko-KR" sz="1500" dirty="0" smtClean="0"/>
+              <a:t>.</a:t>
+            </a:r>
+          </a:p>
+          <a:p>
+            <a:pPr>
+              <a:buFontTx/>
+              <a:buChar char="-"/>
+            </a:pPr>
+            <a:endParaRPr lang="en-US" altLang="ko-KR" sz="1500" dirty="0" smtClean="0"/>
+          </a:p>
+          <a:p>
+            <a:pPr>
+              <a:buFontTx/>
+              <a:buChar char="-"/>
+            </a:pPr>
+            <a:r>
+              <a:rPr lang="ko-KR" altLang="en-US" sz="1500" dirty="0" smtClean="0"/>
+              <a:t>게시판을 선택해 머리말을 등록할 수 있고 제목과 내용을 입력한 후 게시물 수정이나 삭제에 사용되는 비밀번호를 입력하고 등록을 누르면 데이터베이스에 내용이 저장되고 게시물이 등록됩니다</a:t>
+            </a:r>
+            <a:r>
+              <a:rPr lang="en-US" altLang="ko-KR" sz="1500" dirty="0" smtClean="0"/>
+              <a:t>.</a:t>
+            </a:r>
+          </a:p>
+          <a:p>
+            <a:pPr>
+              <a:buFontTx/>
+              <a:buChar char="-"/>
+            </a:pPr>
+            <a:endParaRPr lang="en-US" altLang="ko-KR" sz="1500" dirty="0" smtClean="0"/>
+          </a:p>
+          <a:p>
+            <a:pPr>
+              <a:buFontTx/>
+              <a:buChar char="-"/>
+            </a:pPr>
+            <a:r>
+              <a:rPr lang="ko-KR" altLang="en-US" sz="1500" dirty="0" smtClean="0"/>
+              <a:t>게시물을 열람하는 창에서 수정버튼을 누르면 게시물 수정 창이 등장하는데 여기에서는 수정하거나 삭제를 하기 위해선 처음에 등록한 비밀번호를 입력해야 진행할 수 있습니다</a:t>
+            </a:r>
+            <a:r>
+              <a:rPr lang="en-US" altLang="ko-KR" sz="1500" dirty="0" smtClean="0"/>
+              <a:t>.</a:t>
+            </a:r>
+            <a:endParaRPr lang="ko-KR" altLang="en-US" sz="1500" dirty="0"/>
+          </a:p>
+        </p:txBody>
+      </p:sp>
+      <p:pic>
+        <p:nvPicPr>
+          <p:cNvPr id="7" name="그림 6" descr="게시물 등록.png"/>
+          <p:cNvPicPr>
+            <a:picLocks noChangeAspect="1"/>
+          </p:cNvPicPr>
+          <p:nvPr/>
+        </p:nvPicPr>
+        <p:blipFill>
+          <a:blip r:embed="rId2"/>
+          <a:stretch>
+            <a:fillRect/>
+          </a:stretch>
+        </p:blipFill>
+        <p:spPr>
+          <a:xfrm>
+            <a:off x="2066925" y="1390650"/>
+            <a:ext cx="5546883" cy="4622403"/>
+          </a:xfrm>
+          <a:prstGeom prst="rect">
+            <a:avLst/>
+          </a:prstGeom>
+        </p:spPr>
+      </p:pic>
+      <p:pic>
+        <p:nvPicPr>
+          <p:cNvPr id="8" name="그림 7" descr="게시물 수정.png"/>
+          <p:cNvPicPr>
+            <a:picLocks noChangeAspect="1"/>
+          </p:cNvPicPr>
+          <p:nvPr/>
+        </p:nvPicPr>
+        <p:blipFill>
+          <a:blip r:embed="rId3"/>
+          <a:stretch>
+            <a:fillRect/>
+          </a:stretch>
+        </p:blipFill>
+        <p:spPr>
+          <a:xfrm>
+            <a:off x="133350" y="2149872"/>
+            <a:ext cx="5649753" cy="4708128"/>
+          </a:xfrm>
+          <a:prstGeom prst="rect">
+            <a:avLst/>
+          </a:prstGeom>
+        </p:spPr>
+      </p:pic>
     </p:spTree>
     <p:extLst>
       <p:ext uri="{BB962C8B-B14F-4D97-AF65-F5344CB8AC3E}">
-        <p14:creationId xmlns:p14="http://schemas.microsoft.com/office/powerpoint/2010/main" val="243971917"/>
+        <p14:creationId xmlns="" xmlns:p14="http://schemas.microsoft.com/office/powerpoint/2010/main" val="2705078034"/>
+      </p:ext>
+    </p:extLst>
+  </p:cSld>
+  <p:clrMapOvr>
+    <a:masterClrMapping/>
+  </p:clrMapOvr>
+  <p:timing>
+    <p:tnLst>
+      <p:par>
+        <p:cTn id="1" dur="indefinite" restart="never" nodeType="tmRoot"/>
+      </p:par>
+    </p:tnLst>
+  </p:timing>
+</p:sld>
+</file>
+
+<file path=ppt/slides/slide17.xml><?xml version="1.0" encoding="utf-8"?>
+<p:sld xmlns:a="http://schemas.openxmlformats.org/drawingml/2006/main" xmlns:r="http://schemas.openxmlformats.org/officeDocument/2006/relationships" xmlns:p="http://schemas.openxmlformats.org/presentationml/2006/main">
+  <p:cSld>
+    <p:spTree>
+      <p:nvGrpSpPr>
+        <p:cNvPr id="1" name=""/>
+        <p:cNvGrpSpPr/>
+        <p:nvPr/>
+      </p:nvGrpSpPr>
+      <p:grpSpPr>
+        <a:xfrm>
+          <a:off x="0" y="0"/>
+          <a:ext cx="0" cy="0"/>
+          <a:chOff x="0" y="0"/>
+          <a:chExt cx="0" cy="0"/>
+        </a:xfrm>
+      </p:grpSpPr>
+      <p:sp>
+        <p:nvSpPr>
+          <p:cNvPr id="2" name="제목 1"/>
+          <p:cNvSpPr>
+            <a:spLocks noGrp="1"/>
+          </p:cNvSpPr>
+          <p:nvPr>
+            <p:ph type="title"/>
+          </p:nvPr>
+        </p:nvSpPr>
+        <p:spPr>
+          <a:xfrm>
+            <a:off x="2340875" y="841923"/>
+            <a:ext cx="7958331" cy="1077229"/>
+          </a:xfrm>
+        </p:spPr>
+        <p:txBody>
+          <a:bodyPr/>
+          <a:lstStyle/>
+          <a:p>
+            <a:pPr algn="l"/>
+            <a:r>
+              <a:rPr lang="ko-KR" altLang="en-US" dirty="0" smtClean="0"/>
+              <a:t>프로젝트 상세 설명 </a:t>
+            </a:r>
+            <a:r>
+              <a:rPr lang="en-US" altLang="ko-KR" dirty="0" smtClean="0"/>
+              <a:t>-</a:t>
+            </a:r>
+            <a:r>
+              <a:rPr lang="en-US" altLang="ko-KR" dirty="0" smtClean="0"/>
+              <a:t> </a:t>
+            </a:r>
+            <a:r>
+              <a:rPr lang="ko-KR" altLang="en-US" dirty="0" smtClean="0"/>
+              <a:t>일정 </a:t>
+            </a:r>
+            <a:r>
+              <a:rPr lang="en-US" altLang="ko-KR" dirty="0" smtClean="0"/>
+              <a:t>/ </a:t>
+            </a:r>
+            <a:r>
+              <a:rPr lang="ko-KR" altLang="en-US" dirty="0" smtClean="0"/>
+              <a:t>등록</a:t>
+            </a:r>
+            <a:endParaRPr lang="ko-KR" altLang="en-US" dirty="0"/>
+          </a:p>
+        </p:txBody>
+      </p:sp>
+      <p:pic>
+        <p:nvPicPr>
+          <p:cNvPr id="5" name="그림 4" descr="일정메인.png"/>
+          <p:cNvPicPr>
+            <a:picLocks noChangeAspect="1"/>
+          </p:cNvPicPr>
+          <p:nvPr/>
+        </p:nvPicPr>
+        <p:blipFill>
+          <a:blip r:embed="rId2"/>
+          <a:stretch>
+            <a:fillRect/>
+          </a:stretch>
+        </p:blipFill>
+        <p:spPr>
+          <a:xfrm>
+            <a:off x="1257299" y="1398985"/>
+            <a:ext cx="6390799" cy="5325666"/>
+          </a:xfrm>
+          <a:prstGeom prst="rect">
+            <a:avLst/>
+          </a:prstGeom>
+        </p:spPr>
+      </p:pic>
+      <p:sp>
+        <p:nvSpPr>
+          <p:cNvPr id="6" name="TextBox 5"/>
+          <p:cNvSpPr txBox="1"/>
+          <p:nvPr/>
+        </p:nvSpPr>
+        <p:spPr>
+          <a:xfrm>
+            <a:off x="7734300" y="1676400"/>
+            <a:ext cx="3448050" cy="3554819"/>
+          </a:xfrm>
+          <a:prstGeom prst="rect">
+            <a:avLst/>
+          </a:prstGeom>
+          <a:noFill/>
+        </p:spPr>
+        <p:txBody>
+          <a:bodyPr wrap="square" rtlCol="0">
+            <a:spAutoFit/>
+          </a:bodyPr>
+          <a:lstStyle/>
+          <a:p>
+            <a:r>
+              <a:rPr lang="en-US" altLang="ko-KR" sz="1500" dirty="0" smtClean="0"/>
+              <a:t>- </a:t>
+            </a:r>
+            <a:r>
+              <a:rPr lang="ko-KR" altLang="en-US" sz="1500" dirty="0" smtClean="0"/>
+              <a:t>왼쪽 </a:t>
+            </a:r>
+            <a:r>
+              <a:rPr lang="ko-KR" altLang="en-US" sz="1500" dirty="0" smtClean="0"/>
+              <a:t>카테고리에서 일정 버튼을 누르면 달력 형태의 새로운 창이 등장합니다</a:t>
+            </a:r>
+            <a:r>
+              <a:rPr lang="en-US" altLang="ko-KR" sz="1500" dirty="0" smtClean="0"/>
+              <a:t>.</a:t>
+            </a:r>
+          </a:p>
+          <a:p>
+            <a:endParaRPr lang="en-US" altLang="ko-KR" sz="1500" dirty="0" smtClean="0"/>
+          </a:p>
+          <a:p>
+            <a:r>
+              <a:rPr lang="en-US" altLang="ko-KR" sz="1500" dirty="0" smtClean="0"/>
+              <a:t>- </a:t>
+            </a:r>
+            <a:r>
+              <a:rPr lang="ko-KR" altLang="en-US" sz="1500" dirty="0" smtClean="0"/>
+              <a:t>일정 </a:t>
+            </a:r>
+            <a:r>
+              <a:rPr lang="ko-KR" altLang="en-US" sz="1500" dirty="0" smtClean="0"/>
+              <a:t>창에서는 사용자가 등록하거나 관리자가 등록한 일정을 표시합니다</a:t>
+            </a:r>
+            <a:r>
+              <a:rPr lang="en-US" altLang="ko-KR" sz="1500" dirty="0" smtClean="0"/>
+              <a:t>.</a:t>
+            </a:r>
+          </a:p>
+          <a:p>
+            <a:endParaRPr lang="en-US" altLang="ko-KR" sz="1500" dirty="0" smtClean="0"/>
+          </a:p>
+          <a:p>
+            <a:r>
+              <a:rPr lang="en-US" altLang="ko-KR" sz="1500" dirty="0" smtClean="0"/>
+              <a:t>- </a:t>
+            </a:r>
+            <a:r>
+              <a:rPr lang="ko-KR" altLang="en-US" sz="1500" dirty="0" smtClean="0"/>
+              <a:t>사용자가 </a:t>
+            </a:r>
+            <a:r>
+              <a:rPr lang="ko-KR" altLang="en-US" sz="1500" dirty="0" smtClean="0"/>
+              <a:t>개인 일정만 표시하거나 단체 일정만 표시</a:t>
+            </a:r>
+            <a:r>
+              <a:rPr lang="en-US" altLang="ko-KR" sz="1500" dirty="0" smtClean="0"/>
+              <a:t>, </a:t>
+            </a:r>
+            <a:r>
+              <a:rPr lang="ko-KR" altLang="en-US" sz="1500" dirty="0" smtClean="0"/>
+              <a:t>전체 일정을 표시하는 등 선택이 가능하고 달력에서 해당 날짜를 선택하면 일정을 등록할 수 있는 창이 등장합니다</a:t>
+            </a:r>
+            <a:r>
+              <a:rPr lang="en-US" altLang="ko-KR" sz="1500" dirty="0" smtClean="0"/>
+              <a:t>.</a:t>
+            </a:r>
+          </a:p>
+          <a:p>
+            <a:endParaRPr lang="en-US" altLang="ko-KR" sz="1500" dirty="0" smtClean="0"/>
+          </a:p>
+          <a:p>
+            <a:r>
+              <a:rPr lang="en-US" altLang="ko-KR" sz="1500" dirty="0" smtClean="0"/>
+              <a:t>- </a:t>
+            </a:r>
+            <a:r>
+              <a:rPr lang="ko-KR" altLang="en-US" sz="1500" dirty="0" smtClean="0"/>
+              <a:t>오른쪽 </a:t>
+            </a:r>
+            <a:r>
+              <a:rPr lang="ko-KR" altLang="en-US" sz="1500" dirty="0" smtClean="0"/>
+              <a:t>상단에 있는 휴가신청 버튼을 이용해 휴가도 신청할 수 있습니다</a:t>
+            </a:r>
+            <a:r>
+              <a:rPr lang="en-US" altLang="ko-KR" sz="1500" dirty="0" smtClean="0"/>
+              <a:t>.</a:t>
+            </a:r>
+            <a:endParaRPr lang="ko-KR" altLang="en-US" sz="1500" dirty="0"/>
+          </a:p>
+        </p:txBody>
+      </p:sp>
+      <p:pic>
+        <p:nvPicPr>
+          <p:cNvPr id="7" name="그림 6" descr="일정생성.png"/>
+          <p:cNvPicPr>
+            <a:picLocks noChangeAspect="1"/>
+          </p:cNvPicPr>
+          <p:nvPr/>
+        </p:nvPicPr>
+        <p:blipFill>
+          <a:blip r:embed="rId3"/>
+          <a:srcRect l="23997" t="8595" r="24247" b="12045"/>
+          <a:stretch>
+            <a:fillRect/>
+          </a:stretch>
+        </p:blipFill>
+        <p:spPr>
+          <a:xfrm>
+            <a:off x="2819400" y="2246842"/>
+            <a:ext cx="3295650" cy="4211108"/>
+          </a:xfrm>
+          <a:prstGeom prst="rect">
+            <a:avLst/>
+          </a:prstGeom>
+        </p:spPr>
+      </p:pic>
+    </p:spTree>
+    <p:extLst>
+      <p:ext uri="{BB962C8B-B14F-4D97-AF65-F5344CB8AC3E}">
+        <p14:creationId xmlns="" xmlns:p14="http://schemas.microsoft.com/office/powerpoint/2010/main" val="563193488"/>
+      </p:ext>
+    </p:extLst>
+  </p:cSld>
+  <p:clrMapOvr>
+    <a:masterClrMapping/>
+  </p:clrMapOvr>
+  <p:timing>
+    <p:tnLst>
+      <p:par>
+        <p:cTn id="1" dur="indefinite" restart="never" nodeType="tmRoot"/>
+      </p:par>
+    </p:tnLst>
+  </p:timing>
+</p:sld>
+</file>
+
+<file path=ppt/slides/slide18.xml><?xml version="1.0" encoding="utf-8"?>
+<p:sld xmlns:a="http://schemas.openxmlformats.org/drawingml/2006/main" xmlns:r="http://schemas.openxmlformats.org/officeDocument/2006/relationships" xmlns:p="http://schemas.openxmlformats.org/presentationml/2006/main">
+  <p:cSld>
+    <p:spTree>
+      <p:nvGrpSpPr>
+        <p:cNvPr id="1" name=""/>
+        <p:cNvGrpSpPr/>
+        <p:nvPr/>
+      </p:nvGrpSpPr>
+      <p:grpSpPr>
+        <a:xfrm>
+          <a:off x="0" y="0"/>
+          <a:ext cx="0" cy="0"/>
+          <a:chOff x="0" y="0"/>
+          <a:chExt cx="0" cy="0"/>
+        </a:xfrm>
+      </p:grpSpPr>
+      <p:sp>
+        <p:nvSpPr>
+          <p:cNvPr id="2" name="제목 1"/>
+          <p:cNvSpPr>
+            <a:spLocks noGrp="1"/>
+          </p:cNvSpPr>
+          <p:nvPr>
+            <p:ph type="title"/>
+          </p:nvPr>
+        </p:nvSpPr>
+        <p:spPr>
+          <a:xfrm>
+            <a:off x="2340875" y="841923"/>
+            <a:ext cx="7958331" cy="1077229"/>
+          </a:xfrm>
+        </p:spPr>
+        <p:txBody>
+          <a:bodyPr/>
+          <a:lstStyle/>
+          <a:p>
+            <a:pPr algn="l"/>
+            <a:r>
+              <a:rPr lang="ko-KR" altLang="en-US" dirty="0" smtClean="0"/>
+              <a:t>프로젝트 상세 설명 </a:t>
+            </a:r>
+            <a:r>
+              <a:rPr lang="en-US" altLang="ko-KR" dirty="0" smtClean="0"/>
+              <a:t>-</a:t>
+            </a:r>
+            <a:r>
+              <a:rPr lang="en-US" altLang="ko-KR" dirty="0" smtClean="0"/>
+              <a:t> </a:t>
+            </a:r>
+            <a:r>
+              <a:rPr lang="ko-KR" altLang="en-US" dirty="0" smtClean="0"/>
+              <a:t>휴가 </a:t>
+            </a:r>
+            <a:r>
+              <a:rPr lang="en-US" altLang="ko-KR" dirty="0" smtClean="0"/>
+              <a:t>/ </a:t>
+            </a:r>
+            <a:r>
+              <a:rPr lang="ko-KR" altLang="en-US" dirty="0" smtClean="0"/>
+              <a:t>단체 일정</a:t>
+            </a:r>
+            <a:endParaRPr lang="ko-KR" altLang="en-US" dirty="0"/>
+          </a:p>
+        </p:txBody>
+      </p:sp>
+      <p:sp>
+        <p:nvSpPr>
+          <p:cNvPr id="6" name="TextBox 5"/>
+          <p:cNvSpPr txBox="1"/>
+          <p:nvPr/>
+        </p:nvSpPr>
+        <p:spPr>
+          <a:xfrm>
+            <a:off x="7334250" y="2762250"/>
+            <a:ext cx="3448050" cy="1708160"/>
+          </a:xfrm>
+          <a:prstGeom prst="rect">
+            <a:avLst/>
+          </a:prstGeom>
+          <a:noFill/>
+        </p:spPr>
+        <p:txBody>
+          <a:bodyPr wrap="square" rtlCol="0">
+            <a:spAutoFit/>
+          </a:bodyPr>
+          <a:lstStyle/>
+          <a:p>
+            <a:r>
+              <a:rPr lang="en-US" altLang="ko-KR" sz="1500" dirty="0" smtClean="0"/>
+              <a:t>- </a:t>
+            </a:r>
+            <a:r>
+              <a:rPr lang="ko-KR" altLang="en-US" sz="1500" dirty="0" smtClean="0"/>
+              <a:t>휴가신청 </a:t>
+            </a:r>
+            <a:r>
+              <a:rPr lang="ko-KR" altLang="en-US" sz="1500" dirty="0" smtClean="0"/>
+              <a:t>버튼을 누르면 신청 날짜를 선택하고 휴가 사유를 작성해 제출할 수 있습니다</a:t>
+            </a:r>
+            <a:r>
+              <a:rPr lang="en-US" altLang="ko-KR" sz="1500" dirty="0" smtClean="0"/>
+              <a:t>.</a:t>
+            </a:r>
+            <a:endParaRPr lang="en-US" altLang="ko-KR" sz="1500" dirty="0" smtClean="0"/>
+          </a:p>
+          <a:p>
+            <a:endParaRPr lang="en-US" altLang="ko-KR" sz="1500" dirty="0" smtClean="0"/>
+          </a:p>
+          <a:p>
+            <a:r>
+              <a:rPr lang="en-US" altLang="ko-KR" sz="1500" dirty="0" smtClean="0"/>
+              <a:t>- </a:t>
+            </a:r>
+            <a:r>
+              <a:rPr lang="ko-KR" altLang="en-US" sz="1500" dirty="0" smtClean="0"/>
+              <a:t>단체 </a:t>
+            </a:r>
+            <a:r>
+              <a:rPr lang="ko-KR" altLang="en-US" sz="1500" dirty="0" smtClean="0"/>
+              <a:t>일정이 있는 경우에는 일정이 진행되기 전에 미리 참석 여부를 선택해 통지할 수 있습니다</a:t>
+            </a:r>
+            <a:r>
+              <a:rPr lang="en-US" altLang="ko-KR" sz="1500" dirty="0" smtClean="0"/>
+              <a:t>.</a:t>
+            </a:r>
+            <a:endParaRPr lang="ko-KR" altLang="en-US" sz="1500" dirty="0"/>
+          </a:p>
+        </p:txBody>
+      </p:sp>
+      <p:pic>
+        <p:nvPicPr>
+          <p:cNvPr id="8" name="그림 7" descr="휴가신청.png"/>
+          <p:cNvPicPr>
+            <a:picLocks noChangeAspect="1"/>
+          </p:cNvPicPr>
+          <p:nvPr/>
+        </p:nvPicPr>
+        <p:blipFill>
+          <a:blip r:embed="rId2"/>
+          <a:srcRect l="6495" t="26597" r="7495" b="30648"/>
+          <a:stretch>
+            <a:fillRect/>
+          </a:stretch>
+        </p:blipFill>
+        <p:spPr>
+          <a:xfrm>
+            <a:off x="2143125" y="1398486"/>
+            <a:ext cx="5200650" cy="2154339"/>
+          </a:xfrm>
+          <a:prstGeom prst="rect">
+            <a:avLst/>
+          </a:prstGeom>
+        </p:spPr>
+      </p:pic>
+      <p:pic>
+        <p:nvPicPr>
+          <p:cNvPr id="9" name="그림 8" descr="단체일정참석.png"/>
+          <p:cNvPicPr>
+            <a:picLocks noChangeAspect="1"/>
+          </p:cNvPicPr>
+          <p:nvPr/>
+        </p:nvPicPr>
+        <p:blipFill>
+          <a:blip r:embed="rId3"/>
+          <a:srcRect l="28241" t="6795" r="28004" b="10245"/>
+          <a:stretch>
+            <a:fillRect/>
+          </a:stretch>
+        </p:blipFill>
+        <p:spPr>
+          <a:xfrm>
+            <a:off x="4503637" y="2581275"/>
+            <a:ext cx="2706788" cy="4276725"/>
+          </a:xfrm>
+          <a:prstGeom prst="rect">
+            <a:avLst/>
+          </a:prstGeom>
+        </p:spPr>
+      </p:pic>
+    </p:spTree>
+    <p:extLst>
+      <p:ext uri="{BB962C8B-B14F-4D97-AF65-F5344CB8AC3E}">
+        <p14:creationId xmlns="" xmlns:p14="http://schemas.microsoft.com/office/powerpoint/2010/main" val="563193488"/>
+      </p:ext>
+    </p:extLst>
+  </p:cSld>
+  <p:clrMapOvr>
+    <a:masterClrMapping/>
+  </p:clrMapOvr>
+  <p:timing>
+    <p:tnLst>
+      <p:par>
+        <p:cTn id="1" dur="indefinite" restart="never" nodeType="tmRoot"/>
+      </p:par>
+    </p:tnLst>
+  </p:timing>
+</p:sld>
+</file>
+
+<file path=ppt/slides/slide19.xml><?xml version="1.0" encoding="utf-8"?>
+<p:sld xmlns:a="http://schemas.openxmlformats.org/drawingml/2006/main" xmlns:r="http://schemas.openxmlformats.org/officeDocument/2006/relationships" xmlns:p="http://schemas.openxmlformats.org/presentationml/2006/main">
+  <p:cSld>
+    <p:spTree>
+      <p:nvGrpSpPr>
+        <p:cNvPr id="1" name=""/>
+        <p:cNvGrpSpPr/>
+        <p:nvPr/>
+      </p:nvGrpSpPr>
+      <p:grpSpPr>
+        <a:xfrm>
+          <a:off x="0" y="0"/>
+          <a:ext cx="0" cy="0"/>
+          <a:chOff x="0" y="0"/>
+          <a:chExt cx="0" cy="0"/>
+        </a:xfrm>
+      </p:grpSpPr>
+      <p:sp>
+        <p:nvSpPr>
+          <p:cNvPr id="2" name="제목 1"/>
+          <p:cNvSpPr>
+            <a:spLocks noGrp="1"/>
+          </p:cNvSpPr>
+          <p:nvPr>
+            <p:ph type="title"/>
+          </p:nvPr>
+        </p:nvSpPr>
+        <p:spPr>
+          <a:xfrm>
+            <a:off x="2340875" y="841923"/>
+            <a:ext cx="7958331" cy="1077229"/>
+          </a:xfrm>
+        </p:spPr>
+        <p:txBody>
+          <a:bodyPr/>
+          <a:lstStyle/>
+          <a:p>
+            <a:pPr algn="l"/>
+            <a:r>
+              <a:rPr lang="ko-KR" altLang="en-US" dirty="0" smtClean="0"/>
+              <a:t>데이터 베이스 설계</a:t>
+            </a:r>
+            <a:endParaRPr lang="ko-KR" altLang="en-US" dirty="0"/>
+          </a:p>
+        </p:txBody>
+      </p:sp>
+    </p:spTree>
+    <p:extLst>
+      <p:ext uri="{BB962C8B-B14F-4D97-AF65-F5344CB8AC3E}">
+        <p14:creationId xmlns="" xmlns:p14="http://schemas.microsoft.com/office/powerpoint/2010/main" val="2747580281"/>
       </p:ext>
     </p:extLst>
   </p:cSld>
@@ -5398,7 +6999,141 @@
     </p:spTree>
     <p:extLst>
       <p:ext uri="{BB962C8B-B14F-4D97-AF65-F5344CB8AC3E}">
-        <p14:creationId xmlns:p14="http://schemas.microsoft.com/office/powerpoint/2010/main" val="1091045753"/>
+        <p14:creationId xmlns="" xmlns:p14="http://schemas.microsoft.com/office/powerpoint/2010/main" val="1091045753"/>
+      </p:ext>
+    </p:extLst>
+  </p:cSld>
+  <p:clrMapOvr>
+    <a:masterClrMapping/>
+  </p:clrMapOvr>
+  <p:timing>
+    <p:tnLst>
+      <p:par>
+        <p:cTn id="1" dur="indefinite" restart="never" nodeType="tmRoot"/>
+      </p:par>
+    </p:tnLst>
+  </p:timing>
+</p:sld>
+</file>
+
+<file path=ppt/slides/slide20.xml><?xml version="1.0" encoding="utf-8"?>
+<p:sld xmlns:a="http://schemas.openxmlformats.org/drawingml/2006/main" xmlns:r="http://schemas.openxmlformats.org/officeDocument/2006/relationships" xmlns:p="http://schemas.openxmlformats.org/presentationml/2006/main">
+  <p:cSld>
+    <p:spTree>
+      <p:nvGrpSpPr>
+        <p:cNvPr id="1" name=""/>
+        <p:cNvGrpSpPr/>
+        <p:nvPr/>
+      </p:nvGrpSpPr>
+      <p:grpSpPr>
+        <a:xfrm>
+          <a:off x="0" y="0"/>
+          <a:ext cx="0" cy="0"/>
+          <a:chOff x="0" y="0"/>
+          <a:chExt cx="0" cy="0"/>
+        </a:xfrm>
+      </p:grpSpPr>
+      <p:sp>
+        <p:nvSpPr>
+          <p:cNvPr id="2" name="제목 1"/>
+          <p:cNvSpPr>
+            <a:spLocks noGrp="1"/>
+          </p:cNvSpPr>
+          <p:nvPr>
+            <p:ph type="title"/>
+          </p:nvPr>
+        </p:nvSpPr>
+        <p:spPr>
+          <a:xfrm>
+            <a:off x="2340875" y="841923"/>
+            <a:ext cx="7958331" cy="1077229"/>
+          </a:xfrm>
+        </p:spPr>
+        <p:txBody>
+          <a:bodyPr/>
+          <a:lstStyle/>
+          <a:p>
+            <a:pPr algn="l"/>
+            <a:r>
+              <a:rPr lang="ko-KR" altLang="en-US" dirty="0" smtClean="0"/>
+              <a:t>데이터 베이스 설계</a:t>
+            </a:r>
+            <a:endParaRPr lang="ko-KR" altLang="en-US" dirty="0"/>
+          </a:p>
+        </p:txBody>
+      </p:sp>
+    </p:spTree>
+    <p:extLst>
+      <p:ext uri="{BB962C8B-B14F-4D97-AF65-F5344CB8AC3E}">
+        <p14:creationId xmlns="" xmlns:p14="http://schemas.microsoft.com/office/powerpoint/2010/main" val="2536428638"/>
+      </p:ext>
+    </p:extLst>
+  </p:cSld>
+  <p:clrMapOvr>
+    <a:masterClrMapping/>
+  </p:clrMapOvr>
+  <p:timing>
+    <p:tnLst>
+      <p:par>
+        <p:cTn id="1" dur="indefinite" restart="never" nodeType="tmRoot"/>
+      </p:par>
+    </p:tnLst>
+  </p:timing>
+</p:sld>
+</file>
+
+<file path=ppt/slides/slide21.xml><?xml version="1.0" encoding="utf-8"?>
+<p:sld xmlns:a="http://schemas.openxmlformats.org/drawingml/2006/main" xmlns:r="http://schemas.openxmlformats.org/officeDocument/2006/relationships" xmlns:p="http://schemas.openxmlformats.org/presentationml/2006/main">
+  <p:cSld>
+    <p:spTree>
+      <p:nvGrpSpPr>
+        <p:cNvPr id="1" name=""/>
+        <p:cNvGrpSpPr/>
+        <p:nvPr/>
+      </p:nvGrpSpPr>
+      <p:grpSpPr>
+        <a:xfrm>
+          <a:off x="0" y="0"/>
+          <a:ext cx="0" cy="0"/>
+          <a:chOff x="0" y="0"/>
+          <a:chExt cx="0" cy="0"/>
+        </a:xfrm>
+      </p:grpSpPr>
+      <p:sp>
+        <p:nvSpPr>
+          <p:cNvPr id="2" name="제목 1"/>
+          <p:cNvSpPr>
+            <a:spLocks noGrp="1"/>
+          </p:cNvSpPr>
+          <p:nvPr>
+            <p:ph type="ctrTitle"/>
+          </p:nvPr>
+        </p:nvSpPr>
+        <p:spPr>
+          <a:xfrm>
+            <a:off x="1172475" y="3518186"/>
+            <a:ext cx="6447526" cy="973668"/>
+          </a:xfrm>
+        </p:spPr>
+        <p:txBody>
+          <a:bodyPr>
+            <a:normAutofit/>
+          </a:bodyPr>
+          <a:lstStyle/>
+          <a:p>
+            <a:pPr algn="ctr"/>
+            <a:r>
+              <a:rPr lang="ko-KR" altLang="en-US" dirty="0" smtClean="0"/>
+              <a:t>감사합니다</a:t>
+            </a:r>
+            <a:endParaRPr lang="ko-KR" altLang="en-US" dirty="0"/>
+          </a:p>
+        </p:txBody>
+      </p:sp>
+    </p:spTree>
+    <p:extLst>
+      <p:ext uri="{BB962C8B-B14F-4D97-AF65-F5344CB8AC3E}">
+        <p14:creationId xmlns="" xmlns:p14="http://schemas.microsoft.com/office/powerpoint/2010/main" val="243971917"/>
       </p:ext>
     </p:extLst>
   </p:cSld>
@@ -5570,7 +7305,7 @@
     </p:spTree>
     <p:extLst>
       <p:ext uri="{BB962C8B-B14F-4D97-AF65-F5344CB8AC3E}">
-        <p14:creationId xmlns:p14="http://schemas.microsoft.com/office/powerpoint/2010/main" val="1516649602"/>
+        <p14:creationId xmlns="" xmlns:p14="http://schemas.microsoft.com/office/powerpoint/2010/main" val="1516649602"/>
       </p:ext>
     </p:extLst>
   </p:cSld>
@@ -5668,11 +7403,7 @@
             </a:r>
             <a:r>
               <a:rPr lang="ko-KR" altLang="en-US" dirty="0" smtClean="0"/>
-              <a:t> </a:t>
-            </a:r>
-            <a:r>
-              <a:rPr lang="ko-KR" altLang="en-US" dirty="0" smtClean="0"/>
-              <a:t>제작</a:t>
+              <a:t> 제작</a:t>
             </a:r>
             <a:endParaRPr lang="en-US" altLang="ko-KR" dirty="0" smtClean="0"/>
           </a:p>
@@ -5720,7 +7451,7 @@
     </p:spTree>
     <p:extLst>
       <p:ext uri="{BB962C8B-B14F-4D97-AF65-F5344CB8AC3E}">
-        <p14:creationId xmlns:p14="http://schemas.microsoft.com/office/powerpoint/2010/main" val="4156960906"/>
+        <p14:creationId xmlns="" xmlns:p14="http://schemas.microsoft.com/office/powerpoint/2010/main" val="4156960906"/>
       </p:ext>
     </p:extLst>
   </p:cSld>
@@ -5843,11 +7574,7 @@
             </a:r>
             <a:r>
               <a:rPr lang="ko-KR" altLang="en-US" dirty="0" smtClean="0"/>
-              <a:t> </a:t>
-            </a:r>
-            <a:r>
-              <a:rPr lang="ko-KR" altLang="en-US" dirty="0" smtClean="0"/>
-              <a:t>이상 총 </a:t>
+              <a:t> 이상 총 </a:t>
             </a:r>
             <a:r>
               <a:rPr lang="en-US" altLang="ko-KR" dirty="0"/>
@@ -6044,7 +7771,7 @@
     </p:spTree>
     <p:extLst>
       <p:ext uri="{BB962C8B-B14F-4D97-AF65-F5344CB8AC3E}">
-        <p14:creationId xmlns:p14="http://schemas.microsoft.com/office/powerpoint/2010/main" val="3780432103"/>
+        <p14:creationId xmlns="" xmlns:p14="http://schemas.microsoft.com/office/powerpoint/2010/main" val="3780432103"/>
       </p:ext>
     </p:extLst>
   </p:cSld>
@@ -6234,7 +7961,7 @@
     </p:spTree>
     <p:extLst>
       <p:ext uri="{BB962C8B-B14F-4D97-AF65-F5344CB8AC3E}">
-        <p14:creationId xmlns:p14="http://schemas.microsoft.com/office/powerpoint/2010/main" val="1992902310"/>
+        <p14:creationId xmlns="" xmlns:p14="http://schemas.microsoft.com/office/powerpoint/2010/main" val="1992902310"/>
       </p:ext>
     </p:extLst>
   </p:cSld>
@@ -6327,7 +8054,7 @@
           <a:blip r:embed="rId2">
             <a:extLst>
               <a:ext uri="{28A0092B-C50C-407E-A947-70E740481C1C}">
-                <a14:useLocalDpi xmlns:a14="http://schemas.microsoft.com/office/drawing/2010/main" val="0"/>
+                <a14:useLocalDpi xmlns="" xmlns:a14="http://schemas.microsoft.com/office/drawing/2010/main" val="0"/>
               </a:ext>
             </a:extLst>
           </a:blip>
@@ -6348,7 +8075,7 @@
     </p:spTree>
     <p:extLst>
       <p:ext uri="{BB962C8B-B14F-4D97-AF65-F5344CB8AC3E}">
-        <p14:creationId xmlns:p14="http://schemas.microsoft.com/office/powerpoint/2010/main" val="3495053689"/>
+        <p14:creationId xmlns="" xmlns:p14="http://schemas.microsoft.com/office/powerpoint/2010/main" val="3495053689"/>
       </p:ext>
     </p:extLst>
   </p:cSld>
@@ -6419,29 +8146,118 @@
           </a:p>
         </p:txBody>
       </p:sp>
-      <p:sp>
-        <p:nvSpPr>
-          <p:cNvPr id="4" name="내용 개체 틀 3"/>
-          <p:cNvSpPr>
-            <a:spLocks noGrp="1"/>
-          </p:cNvSpPr>
+      <p:pic>
+        <p:nvPicPr>
+          <p:cNvPr id="5" name="내용 개체 틀 4" descr="로그인화면.png"/>
+          <p:cNvPicPr>
+            <a:picLocks noGrp="1" noChangeAspect="1"/>
+          </p:cNvPicPr>
           <p:nvPr>
             <p:ph idx="1"/>
           </p:nvPr>
-        </p:nvSpPr>
-        <p:spPr/>
-        <p:txBody>
-          <a:bodyPr/>
-          <a:lstStyle/>
-          <a:p>
-            <a:endParaRPr lang="ko-KR" altLang="en-US"/>
+        </p:nvPicPr>
+        <p:blipFill>
+          <a:blip r:embed="rId2"/>
+          <a:stretch>
+            <a:fillRect/>
+          </a:stretch>
+        </p:blipFill>
+        <p:spPr>
+          <a:xfrm>
+            <a:off x="1649143" y="1555682"/>
+            <a:ext cx="4796790" cy="3997325"/>
+          </a:xfrm>
+        </p:spPr>
+      </p:pic>
+      <p:sp>
+        <p:nvSpPr>
+          <p:cNvPr id="6" name="TextBox 5"/>
+          <p:cNvSpPr txBox="1"/>
+          <p:nvPr/>
+        </p:nvSpPr>
+        <p:spPr>
+          <a:xfrm>
+            <a:off x="5764695" y="2703442"/>
+            <a:ext cx="4651514" cy="2862322"/>
+          </a:xfrm>
+          <a:prstGeom prst="rect">
+            <a:avLst/>
+          </a:prstGeom>
+          <a:noFill/>
+        </p:spPr>
+        <p:txBody>
+          <a:bodyPr wrap="square" rtlCol="0">
+            <a:spAutoFit/>
+          </a:bodyPr>
+          <a:lstStyle/>
+          <a:p>
+            <a:pPr>
+              <a:buFontTx/>
+              <a:buChar char="-"/>
+            </a:pPr>
+            <a:r>
+              <a:rPr lang="ko-KR" altLang="en-US" sz="1500" dirty="0" smtClean="0"/>
+              <a:t>프로그램을 실행하면 사용자가 가장 먼저 만나는 화면입니다</a:t>
+            </a:r>
+            <a:r>
+              <a:rPr lang="en-US" altLang="ko-KR" sz="1500" dirty="0" smtClean="0"/>
+              <a:t>.</a:t>
+            </a:r>
+          </a:p>
+          <a:p>
+            <a:pPr>
+              <a:buFontTx/>
+              <a:buChar char="-"/>
+            </a:pPr>
+            <a:endParaRPr lang="en-US" altLang="ko-KR" sz="1500" dirty="0" smtClean="0"/>
+          </a:p>
+          <a:p>
+            <a:r>
+              <a:rPr lang="en-US" altLang="ko-KR" sz="1500" dirty="0" smtClean="0"/>
+              <a:t>- </a:t>
+            </a:r>
+            <a:r>
+              <a:rPr lang="ko-KR" altLang="en-US" sz="1500" dirty="0" smtClean="0"/>
+              <a:t>사용자는 사원번호 또는 해당 개인번호와 등록한 비밀번호를 이용해 로그인할 수 있습니다</a:t>
+            </a:r>
+            <a:r>
+              <a:rPr lang="en-US" altLang="ko-KR" sz="1500" dirty="0" smtClean="0"/>
+              <a:t>.</a:t>
+            </a:r>
+          </a:p>
+          <a:p>
+            <a:endParaRPr lang="en-US" altLang="ko-KR" sz="1500" dirty="0" smtClean="0"/>
+          </a:p>
+          <a:p>
+            <a:endParaRPr lang="en-US" altLang="ko-KR" sz="1500" dirty="0" smtClean="0"/>
+          </a:p>
+          <a:p>
+            <a:endParaRPr lang="en-US" altLang="ko-KR" sz="1500" dirty="0" smtClean="0"/>
+          </a:p>
+          <a:p>
+            <a:endParaRPr lang="en-US" altLang="ko-KR" sz="1500" dirty="0" smtClean="0"/>
+          </a:p>
+          <a:p>
+            <a:r>
+              <a:rPr lang="en-US" altLang="ko-KR" sz="1500" dirty="0" smtClean="0"/>
+              <a:t>- </a:t>
+            </a:r>
+            <a:r>
+              <a:rPr lang="ko-KR" altLang="en-US" sz="1500" dirty="0" smtClean="0"/>
+              <a:t>계정을 등록하지 않았다면 사용자등록을 이용해 회원가입을 할 수 있고 비밀번호 등을 잃어버렸다면 계정 찾기를 통해서 계정을 복구할 수 있습니다</a:t>
+            </a:r>
+            <a:r>
+              <a:rPr lang="en-US" altLang="ko-KR" sz="1500" dirty="0" smtClean="0"/>
+              <a:t>.</a:t>
+            </a:r>
+            <a:endParaRPr lang="ko-KR" altLang="en-US" sz="1500" dirty="0"/>
           </a:p>
         </p:txBody>
       </p:sp>
     </p:spTree>
     <p:extLst>
       <p:ext uri="{BB962C8B-B14F-4D97-AF65-F5344CB8AC3E}">
-        <p14:creationId xmlns:p14="http://schemas.microsoft.com/office/powerpoint/2010/main" val="249681396"/>
+        <p14:creationId xmlns="" xmlns:p14="http://schemas.microsoft.com/office/powerpoint/2010/main" val="249681396"/>
       </p:ext>
     </p:extLst>
   </p:cSld>
@@ -6487,8 +8303,8 @@
         </p:nvSpPr>
         <p:spPr>
           <a:xfrm>
-            <a:off x="2340875" y="841923"/>
-            <a:ext cx="7958331" cy="1077229"/>
+            <a:off x="2340874" y="841923"/>
+            <a:ext cx="9070075" cy="1077229"/>
           </a:xfrm>
         </p:spPr>
         <p:txBody>
@@ -6502,39 +8318,235 @@
             </a:r>
             <a:r>
               <a:rPr lang="en-US" altLang="ko-KR" dirty="0" smtClean="0"/>
+              <a:t>– </a:t>
+            </a:r>
+            <a:r>
+              <a:rPr lang="ko-KR" altLang="en-US" dirty="0" smtClean="0"/>
+              <a:t>사용자 </a:t>
+            </a:r>
+            <a:r>
+              <a:rPr lang="ko-KR" altLang="en-US" dirty="0" smtClean="0"/>
+              <a:t>등록 </a:t>
+            </a:r>
+            <a:r>
+              <a:rPr lang="en-US" altLang="ko-KR" dirty="0" smtClean="0"/>
+              <a:t>/ </a:t>
+            </a:r>
+            <a:r>
+              <a:rPr lang="ko-KR" altLang="en-US" dirty="0" err="1" smtClean="0"/>
+              <a:t>계정찾</a:t>
+            </a:r>
+            <a:r>
+              <a:rPr lang="ko-KR" altLang="en-US" dirty="0" err="1" smtClean="0"/>
+              <a:t>기</a:t>
+            </a:r>
+            <a:endParaRPr lang="ko-KR" altLang="en-US" dirty="0"/>
+          </a:p>
+        </p:txBody>
+      </p:sp>
+      <p:sp>
+        <p:nvSpPr>
+          <p:cNvPr id="6" name="TextBox 5"/>
+          <p:cNvSpPr txBox="1"/>
+          <p:nvPr/>
+        </p:nvSpPr>
+        <p:spPr>
+          <a:xfrm>
+            <a:off x="6797535" y="2855842"/>
+            <a:ext cx="4413389" cy="2169825"/>
+          </a:xfrm>
+          <a:prstGeom prst="rect">
+            <a:avLst/>
+          </a:prstGeom>
+          <a:noFill/>
+        </p:spPr>
+        <p:txBody>
+          <a:bodyPr wrap="square" rtlCol="0">
+            <a:spAutoFit/>
+          </a:bodyPr>
+          <a:lstStyle/>
+          <a:p>
+            <a:pPr>
+              <a:buFontTx/>
+              <a:buChar char="-"/>
+            </a:pPr>
+            <a:r>
+              <a:rPr lang="en-US" altLang="ko-KR" sz="1500" dirty="0" smtClean="0"/>
+              <a:t> </a:t>
+            </a:r>
+            <a:r>
+              <a:rPr lang="ko-KR" altLang="en-US" sz="1500" dirty="0" smtClean="0"/>
+              <a:t>사용자등록으로 이동하면 사용자 정보를 입력해 회원가입을 할 수 있습니다</a:t>
+            </a:r>
+            <a:r>
+              <a:rPr lang="en-US" altLang="ko-KR" sz="1500" dirty="0" smtClean="0"/>
+              <a:t>.</a:t>
+            </a:r>
+            <a:endParaRPr lang="en-US" altLang="ko-KR" sz="1500" dirty="0" smtClean="0"/>
+          </a:p>
+          <a:p>
+            <a:pPr>
+              <a:buFontTx/>
+              <a:buChar char="-"/>
+            </a:pPr>
+            <a:endParaRPr lang="en-US" altLang="ko-KR" sz="1500" dirty="0" smtClean="0"/>
+          </a:p>
+          <a:p>
+            <a:pPr>
+              <a:buFontTx/>
+              <a:buChar char="-"/>
+            </a:pPr>
+            <a:r>
+              <a:rPr lang="ko-KR" altLang="en-US" sz="1500" dirty="0" smtClean="0"/>
+              <a:t>입력항목은 필수항목과 선택항목으로 나뉘어 있고</a:t>
+            </a:r>
+            <a:r>
+              <a:rPr lang="en-US" altLang="ko-KR" sz="1500" dirty="0" smtClean="0"/>
+              <a:t> </a:t>
+            </a:r>
+            <a:r>
+              <a:rPr lang="ko-KR" altLang="en-US" sz="1500" dirty="0" smtClean="0"/>
+              <a:t>필수항목을 입력하지 않으면 등록이 불가능합니다</a:t>
+            </a:r>
+            <a:r>
+              <a:rPr lang="en-US" altLang="ko-KR" sz="1500" dirty="0" smtClean="0"/>
+              <a:t>.</a:t>
+            </a:r>
+            <a:endParaRPr lang="en-US" altLang="ko-KR" sz="1500" dirty="0" smtClean="0"/>
+          </a:p>
+          <a:p>
+            <a:endParaRPr lang="en-US" altLang="ko-KR" sz="1500" dirty="0" smtClean="0"/>
+          </a:p>
+          <a:p>
+            <a:r>
+              <a:rPr lang="en-US" altLang="ko-KR" sz="1500" dirty="0" smtClean="0"/>
               <a:t>- </a:t>
             </a:r>
             <a:r>
-              <a:rPr lang="ko-KR" altLang="en-US" dirty="0" smtClean="0"/>
-              <a:t>알림</a:t>
-            </a:r>
-            <a:endParaRPr lang="ko-KR" altLang="en-US" dirty="0"/>
-          </a:p>
-        </p:txBody>
-      </p:sp>
-      <p:sp>
-        <p:nvSpPr>
-          <p:cNvPr id="4" name="내용 개체 틀 3"/>
-          <p:cNvSpPr>
-            <a:spLocks noGrp="1"/>
-          </p:cNvSpPr>
-          <p:nvPr>
-            <p:ph idx="1"/>
-          </p:nvPr>
-        </p:nvSpPr>
-        <p:spPr/>
-        <p:txBody>
-          <a:bodyPr/>
-          <a:lstStyle/>
-          <a:p>
-            <a:endParaRPr lang="ko-KR" altLang="en-US"/>
+              <a:rPr lang="ko-KR" altLang="en-US" sz="1500" dirty="0" smtClean="0"/>
+              <a:t>등록된 정보들은 데이터베이스에 저장되어 관리됩니다</a:t>
+            </a:r>
+            <a:r>
+              <a:rPr lang="en-US" altLang="ko-KR" sz="1500" dirty="0" smtClean="0"/>
+              <a:t>.</a:t>
+            </a:r>
+            <a:endParaRPr lang="ko-KR" altLang="en-US" sz="1500" dirty="0"/>
+          </a:p>
+        </p:txBody>
+      </p:sp>
+      <p:pic>
+        <p:nvPicPr>
+          <p:cNvPr id="5" name="그림 4" descr="계정찾기 화면.png"/>
+          <p:cNvPicPr>
+            <a:picLocks noChangeAspect="1"/>
+          </p:cNvPicPr>
+          <p:nvPr/>
+        </p:nvPicPr>
+        <p:blipFill>
+          <a:blip r:embed="rId2"/>
+          <a:stretch>
+            <a:fillRect/>
+          </a:stretch>
+        </p:blipFill>
+        <p:spPr>
+          <a:xfrm>
+            <a:off x="364021" y="1440482"/>
+            <a:ext cx="4778072" cy="3981727"/>
+          </a:xfrm>
+          <a:prstGeom prst="rect">
+            <a:avLst/>
+          </a:prstGeom>
+        </p:spPr>
+      </p:pic>
+      <p:pic>
+        <p:nvPicPr>
+          <p:cNvPr id="7" name="그림 6" descr="사용자등록화면.png"/>
+          <p:cNvPicPr>
+            <a:picLocks noChangeAspect="1"/>
+          </p:cNvPicPr>
+          <p:nvPr/>
+        </p:nvPicPr>
+        <p:blipFill>
+          <a:blip r:embed="rId3"/>
+          <a:stretch>
+            <a:fillRect/>
+          </a:stretch>
+        </p:blipFill>
+        <p:spPr>
+          <a:xfrm>
+            <a:off x="2755686" y="2868388"/>
+            <a:ext cx="4787534" cy="3989612"/>
+          </a:xfrm>
+          <a:prstGeom prst="rect">
+            <a:avLst/>
+          </a:prstGeom>
+        </p:spPr>
+      </p:pic>
+      <p:sp>
+        <p:nvSpPr>
+          <p:cNvPr id="8" name="TextBox 7"/>
+          <p:cNvSpPr txBox="1"/>
+          <p:nvPr/>
+        </p:nvSpPr>
+        <p:spPr>
+          <a:xfrm>
+            <a:off x="4354167" y="1429991"/>
+            <a:ext cx="4651514" cy="1015663"/>
+          </a:xfrm>
+          <a:prstGeom prst="rect">
+            <a:avLst/>
+          </a:prstGeom>
+          <a:noFill/>
+        </p:spPr>
+        <p:txBody>
+          <a:bodyPr wrap="square" rtlCol="0">
+            <a:spAutoFit/>
+          </a:bodyPr>
+          <a:lstStyle/>
+          <a:p>
+            <a:pPr>
+              <a:buFontTx/>
+              <a:buChar char="-"/>
+            </a:pPr>
+            <a:r>
+              <a:rPr lang="en-US" altLang="ko-KR" sz="1500" dirty="0" smtClean="0"/>
+              <a:t> </a:t>
+            </a:r>
+            <a:r>
+              <a:rPr lang="ko-KR" altLang="en-US" sz="1500" dirty="0" err="1" smtClean="0"/>
+              <a:t>계정찾기에서는</a:t>
+            </a:r>
+            <a:r>
+              <a:rPr lang="ko-KR" altLang="en-US" sz="1500" dirty="0" smtClean="0"/>
+              <a:t> 본인의 이름과 등록한 </a:t>
+            </a:r>
+            <a:r>
+              <a:rPr lang="ko-KR" altLang="en-US" sz="1500" dirty="0" err="1" smtClean="0"/>
+              <a:t>이메일을</a:t>
+            </a:r>
+            <a:r>
+              <a:rPr lang="ko-KR" altLang="en-US" sz="1500" dirty="0" smtClean="0"/>
+              <a:t> 입력하는데 데이터베이스에 저장된 내용과 동일하다면 해당 </a:t>
+            </a:r>
+            <a:r>
+              <a:rPr lang="ko-KR" altLang="en-US" sz="1500" dirty="0" err="1" smtClean="0"/>
+              <a:t>이메일로</a:t>
+            </a:r>
+            <a:r>
+              <a:rPr lang="ko-KR" altLang="en-US" sz="1500" dirty="0" smtClean="0"/>
+              <a:t> 아이디와 비밀번호를 전송합니다</a:t>
+            </a:r>
+            <a:r>
+              <a:rPr lang="en-US" altLang="ko-KR" sz="1500" dirty="0" smtClean="0"/>
+              <a:t>.</a:t>
+            </a:r>
           </a:p>
         </p:txBody>
       </p:sp>
     </p:spTree>
     <p:extLst>
       <p:ext uri="{BB962C8B-B14F-4D97-AF65-F5344CB8AC3E}">
-        <p14:creationId xmlns:p14="http://schemas.microsoft.com/office/powerpoint/2010/main" val="2372702934"/>
+        <p14:creationId xmlns="" xmlns:p14="http://schemas.microsoft.com/office/powerpoint/2010/main" val="249681396"/>
       </p:ext>
     </p:extLst>
   </p:cSld>
@@ -6594,7 +8606,7 @@
     </a:clrScheme>
     <a:fontScheme name="Madison">
       <a:majorFont>
-        <a:latin typeface="Arial" panose="020B0604020202020204"/>
+        <a:latin typeface="Arial"/>
         <a:ea typeface=""/>
         <a:cs typeface=""/>
         <a:font script="Jpan" typeface="ＭＳ Ｐゴシック"/>
@@ -6629,7 +8641,7 @@
         <a:font script="Geor" typeface="Sylfaen"/>
       </a:majorFont>
       <a:minorFont>
-        <a:latin typeface="Arial" panose="020B0604020202020204"/>
+        <a:latin typeface="Arial"/>
         <a:ea typeface=""/>
         <a:cs typeface=""/>
         <a:font script="Jpan" typeface="ＭＳ Ｐゴシック"/>
@@ -6766,7 +8778,7 @@
   <a:extraClrSchemeLst/>
   <a:extLst>
     <a:ext uri="{05A4C25C-085E-4340-85A3-A5531E510DB2}">
-      <thm15:themeFamily xmlns:thm15="http://schemas.microsoft.com/office/thememl/2012/main" name="Madison" id="{025CB5FB-2DD3-45EE-B6F0-CC461540EB19}" vid="{178B2DAB-5DDE-4060-A857-D2E1CDA9250F}"/>
+      <thm15:themeFamily xmlns="" xmlns:thm15="http://schemas.microsoft.com/office/thememl/2012/main" name="Madison" id="{025CB5FB-2DD3-45EE-B6F0-CC461540EB19}" vid="{178B2DAB-5DDE-4060-A857-D2E1CDA9250F}"/>
     </a:ext>
   </a:extLst>
 </a:theme>

--- a/보고서 폴더/제출용.pptx
+++ b/보고서 폴더/제출용.pptx
@@ -126,7 +126,7 @@
   </p:defaultTextStyle>
   <p:extLst>
     <p:ext uri="{EFAFB233-063F-42B5-8137-9DF3F51BA10A}">
-      <p15:sldGuideLst xmlns="" xmlns:p15="http://schemas.microsoft.com/office/powerpoint/2012/main"/>
+      <p15:sldGuideLst xmlns:p15="http://schemas.microsoft.com/office/powerpoint/2012/main" xmlns=""/>
     </p:ext>
   </p:extLst>
 </p:presentation>
@@ -350,7 +350,7 @@
             <a:fld id="{9AB3A824-1A51-4B26-AD58-A6D8E14F6C04}" type="datetimeFigureOut">
               <a:rPr lang="en-US" dirty="0"/>
               <a:pPr/>
-              <a:t>10/11/2019</a:t>
+              <a:t>10/14/2019</a:t>
             </a:fld>
             <a:endParaRPr lang="en-US" dirty="0"/>
           </a:p>
@@ -686,7 +686,7 @@
             <a:fld id="{D857E33E-8B18-4087-B112-809917729534}" type="datetimeFigureOut">
               <a:rPr lang="en-US" dirty="0"/>
               <a:pPr/>
-              <a:t>10/11/2019</a:t>
+              <a:t>10/14/2019</a:t>
             </a:fld>
             <a:endParaRPr lang="en-US" dirty="0"/>
           </a:p>
@@ -990,7 +990,7 @@
             <a:fld id="{D3FFE419-2371-464F-8239-3959401C3561}" type="datetimeFigureOut">
               <a:rPr lang="en-US" dirty="0"/>
               <a:pPr/>
-              <a:t>10/11/2019</a:t>
+              <a:t>10/14/2019</a:t>
             </a:fld>
             <a:endParaRPr lang="en-US" dirty="0"/>
           </a:p>
@@ -1239,7 +1239,7 @@
             <a:fld id="{97D162C4-EDD9-4389-A98B-B87ECEA2A816}" type="datetimeFigureOut">
               <a:rPr lang="en-US" dirty="0"/>
               <a:pPr/>
-              <a:t>10/11/2019</a:t>
+              <a:t>10/14/2019</a:t>
             </a:fld>
             <a:endParaRPr lang="en-US" dirty="0"/>
           </a:p>
@@ -1648,7 +1648,7 @@
             <a:fld id="{3E5059C3-6A89-4494-99FF-5A4D6FFD50EB}" type="datetimeFigureOut">
               <a:rPr lang="en-US" dirty="0"/>
               <a:pPr/>
-              <a:t>10/11/2019</a:t>
+              <a:t>10/14/2019</a:t>
             </a:fld>
             <a:endParaRPr lang="en-US" dirty="0"/>
           </a:p>
@@ -1964,7 +1964,7 @@
             <a:fld id="{CA954B2F-12DE-47F5-8894-472B206D2E1E}" type="datetimeFigureOut">
               <a:rPr lang="en-US" dirty="0"/>
               <a:pPr/>
-              <a:t>10/11/2019</a:t>
+              <a:t>10/14/2019</a:t>
             </a:fld>
             <a:endParaRPr lang="en-US" dirty="0"/>
           </a:p>
@@ -2510,7 +2510,7 @@
             <a:fld id="{3F30E46F-7819-4ACF-B48B-48222C2ACC88}" type="datetimeFigureOut">
               <a:rPr lang="en-US" dirty="0"/>
               <a:pPr/>
-              <a:t>10/11/2019</a:t>
+              <a:t>10/14/2019</a:t>
             </a:fld>
             <a:endParaRPr lang="en-US" dirty="0"/>
           </a:p>
@@ -2707,7 +2707,7 @@
             <a:fld id="{1FAF3416-4057-4DAA-829D-4CA07428D088}" type="datetimeFigureOut">
               <a:rPr lang="en-US" dirty="0"/>
               <a:pPr/>
-              <a:t>10/11/2019</a:t>
+              <a:t>10/14/2019</a:t>
             </a:fld>
             <a:endParaRPr lang="en-US" dirty="0"/>
           </a:p>
@@ -2922,7 +2922,7 @@
             <a:fld id="{921D9284-D300-4297-87F7-E791DCC15DB1}" type="datetimeFigureOut">
               <a:rPr lang="en-US" dirty="0"/>
               <a:pPr/>
-              <a:t>10/11/2019</a:t>
+              <a:t>10/14/2019</a:t>
             </a:fld>
             <a:endParaRPr lang="en-US" dirty="0"/>
           </a:p>
@@ -3293,7 +3293,7 @@
             <a:fld id="{37D525BB-DA17-4BA0-B3C8-3AC3ABC827E6}" type="datetimeFigureOut">
               <a:rPr lang="en-US" dirty="0"/>
               <a:pPr/>
-              <a:t>10/11/2019</a:t>
+              <a:t>10/14/2019</a:t>
             </a:fld>
             <a:endParaRPr lang="en-US" dirty="0"/>
           </a:p>
@@ -3698,7 +3698,7 @@
             <a:fld id="{B16C4C9A-3960-41CF-A4E9-2A8FB932454B}" type="datetimeFigureOut">
               <a:rPr lang="en-US" dirty="0"/>
               <a:pPr/>
-              <a:t>10/11/2019</a:t>
+              <a:t>10/14/2019</a:t>
             </a:fld>
             <a:endParaRPr lang="en-US" dirty="0"/>
           </a:p>
@@ -3793,7 +3793,7 @@
           <a:blip r:embed="rId13">
             <a:extLst>
               <a:ext uri="{28A0092B-C50C-407E-A947-70E740481C1C}">
-                <a14:useLocalDpi xmlns="" xmlns:a14="http://schemas.microsoft.com/office/drawing/2010/main" val="0"/>
+                <a14:useLocalDpi xmlns:a14="http://schemas.microsoft.com/office/drawing/2010/main" xmlns="" val="0"/>
               </a:ext>
             </a:extLst>
           </a:blip>
@@ -3823,7 +3823,7 @@
           <a:blip r:embed="rId14">
             <a:extLst>
               <a:ext uri="{28A0092B-C50C-407E-A947-70E740481C1C}">
-                <a14:useLocalDpi xmlns="" xmlns:a14="http://schemas.microsoft.com/office/drawing/2010/main" val="0"/>
+                <a14:useLocalDpi xmlns:a14="http://schemas.microsoft.com/office/drawing/2010/main" xmlns="" val="0"/>
               </a:ext>
             </a:extLst>
           </a:blip>
@@ -4038,7 +4038,7 @@
             <a:fld id="{3CBC1C18-307B-4F68-A007-B5B542270E8D}" type="datetimeFigureOut">
               <a:rPr lang="en-US" dirty="0"/>
               <a:pPr/>
-              <a:t>10/11/2019</a:t>
+              <a:t>10/14/2019</a:t>
             </a:fld>
             <a:endParaRPr lang="en-US" dirty="0"/>
           </a:p>
@@ -4646,7 +4646,7 @@
     </p:spTree>
     <p:extLst>
       <p:ext uri="{BB962C8B-B14F-4D97-AF65-F5344CB8AC3E}">
-        <p14:creationId xmlns="" xmlns:p14="http://schemas.microsoft.com/office/powerpoint/2010/main" val="3499749389"/>
+        <p14:creationId xmlns:p14="http://schemas.microsoft.com/office/powerpoint/2010/main" xmlns="" val="3499749389"/>
       </p:ext>
     </p:extLst>
   </p:cSld>
@@ -4769,11 +4769,7 @@
             </a:pPr>
             <a:r>
               <a:rPr lang="ko-KR" altLang="en-US" sz="1500" dirty="0" smtClean="0"/>
-              <a:t>본 </a:t>
-            </a:r>
-            <a:r>
-              <a:rPr lang="ko-KR" altLang="en-US" sz="1500" dirty="0" smtClean="0"/>
-              <a:t>프로그램의 </a:t>
+              <a:t>본 프로그램의 </a:t>
             </a:r>
             <a:r>
               <a:rPr lang="ko-KR" altLang="en-US" sz="1500" dirty="0" err="1" smtClean="0"/>
@@ -4806,15 +4802,7 @@
             </a:r>
             <a:r>
               <a:rPr lang="ko-KR" altLang="en-US" sz="1500" dirty="0" smtClean="0"/>
-              <a:t> 하고 </a:t>
-            </a:r>
-            <a:r>
-              <a:rPr lang="ko-KR" altLang="en-US" sz="1500" dirty="0" smtClean="0"/>
-              <a:t>프로그램에 진입하면 </a:t>
-            </a:r>
-            <a:r>
-              <a:rPr lang="ko-KR" altLang="en-US" sz="1500" dirty="0" smtClean="0"/>
-              <a:t>처음 만나는 화면입니다</a:t>
+              <a:t> 하고 프로그램에 진입하면 처음 만나는 화면입니다</a:t>
             </a:r>
             <a:r>
               <a:rPr lang="en-US" altLang="ko-KR" sz="1500" dirty="0" smtClean="0"/>
@@ -4855,11 +4843,7 @@
             </a:r>
             <a:r>
               <a:rPr lang="ko-KR" altLang="en-US" sz="1500" dirty="0" smtClean="0"/>
-              <a:t> 해당 조직 내의 </a:t>
-            </a:r>
-            <a:r>
-              <a:rPr lang="ko-KR" altLang="en-US" sz="1500" dirty="0" smtClean="0"/>
-              <a:t>공지사항이나 이슈</a:t>
+              <a:t> 해당 조직 내의 공지사항이나 이슈</a:t>
             </a:r>
             <a:r>
               <a:rPr lang="en-US" altLang="ko-KR" sz="1500" dirty="0" smtClean="0"/>
@@ -4892,11 +4876,7 @@
             </a:r>
             <a:r>
               <a:rPr lang="ko-KR" altLang="en-US" sz="1500" dirty="0" smtClean="0"/>
-              <a:t>화면 왼쪽에는 메뉴를 선택할 수 있는 카테고리가 </a:t>
-            </a:r>
-            <a:r>
-              <a:rPr lang="ko-KR" altLang="en-US" sz="1500" dirty="0" smtClean="0"/>
-              <a:t>위치합니다</a:t>
+              <a:t>화면 왼쪽에는 메뉴를 선택할 수 있는 카테고리가 위치합니다</a:t>
             </a:r>
             <a:r>
               <a:rPr lang="en-US" altLang="ko-KR" sz="1500" dirty="0" smtClean="0"/>
@@ -4921,11 +4901,7 @@
             </a:r>
             <a:r>
               <a:rPr lang="ko-KR" altLang="en-US" sz="1500" dirty="0" smtClean="0"/>
-              <a:t>화면 </a:t>
-            </a:r>
-            <a:r>
-              <a:rPr lang="ko-KR" altLang="en-US" sz="1500" dirty="0" smtClean="0"/>
-              <a:t>오른쪽에는 현재 등록된 사용자의 목록을 그룹별로 나누어 나타냅니다</a:t>
+              <a:t>화면 오른쪽에는 현재 등록된 사용자의 목록을 그룹별로 나누어 나타냅니다</a:t>
             </a:r>
             <a:r>
               <a:rPr lang="en-US" altLang="ko-KR" sz="1500" dirty="0" smtClean="0"/>
@@ -4956,7 +4932,6 @@
               <a:rPr lang="en-US" altLang="ko-KR" sz="1500" dirty="0" smtClean="0"/>
               <a:t>.</a:t>
             </a:r>
-            <a:endParaRPr lang="en-US" altLang="ko-KR" sz="1500" dirty="0" smtClean="0"/>
           </a:p>
         </p:txBody>
       </p:sp>
@@ -4988,7 +4963,7 @@
     </p:spTree>
     <p:extLst>
       <p:ext uri="{BB962C8B-B14F-4D97-AF65-F5344CB8AC3E}">
-        <p14:creationId xmlns="" xmlns:p14="http://schemas.microsoft.com/office/powerpoint/2010/main" val="2372702934"/>
+        <p14:creationId xmlns:p14="http://schemas.microsoft.com/office/powerpoint/2010/main" xmlns="" val="2372702934"/>
       </p:ext>
     </p:extLst>
   </p:cSld>
@@ -5134,11 +5109,7 @@
             </a:pPr>
             <a:r>
               <a:rPr lang="ko-KR" altLang="en-US" sz="1500" dirty="0" smtClean="0"/>
-              <a:t> 사용자목록 </a:t>
-            </a:r>
-            <a:r>
-              <a:rPr lang="ko-KR" altLang="en-US" sz="1500" dirty="0" smtClean="0"/>
-              <a:t>탭을 선택하면 현재 등록된 사용자들의 목록을 그룹별로 나누어 출력합니다</a:t>
+              <a:t> 사용자목록 탭을 선택하면 현재 등록된 사용자들의 목록을 그룹별로 나누어 출력합니다</a:t>
             </a:r>
             <a:r>
               <a:rPr lang="en-US" altLang="ko-KR" sz="1500" dirty="0" smtClean="0"/>
@@ -5185,15 +5156,7 @@
             </a:pPr>
             <a:r>
               <a:rPr lang="ko-KR" altLang="en-US" sz="1500" dirty="0" smtClean="0"/>
-              <a:t>맨 </a:t>
-            </a:r>
-            <a:r>
-              <a:rPr lang="ko-KR" altLang="en-US" sz="1500" dirty="0" smtClean="0"/>
-              <a:t>위에는 본인의 프로필을 출력하고 그 아래부터 다른 사용자를 </a:t>
-            </a:r>
-            <a:r>
-              <a:rPr lang="ko-KR" altLang="en-US" sz="1500" dirty="0" smtClean="0"/>
-              <a:t>출력합니다</a:t>
+              <a:t>맨 위에는 본인의 프로필을 출력하고 그 아래부터 다른 사용자를 출력합니다</a:t>
             </a:r>
             <a:r>
               <a:rPr lang="en-US" altLang="ko-KR" sz="1500" dirty="0" smtClean="0"/>
@@ -5203,11 +5166,7 @@
           <a:p>
             <a:r>
               <a:rPr lang="ko-KR" altLang="en-US" sz="1500" dirty="0" smtClean="0"/>
-              <a:t>오른쪽 </a:t>
-            </a:r>
-            <a:r>
-              <a:rPr lang="ko-KR" altLang="en-US" sz="1500" dirty="0" smtClean="0"/>
-              <a:t>화면의 상세 페이지로서 해당 프로필을 선택하면 해당 사용자의 프로필 상세 페이지가 등장합니다</a:t>
+              <a:t>오른쪽 화면의 상세 페이지로서 해당 프로필을 선택하면 해당 사용자의 프로필 상세 페이지가 등장합니다</a:t>
             </a:r>
             <a:r>
               <a:rPr lang="en-US" altLang="ko-KR" sz="1500" dirty="0" smtClean="0"/>
@@ -5224,11 +5183,7 @@
             </a:r>
             <a:r>
               <a:rPr lang="ko-KR" altLang="en-US" sz="1500" dirty="0" smtClean="0"/>
-              <a:t>상세 </a:t>
-            </a:r>
-            <a:r>
-              <a:rPr lang="ko-KR" altLang="en-US" sz="1500" dirty="0" smtClean="0"/>
-              <a:t>페이지는 명함 형태로 출력되고 목록에서 출력되지 않는 내용</a:t>
+              <a:t>상세 페이지는 명함 형태로 출력되고 목록에서 출력되지 않는 내용</a:t>
             </a:r>
             <a:r>
               <a:rPr lang="en-US" altLang="ko-KR" sz="1500" dirty="0" smtClean="0"/>
@@ -5265,7 +5220,7 @@
     </p:spTree>
     <p:extLst>
       <p:ext uri="{BB962C8B-B14F-4D97-AF65-F5344CB8AC3E}">
-        <p14:creationId xmlns="" xmlns:p14="http://schemas.microsoft.com/office/powerpoint/2010/main" val="2081439481"/>
+        <p14:creationId xmlns:p14="http://schemas.microsoft.com/office/powerpoint/2010/main" xmlns="" val="2081439481"/>
       </p:ext>
     </p:extLst>
   </p:cSld>
@@ -5392,11 +5347,7 @@
             </a:pPr>
             <a:r>
               <a:rPr lang="ko-KR" altLang="en-US" sz="1500" dirty="0" smtClean="0"/>
-              <a:t> 채팅 </a:t>
-            </a:r>
-            <a:r>
-              <a:rPr lang="ko-KR" altLang="en-US" sz="1500" dirty="0" smtClean="0"/>
-              <a:t>탭을 선택하면 사용자가 생성한 </a:t>
+              <a:t> 채팅 탭을 선택하면 사용자가 생성한 </a:t>
             </a:r>
             <a:r>
               <a:rPr lang="ko-KR" altLang="en-US" sz="1500" dirty="0" err="1" smtClean="0"/>
@@ -5421,11 +5372,7 @@
             </a:pPr>
             <a:r>
               <a:rPr lang="ko-KR" altLang="en-US" sz="1500" dirty="0" smtClean="0"/>
-              <a:t> 채팅 </a:t>
-            </a:r>
-            <a:r>
-              <a:rPr lang="ko-KR" altLang="en-US" sz="1500" dirty="0" smtClean="0"/>
-              <a:t>탭에서는 상대를 초대하는 개인채팅방과 누구든지 </a:t>
+              <a:t> 채팅 탭에서는 상대를 초대하는 개인채팅방과 누구든지 </a:t>
             </a:r>
             <a:r>
               <a:rPr lang="ko-KR" altLang="en-US" sz="1500" dirty="0" err="1" smtClean="0"/>
@@ -5462,11 +5409,7 @@
             </a:pPr>
             <a:r>
               <a:rPr lang="ko-KR" altLang="en-US" sz="1500" dirty="0" smtClean="0"/>
-              <a:t> 또한 </a:t>
-            </a:r>
-            <a:r>
-              <a:rPr lang="ko-KR" altLang="en-US" sz="1500" dirty="0" smtClean="0"/>
-              <a:t>화면 오른쪽에 있는 사용자 목록에서도 사용자를 선택해 </a:t>
+              <a:t> 또한 화면 오른쪽에 있는 사용자 목록에서도 사용자를 선택해 </a:t>
             </a:r>
             <a:r>
               <a:rPr lang="ko-KR" altLang="en-US" sz="1500" dirty="0" err="1" smtClean="0"/>
@@ -5499,11 +5442,7 @@
             </a:r>
             <a:r>
               <a:rPr lang="ko-KR" altLang="en-US" sz="1500" dirty="0" smtClean="0"/>
-              <a:t> </a:t>
-            </a:r>
-            <a:r>
-              <a:rPr lang="ko-KR" altLang="en-US" sz="1500" dirty="0" smtClean="0"/>
-              <a:t>목록에서는 해당 </a:t>
+              <a:t> 목록에서는 해당 </a:t>
             </a:r>
             <a:r>
               <a:rPr lang="ko-KR" altLang="en-US" sz="1500" dirty="0" err="1" smtClean="0"/>
@@ -5524,7 +5463,7 @@
     </p:spTree>
     <p:extLst>
       <p:ext uri="{BB962C8B-B14F-4D97-AF65-F5344CB8AC3E}">
-        <p14:creationId xmlns="" xmlns:p14="http://schemas.microsoft.com/office/powerpoint/2010/main" val="2065060951"/>
+        <p14:creationId xmlns:p14="http://schemas.microsoft.com/office/powerpoint/2010/main" xmlns="" val="2065060951"/>
       </p:ext>
     </p:extLst>
   </p:cSld>
@@ -5659,11 +5598,7 @@
             </a:r>
             <a:r>
               <a:rPr lang="ko-KR" altLang="en-US" sz="1500" dirty="0" smtClean="0"/>
-              <a:t> </a:t>
-            </a:r>
-            <a:r>
-              <a:rPr lang="ko-KR" altLang="en-US" sz="1500" dirty="0" smtClean="0"/>
-              <a:t>생성하고 </a:t>
+              <a:t> 생성하고 </a:t>
             </a:r>
             <a:r>
               <a:rPr lang="ko-KR" altLang="en-US" sz="1500" dirty="0" err="1" smtClean="0"/>
@@ -5671,15 +5606,7 @@
             </a:r>
             <a:r>
               <a:rPr lang="ko-KR" altLang="en-US" sz="1500" dirty="0" smtClean="0"/>
-              <a:t> </a:t>
-            </a:r>
-            <a:r>
-              <a:rPr lang="ko-KR" altLang="en-US" sz="1500" dirty="0" smtClean="0"/>
-              <a:t>입장하면 </a:t>
-            </a:r>
-            <a:r>
-              <a:rPr lang="ko-KR" altLang="en-US" sz="1500" dirty="0" smtClean="0"/>
-              <a:t>다음과 같은 화면이 출력됩니다</a:t>
+              <a:t> 입장하면 다음과 같은 화면이 출력됩니다</a:t>
             </a:r>
             <a:r>
               <a:rPr lang="en-US" altLang="ko-KR" sz="1500" dirty="0" smtClean="0"/>
@@ -5694,10 +5621,10 @@
             <a:endParaRPr lang="en-US" altLang="ko-KR" sz="1500" dirty="0" smtClean="0"/>
           </a:p>
           <a:p>
-            <a:r>
-              <a:rPr lang="en-US" altLang="ko-KR" sz="1500" dirty="0" smtClean="0"/>
-              <a:t>- </a:t>
-            </a:r>
+            <a:pPr>
+              <a:buFontTx/>
+              <a:buChar char="-"/>
+            </a:pPr>
             <a:r>
               <a:rPr lang="ko-KR" altLang="en-US" sz="1500" dirty="0" err="1" smtClean="0"/>
               <a:t>채팅방</a:t>
@@ -5714,14 +5641,13 @@
               <a:rPr lang="en-US" altLang="ko-KR" sz="1500" dirty="0" smtClean="0"/>
               <a:t>.</a:t>
             </a:r>
-            <a:endParaRPr lang="ko-KR" altLang="en-US" sz="1500" dirty="0"/>
           </a:p>
         </p:txBody>
       </p:sp>
     </p:spTree>
     <p:extLst>
       <p:ext uri="{BB962C8B-B14F-4D97-AF65-F5344CB8AC3E}">
-        <p14:creationId xmlns="" xmlns:p14="http://schemas.microsoft.com/office/powerpoint/2010/main" val="2065060951"/>
+        <p14:creationId xmlns:p14="http://schemas.microsoft.com/office/powerpoint/2010/main" xmlns="" val="2065060951"/>
       </p:ext>
     </p:extLst>
   </p:cSld>
@@ -5844,11 +5770,7 @@
             </a:pPr>
             <a:r>
               <a:rPr lang="ko-KR" altLang="en-US" sz="1500" dirty="0" smtClean="0"/>
-              <a:t> 게시판 </a:t>
-            </a:r>
-            <a:r>
-              <a:rPr lang="ko-KR" altLang="en-US" sz="1500" dirty="0" smtClean="0"/>
-              <a:t>탭을 선택하면 등록된 게시물의 리스트가 출력됩니다</a:t>
+              <a:t> 게시판 탭을 선택하면 등록된 게시물의 리스트가 출력됩니다</a:t>
             </a:r>
             <a:r>
               <a:rPr lang="en-US" altLang="ko-KR" sz="1500" dirty="0" smtClean="0"/>
@@ -5869,11 +5791,7 @@
             </a:pPr>
             <a:r>
               <a:rPr lang="ko-KR" altLang="en-US" sz="1500" dirty="0" smtClean="0"/>
-              <a:t> 상단의 </a:t>
-            </a:r>
-            <a:r>
-              <a:rPr lang="ko-KR" altLang="en-US" sz="1500" dirty="0" smtClean="0"/>
-              <a:t>머리말을 선택하면 </a:t>
+              <a:t> 상단의 머리말을 선택하면 </a:t>
             </a:r>
             <a:r>
               <a:rPr lang="ko-KR" altLang="en-US" sz="1500" dirty="0" err="1" smtClean="0"/>
@@ -5902,11 +5820,7 @@
             </a:pPr>
             <a:r>
               <a:rPr lang="ko-KR" altLang="en-US" sz="1500" dirty="0" smtClean="0"/>
-              <a:t> 새 </a:t>
-            </a:r>
-            <a:r>
-              <a:rPr lang="ko-KR" altLang="en-US" sz="1500" dirty="0" smtClean="0"/>
-              <a:t>글 쓰기를 누르면 게시물을 등록할 수 있는 창이 등장합니다</a:t>
+              <a:t> 새 글 쓰기를 누르면 게시물을 등록할 수 있는 창이 등장합니다</a:t>
             </a:r>
             <a:r>
               <a:rPr lang="en-US" altLang="ko-KR" sz="1500" dirty="0" smtClean="0"/>
@@ -5927,11 +5841,7 @@
             </a:r>
             <a:r>
               <a:rPr lang="ko-KR" altLang="en-US" sz="1500" dirty="0" smtClean="0"/>
-              <a:t>게시물의 </a:t>
-            </a:r>
-            <a:r>
-              <a:rPr lang="ko-KR" altLang="en-US" sz="1500" dirty="0" smtClean="0"/>
-              <a:t>내용을 확인하려면 리스트에서 해당 게시물을 선택하면 됩니다</a:t>
+              <a:t>게시물의 내용을 확인하려면 리스트에서 해당 게시물을 선택하면 됩니다</a:t>
             </a:r>
             <a:r>
               <a:rPr lang="en-US" altLang="ko-KR" sz="1500" dirty="0" smtClean="0"/>
@@ -5944,7 +5854,7 @@
     </p:spTree>
     <p:extLst>
       <p:ext uri="{BB962C8B-B14F-4D97-AF65-F5344CB8AC3E}">
-        <p14:creationId xmlns="" xmlns:p14="http://schemas.microsoft.com/office/powerpoint/2010/main" val="2705078034"/>
+        <p14:creationId xmlns:p14="http://schemas.microsoft.com/office/powerpoint/2010/main" xmlns="" val="2705078034"/>
       </p:ext>
     </p:extLst>
   </p:cSld>
@@ -6024,7 +5934,7 @@
         <p:spPr>
           <a:xfrm>
             <a:off x="6715125" y="1457325"/>
-            <a:ext cx="3705225" cy="1938992"/>
+            <a:ext cx="3848100" cy="1938992"/>
           </a:xfrm>
           <a:prstGeom prst="rect">
             <a:avLst/>
@@ -6043,7 +5953,11 @@
             </a:pPr>
             <a:r>
               <a:rPr lang="ko-KR" altLang="en-US" sz="1500" dirty="0" smtClean="0"/>
-              <a:t>게시물을 열람하면 다음과 같은 화면으로 전환되고 게시물을 내용을 열람할 수 있게 됩니다</a:t>
+              <a:t> 게시물을 </a:t>
+            </a:r>
+            <a:r>
+              <a:rPr lang="ko-KR" altLang="en-US" sz="1500" dirty="0" smtClean="0"/>
+              <a:t>열람하면 다음과 같은 화면으로 전환되고 게시물을 내용을 열람할 수 있게 됩니다</a:t>
             </a:r>
             <a:r>
               <a:rPr lang="en-US" altLang="ko-KR" sz="1500" dirty="0" smtClean="0"/>
@@ -6064,7 +5978,11 @@
             </a:pPr>
             <a:r>
               <a:rPr lang="ko-KR" altLang="en-US" sz="1500" dirty="0" smtClean="0"/>
-              <a:t>게시물 열람 화면에서는 해당 게시물에 </a:t>
+              <a:t> 게시물 </a:t>
+            </a:r>
+            <a:r>
+              <a:rPr lang="ko-KR" altLang="en-US" sz="1500" dirty="0" smtClean="0"/>
+              <a:t>열람 화면에서는 해당 게시물에 </a:t>
             </a:r>
             <a:r>
               <a:rPr lang="ko-KR" altLang="en-US" sz="1500" dirty="0" err="1" smtClean="0"/>
@@ -6109,7 +6027,7 @@
     </p:spTree>
     <p:extLst>
       <p:ext uri="{BB962C8B-B14F-4D97-AF65-F5344CB8AC3E}">
-        <p14:creationId xmlns="" xmlns:p14="http://schemas.microsoft.com/office/powerpoint/2010/main" val="2705078034"/>
+        <p14:creationId xmlns:p14="http://schemas.microsoft.com/office/powerpoint/2010/main" xmlns="" val="2705078034"/>
       </p:ext>
     </p:extLst>
   </p:cSld>
@@ -6319,7 +6237,7 @@
     </p:spTree>
     <p:extLst>
       <p:ext uri="{BB962C8B-B14F-4D97-AF65-F5344CB8AC3E}">
-        <p14:creationId xmlns="" xmlns:p14="http://schemas.microsoft.com/office/powerpoint/2010/main" val="2705078034"/>
+        <p14:creationId xmlns:p14="http://schemas.microsoft.com/office/powerpoint/2010/main" xmlns="" val="2705078034"/>
       </p:ext>
     </p:extLst>
   </p:cSld>
@@ -6380,11 +6298,7 @@
             </a:r>
             <a:r>
               <a:rPr lang="en-US" altLang="ko-KR" dirty="0" smtClean="0"/>
-              <a:t>-</a:t>
-            </a:r>
-            <a:r>
-              <a:rPr lang="en-US" altLang="ko-KR" dirty="0" smtClean="0"/>
-              <a:t> </a:t>
+              <a:t>- </a:t>
             </a:r>
             <a:r>
               <a:rPr lang="ko-KR" altLang="en-US" dirty="0" smtClean="0"/>
@@ -6454,11 +6368,7 @@
             </a:r>
             <a:r>
               <a:rPr lang="ko-KR" altLang="en-US" sz="1500" dirty="0" smtClean="0"/>
-              <a:t>왼쪽 </a:t>
-            </a:r>
-            <a:r>
-              <a:rPr lang="ko-KR" altLang="en-US" sz="1500" dirty="0" smtClean="0"/>
-              <a:t>카테고리에서 일정 버튼을 누르면 달력 형태의 새로운 창이 등장합니다</a:t>
+              <a:t>왼쪽 카테고리에서 일정 버튼을 누르면 달력 형태의 새로운 창이 등장합니다</a:t>
             </a:r>
             <a:r>
               <a:rPr lang="en-US" altLang="ko-KR" sz="1500" dirty="0" smtClean="0"/>
@@ -6475,11 +6385,7 @@
             </a:r>
             <a:r>
               <a:rPr lang="ko-KR" altLang="en-US" sz="1500" dirty="0" smtClean="0"/>
-              <a:t>일정 </a:t>
-            </a:r>
-            <a:r>
-              <a:rPr lang="ko-KR" altLang="en-US" sz="1500" dirty="0" smtClean="0"/>
-              <a:t>창에서는 사용자가 등록하거나 관리자가 등록한 일정을 표시합니다</a:t>
+              <a:t>일정 창에서는 사용자가 등록하거나 관리자가 등록한 일정을 표시합니다</a:t>
             </a:r>
             <a:r>
               <a:rPr lang="en-US" altLang="ko-KR" sz="1500" dirty="0" smtClean="0"/>
@@ -6496,11 +6402,7 @@
             </a:r>
             <a:r>
               <a:rPr lang="ko-KR" altLang="en-US" sz="1500" dirty="0" smtClean="0"/>
-              <a:t>사용자가 </a:t>
-            </a:r>
-            <a:r>
-              <a:rPr lang="ko-KR" altLang="en-US" sz="1500" dirty="0" smtClean="0"/>
-              <a:t>개인 일정만 표시하거나 단체 일정만 표시</a:t>
+              <a:t>사용자가 개인 일정만 표시하거나 단체 일정만 표시</a:t>
             </a:r>
             <a:r>
               <a:rPr lang="en-US" altLang="ko-KR" sz="1500" dirty="0" smtClean="0"/>
@@ -6525,11 +6427,7 @@
             </a:r>
             <a:r>
               <a:rPr lang="ko-KR" altLang="en-US" sz="1500" dirty="0" smtClean="0"/>
-              <a:t>오른쪽 </a:t>
-            </a:r>
-            <a:r>
-              <a:rPr lang="ko-KR" altLang="en-US" sz="1500" dirty="0" smtClean="0"/>
-              <a:t>상단에 있는 휴가신청 버튼을 이용해 휴가도 신청할 수 있습니다</a:t>
+              <a:t>오른쪽 상단에 있는 휴가신청 버튼을 이용해 휴가도 신청할 수 있습니다</a:t>
             </a:r>
             <a:r>
               <a:rPr lang="en-US" altLang="ko-KR" sz="1500" dirty="0" smtClean="0"/>
@@ -6567,7 +6465,7 @@
     </p:spTree>
     <p:extLst>
       <p:ext uri="{BB962C8B-B14F-4D97-AF65-F5344CB8AC3E}">
-        <p14:creationId xmlns="" xmlns:p14="http://schemas.microsoft.com/office/powerpoint/2010/main" val="563193488"/>
+        <p14:creationId xmlns:p14="http://schemas.microsoft.com/office/powerpoint/2010/main" xmlns="" val="563193488"/>
       </p:ext>
     </p:extLst>
   </p:cSld>
@@ -6628,11 +6526,7 @@
             </a:r>
             <a:r>
               <a:rPr lang="en-US" altLang="ko-KR" dirty="0" smtClean="0"/>
-              <a:t>-</a:t>
-            </a:r>
-            <a:r>
-              <a:rPr lang="en-US" altLang="ko-KR" dirty="0" smtClean="0"/>
-              <a:t> </a:t>
+              <a:t>- </a:t>
             </a:r>
             <a:r>
               <a:rPr lang="ko-KR" altLang="en-US" dirty="0" smtClean="0"/>
@@ -6678,17 +6572,12 @@
             </a:r>
             <a:r>
               <a:rPr lang="ko-KR" altLang="en-US" sz="1500" dirty="0" smtClean="0"/>
-              <a:t>휴가신청 </a:t>
-            </a:r>
-            <a:r>
-              <a:rPr lang="ko-KR" altLang="en-US" sz="1500" dirty="0" smtClean="0"/>
-              <a:t>버튼을 누르면 신청 날짜를 선택하고 휴가 사유를 작성해 제출할 수 있습니다</a:t>
+              <a:t>휴가신청 버튼을 누르면 신청 날짜를 선택하고 휴가 사유를 작성해 제출할 수 있습니다</a:t>
             </a:r>
             <a:r>
               <a:rPr lang="en-US" altLang="ko-KR" sz="1500" dirty="0" smtClean="0"/>
               <a:t>.</a:t>
             </a:r>
-            <a:endParaRPr lang="en-US" altLang="ko-KR" sz="1500" dirty="0" smtClean="0"/>
           </a:p>
           <a:p>
             <a:endParaRPr lang="en-US" altLang="ko-KR" sz="1500" dirty="0" smtClean="0"/>
@@ -6700,11 +6589,7 @@
             </a:r>
             <a:r>
               <a:rPr lang="ko-KR" altLang="en-US" sz="1500" dirty="0" smtClean="0"/>
-              <a:t>단체 </a:t>
-            </a:r>
-            <a:r>
-              <a:rPr lang="ko-KR" altLang="en-US" sz="1500" dirty="0" smtClean="0"/>
-              <a:t>일정이 있는 경우에는 일정이 진행되기 전에 미리 참석 여부를 선택해 통지할 수 있습니다</a:t>
+              <a:t>단체 일정이 있는 경우에는 일정이 진행되기 전에 미리 참석 여부를 선택해 통지할 수 있습니다</a:t>
             </a:r>
             <a:r>
               <a:rPr lang="en-US" altLang="ko-KR" sz="1500" dirty="0" smtClean="0"/>
@@ -6767,7 +6652,7 @@
     </p:spTree>
     <p:extLst>
       <p:ext uri="{BB962C8B-B14F-4D97-AF65-F5344CB8AC3E}">
-        <p14:creationId xmlns="" xmlns:p14="http://schemas.microsoft.com/office/powerpoint/2010/main" val="563193488"/>
+        <p14:creationId xmlns:p14="http://schemas.microsoft.com/office/powerpoint/2010/main" xmlns="" val="563193488"/>
       </p:ext>
     </p:extLst>
   </p:cSld>
@@ -6833,7 +6718,7 @@
     </p:spTree>
     <p:extLst>
       <p:ext uri="{BB962C8B-B14F-4D97-AF65-F5344CB8AC3E}">
-        <p14:creationId xmlns="" xmlns:p14="http://schemas.microsoft.com/office/powerpoint/2010/main" val="2747580281"/>
+        <p14:creationId xmlns:p14="http://schemas.microsoft.com/office/powerpoint/2010/main" xmlns="" val="2747580281"/>
       </p:ext>
     </p:extLst>
   </p:cSld>
@@ -6999,7 +6884,7 @@
     </p:spTree>
     <p:extLst>
       <p:ext uri="{BB962C8B-B14F-4D97-AF65-F5344CB8AC3E}">
-        <p14:creationId xmlns="" xmlns:p14="http://schemas.microsoft.com/office/powerpoint/2010/main" val="1091045753"/>
+        <p14:creationId xmlns:p14="http://schemas.microsoft.com/office/powerpoint/2010/main" xmlns="" val="1091045753"/>
       </p:ext>
     </p:extLst>
   </p:cSld>
@@ -7065,7 +6950,7 @@
     </p:spTree>
     <p:extLst>
       <p:ext uri="{BB962C8B-B14F-4D97-AF65-F5344CB8AC3E}">
-        <p14:creationId xmlns="" xmlns:p14="http://schemas.microsoft.com/office/powerpoint/2010/main" val="2536428638"/>
+        <p14:creationId xmlns:p14="http://schemas.microsoft.com/office/powerpoint/2010/main" xmlns="" val="2536428638"/>
       </p:ext>
     </p:extLst>
   </p:cSld>
@@ -7133,7 +7018,7 @@
     </p:spTree>
     <p:extLst>
       <p:ext uri="{BB962C8B-B14F-4D97-AF65-F5344CB8AC3E}">
-        <p14:creationId xmlns="" xmlns:p14="http://schemas.microsoft.com/office/powerpoint/2010/main" val="243971917"/>
+        <p14:creationId xmlns:p14="http://schemas.microsoft.com/office/powerpoint/2010/main" xmlns="" val="243971917"/>
       </p:ext>
     </p:extLst>
   </p:cSld>
@@ -7305,7 +7190,7 @@
     </p:spTree>
     <p:extLst>
       <p:ext uri="{BB962C8B-B14F-4D97-AF65-F5344CB8AC3E}">
-        <p14:creationId xmlns="" xmlns:p14="http://schemas.microsoft.com/office/powerpoint/2010/main" val="1516649602"/>
+        <p14:creationId xmlns:p14="http://schemas.microsoft.com/office/powerpoint/2010/main" xmlns="" val="1516649602"/>
       </p:ext>
     </p:extLst>
   </p:cSld>
@@ -7451,7 +7336,7 @@
     </p:spTree>
     <p:extLst>
       <p:ext uri="{BB962C8B-B14F-4D97-AF65-F5344CB8AC3E}">
-        <p14:creationId xmlns="" xmlns:p14="http://schemas.microsoft.com/office/powerpoint/2010/main" val="4156960906"/>
+        <p14:creationId xmlns:p14="http://schemas.microsoft.com/office/powerpoint/2010/main" xmlns="" val="4156960906"/>
       </p:ext>
     </p:extLst>
   </p:cSld>
@@ -7771,7 +7656,7 @@
     </p:spTree>
     <p:extLst>
       <p:ext uri="{BB962C8B-B14F-4D97-AF65-F5344CB8AC3E}">
-        <p14:creationId xmlns="" xmlns:p14="http://schemas.microsoft.com/office/powerpoint/2010/main" val="3780432103"/>
+        <p14:creationId xmlns:p14="http://schemas.microsoft.com/office/powerpoint/2010/main" xmlns="" val="3780432103"/>
       </p:ext>
     </p:extLst>
   </p:cSld>
@@ -7961,7 +7846,7 @@
     </p:spTree>
     <p:extLst>
       <p:ext uri="{BB962C8B-B14F-4D97-AF65-F5344CB8AC3E}">
-        <p14:creationId xmlns="" xmlns:p14="http://schemas.microsoft.com/office/powerpoint/2010/main" val="1992902310"/>
+        <p14:creationId xmlns:p14="http://schemas.microsoft.com/office/powerpoint/2010/main" xmlns="" val="1992902310"/>
       </p:ext>
     </p:extLst>
   </p:cSld>
@@ -8054,7 +7939,7 @@
           <a:blip r:embed="rId2">
             <a:extLst>
               <a:ext uri="{28A0092B-C50C-407E-A947-70E740481C1C}">
-                <a14:useLocalDpi xmlns="" xmlns:a14="http://schemas.microsoft.com/office/drawing/2010/main" val="0"/>
+                <a14:useLocalDpi xmlns:a14="http://schemas.microsoft.com/office/drawing/2010/main" xmlns="" val="0"/>
               </a:ext>
             </a:extLst>
           </a:blip>
@@ -8075,7 +7960,7 @@
     </p:spTree>
     <p:extLst>
       <p:ext uri="{BB962C8B-B14F-4D97-AF65-F5344CB8AC3E}">
-        <p14:creationId xmlns="" xmlns:p14="http://schemas.microsoft.com/office/powerpoint/2010/main" val="3495053689"/>
+        <p14:creationId xmlns:p14="http://schemas.microsoft.com/office/powerpoint/2010/main" xmlns="" val="3495053689"/>
       </p:ext>
     </p:extLst>
   </p:cSld>
@@ -8257,7 +8142,7 @@
     </p:spTree>
     <p:extLst>
       <p:ext uri="{BB962C8B-B14F-4D97-AF65-F5344CB8AC3E}">
-        <p14:creationId xmlns="" xmlns:p14="http://schemas.microsoft.com/office/powerpoint/2010/main" val="249681396"/>
+        <p14:creationId xmlns:p14="http://schemas.microsoft.com/office/powerpoint/2010/main" xmlns="" val="249681396"/>
       </p:ext>
     </p:extLst>
   </p:cSld>
@@ -8322,11 +8207,7 @@
             </a:r>
             <a:r>
               <a:rPr lang="ko-KR" altLang="en-US" dirty="0" smtClean="0"/>
-              <a:t>사용자 </a:t>
-            </a:r>
-            <a:r>
-              <a:rPr lang="ko-KR" altLang="en-US" dirty="0" smtClean="0"/>
-              <a:t>등록 </a:t>
+              <a:t>사용자 등록 </a:t>
             </a:r>
             <a:r>
               <a:rPr lang="en-US" altLang="ko-KR" dirty="0" smtClean="0"/>
@@ -8334,11 +8215,7 @@
             </a:r>
             <a:r>
               <a:rPr lang="ko-KR" altLang="en-US" dirty="0" err="1" smtClean="0"/>
-              <a:t>계정찾</a:t>
-            </a:r>
-            <a:r>
-              <a:rPr lang="ko-KR" altLang="en-US" dirty="0" err="1" smtClean="0"/>
-              <a:t>기</a:t>
+              <a:t>계정찾기</a:t>
             </a:r>
             <a:endParaRPr lang="ko-KR" altLang="en-US" dirty="0"/>
           </a:p>
@@ -8382,7 +8259,6 @@
               <a:rPr lang="en-US" altLang="ko-KR" sz="1500" dirty="0" smtClean="0"/>
               <a:t>.</a:t>
             </a:r>
-            <a:endParaRPr lang="en-US" altLang="ko-KR" sz="1500" dirty="0" smtClean="0"/>
           </a:p>
           <a:p>
             <a:pPr>
@@ -8412,7 +8288,6 @@
               <a:rPr lang="en-US" altLang="ko-KR" sz="1500" dirty="0" smtClean="0"/>
               <a:t>.</a:t>
             </a:r>
-            <a:endParaRPr lang="en-US" altLang="ko-KR" sz="1500" dirty="0" smtClean="0"/>
           </a:p>
           <a:p>
             <a:endParaRPr lang="en-US" altLang="ko-KR" sz="1500" dirty="0" smtClean="0"/>
@@ -8546,7 +8421,7 @@
     </p:spTree>
     <p:extLst>
       <p:ext uri="{BB962C8B-B14F-4D97-AF65-F5344CB8AC3E}">
-        <p14:creationId xmlns="" xmlns:p14="http://schemas.microsoft.com/office/powerpoint/2010/main" val="249681396"/>
+        <p14:creationId xmlns:p14="http://schemas.microsoft.com/office/powerpoint/2010/main" xmlns="" val="249681396"/>
       </p:ext>
     </p:extLst>
   </p:cSld>
@@ -8778,7 +8653,7 @@
   <a:extraClrSchemeLst/>
   <a:extLst>
     <a:ext uri="{05A4C25C-085E-4340-85A3-A5531E510DB2}">
-      <thm15:themeFamily xmlns="" xmlns:thm15="http://schemas.microsoft.com/office/thememl/2012/main" name="Madison" id="{025CB5FB-2DD3-45EE-B6F0-CC461540EB19}" vid="{178B2DAB-5DDE-4060-A857-D2E1CDA9250F}"/>
+      <thm15:themeFamily xmlns:thm15="http://schemas.microsoft.com/office/thememl/2012/main" xmlns="" name="Madison" id="{025CB5FB-2DD3-45EE-B6F0-CC461540EB19}" vid="{178B2DAB-5DDE-4060-A857-D2E1CDA9250F}"/>
     </a:ext>
   </a:extLst>
 </a:theme>

--- a/보고서 폴더/제출용.pptx
+++ b/보고서 폴더/제출용.pptx
@@ -126,7 +126,7 @@
   </p:defaultTextStyle>
   <p:extLst>
     <p:ext uri="{EFAFB233-063F-42B5-8137-9DF3F51BA10A}">
-      <p15:sldGuideLst xmlns:p15="http://schemas.microsoft.com/office/powerpoint/2012/main" xmlns=""/>
+      <p15:sldGuideLst xmlns="" xmlns:p15="http://schemas.microsoft.com/office/powerpoint/2012/main"/>
     </p:ext>
   </p:extLst>
 </p:presentation>
@@ -350,7 +350,7 @@
             <a:fld id="{9AB3A824-1A51-4B26-AD58-A6D8E14F6C04}" type="datetimeFigureOut">
               <a:rPr lang="en-US" dirty="0"/>
               <a:pPr/>
-              <a:t>10/14/2019</a:t>
+              <a:t>10/16/2019</a:t>
             </a:fld>
             <a:endParaRPr lang="en-US" dirty="0"/>
           </a:p>
@@ -686,7 +686,7 @@
             <a:fld id="{D857E33E-8B18-4087-B112-809917729534}" type="datetimeFigureOut">
               <a:rPr lang="en-US" dirty="0"/>
               <a:pPr/>
-              <a:t>10/14/2019</a:t>
+              <a:t>10/16/2019</a:t>
             </a:fld>
             <a:endParaRPr lang="en-US" dirty="0"/>
           </a:p>
@@ -990,7 +990,7 @@
             <a:fld id="{D3FFE419-2371-464F-8239-3959401C3561}" type="datetimeFigureOut">
               <a:rPr lang="en-US" dirty="0"/>
               <a:pPr/>
-              <a:t>10/14/2019</a:t>
+              <a:t>10/16/2019</a:t>
             </a:fld>
             <a:endParaRPr lang="en-US" dirty="0"/>
           </a:p>
@@ -1239,7 +1239,7 @@
             <a:fld id="{97D162C4-EDD9-4389-A98B-B87ECEA2A816}" type="datetimeFigureOut">
               <a:rPr lang="en-US" dirty="0"/>
               <a:pPr/>
-              <a:t>10/14/2019</a:t>
+              <a:t>10/16/2019</a:t>
             </a:fld>
             <a:endParaRPr lang="en-US" dirty="0"/>
           </a:p>
@@ -1648,7 +1648,7 @@
             <a:fld id="{3E5059C3-6A89-4494-99FF-5A4D6FFD50EB}" type="datetimeFigureOut">
               <a:rPr lang="en-US" dirty="0"/>
               <a:pPr/>
-              <a:t>10/14/2019</a:t>
+              <a:t>10/16/2019</a:t>
             </a:fld>
             <a:endParaRPr lang="en-US" dirty="0"/>
           </a:p>
@@ -1964,7 +1964,7 @@
             <a:fld id="{CA954B2F-12DE-47F5-8894-472B206D2E1E}" type="datetimeFigureOut">
               <a:rPr lang="en-US" dirty="0"/>
               <a:pPr/>
-              <a:t>10/14/2019</a:t>
+              <a:t>10/16/2019</a:t>
             </a:fld>
             <a:endParaRPr lang="en-US" dirty="0"/>
           </a:p>
@@ -2510,7 +2510,7 @@
             <a:fld id="{3F30E46F-7819-4ACF-B48B-48222C2ACC88}" type="datetimeFigureOut">
               <a:rPr lang="en-US" dirty="0"/>
               <a:pPr/>
-              <a:t>10/14/2019</a:t>
+              <a:t>10/16/2019</a:t>
             </a:fld>
             <a:endParaRPr lang="en-US" dirty="0"/>
           </a:p>
@@ -2707,7 +2707,7 @@
             <a:fld id="{1FAF3416-4057-4DAA-829D-4CA07428D088}" type="datetimeFigureOut">
               <a:rPr lang="en-US" dirty="0"/>
               <a:pPr/>
-              <a:t>10/14/2019</a:t>
+              <a:t>10/16/2019</a:t>
             </a:fld>
             <a:endParaRPr lang="en-US" dirty="0"/>
           </a:p>
@@ -2922,7 +2922,7 @@
             <a:fld id="{921D9284-D300-4297-87F7-E791DCC15DB1}" type="datetimeFigureOut">
               <a:rPr lang="en-US" dirty="0"/>
               <a:pPr/>
-              <a:t>10/14/2019</a:t>
+              <a:t>10/16/2019</a:t>
             </a:fld>
             <a:endParaRPr lang="en-US" dirty="0"/>
           </a:p>
@@ -3293,7 +3293,7 @@
             <a:fld id="{37D525BB-DA17-4BA0-B3C8-3AC3ABC827E6}" type="datetimeFigureOut">
               <a:rPr lang="en-US" dirty="0"/>
               <a:pPr/>
-              <a:t>10/14/2019</a:t>
+              <a:t>10/16/2019</a:t>
             </a:fld>
             <a:endParaRPr lang="en-US" dirty="0"/>
           </a:p>
@@ -3698,7 +3698,7 @@
             <a:fld id="{B16C4C9A-3960-41CF-A4E9-2A8FB932454B}" type="datetimeFigureOut">
               <a:rPr lang="en-US" dirty="0"/>
               <a:pPr/>
-              <a:t>10/14/2019</a:t>
+              <a:t>10/16/2019</a:t>
             </a:fld>
             <a:endParaRPr lang="en-US" dirty="0"/>
           </a:p>
@@ -3793,7 +3793,7 @@
           <a:blip r:embed="rId13">
             <a:extLst>
               <a:ext uri="{28A0092B-C50C-407E-A947-70E740481C1C}">
-                <a14:useLocalDpi xmlns:a14="http://schemas.microsoft.com/office/drawing/2010/main" xmlns="" val="0"/>
+                <a14:useLocalDpi xmlns="" xmlns:a14="http://schemas.microsoft.com/office/drawing/2010/main" val="0"/>
               </a:ext>
             </a:extLst>
           </a:blip>
@@ -3823,7 +3823,7 @@
           <a:blip r:embed="rId14">
             <a:extLst>
               <a:ext uri="{28A0092B-C50C-407E-A947-70E740481C1C}">
-                <a14:useLocalDpi xmlns:a14="http://schemas.microsoft.com/office/drawing/2010/main" xmlns="" val="0"/>
+                <a14:useLocalDpi xmlns="" xmlns:a14="http://schemas.microsoft.com/office/drawing/2010/main" val="0"/>
               </a:ext>
             </a:extLst>
           </a:blip>
@@ -4038,7 +4038,7 @@
             <a:fld id="{3CBC1C18-307B-4F68-A007-B5B542270E8D}" type="datetimeFigureOut">
               <a:rPr lang="en-US" dirty="0"/>
               <a:pPr/>
-              <a:t>10/14/2019</a:t>
+              <a:t>10/16/2019</a:t>
             </a:fld>
             <a:endParaRPr lang="en-US" dirty="0"/>
           </a:p>
@@ -4646,7 +4646,7 @@
     </p:spTree>
     <p:extLst>
       <p:ext uri="{BB962C8B-B14F-4D97-AF65-F5344CB8AC3E}">
-        <p14:creationId xmlns:p14="http://schemas.microsoft.com/office/powerpoint/2010/main" xmlns="" val="3499749389"/>
+        <p14:creationId xmlns="" xmlns:p14="http://schemas.microsoft.com/office/powerpoint/2010/main" val="3499749389"/>
       </p:ext>
     </p:extLst>
   </p:cSld>
@@ -4963,7 +4963,7 @@
     </p:spTree>
     <p:extLst>
       <p:ext uri="{BB962C8B-B14F-4D97-AF65-F5344CB8AC3E}">
-        <p14:creationId xmlns:p14="http://schemas.microsoft.com/office/powerpoint/2010/main" xmlns="" val="2372702934"/>
+        <p14:creationId xmlns="" xmlns:p14="http://schemas.microsoft.com/office/powerpoint/2010/main" val="2372702934"/>
       </p:ext>
     </p:extLst>
   </p:cSld>
@@ -5220,7 +5220,7 @@
     </p:spTree>
     <p:extLst>
       <p:ext uri="{BB962C8B-B14F-4D97-AF65-F5344CB8AC3E}">
-        <p14:creationId xmlns:p14="http://schemas.microsoft.com/office/powerpoint/2010/main" xmlns="" val="2081439481"/>
+        <p14:creationId xmlns="" xmlns:p14="http://schemas.microsoft.com/office/powerpoint/2010/main" val="2081439481"/>
       </p:ext>
     </p:extLst>
   </p:cSld>
@@ -5463,7 +5463,7 @@
     </p:spTree>
     <p:extLst>
       <p:ext uri="{BB962C8B-B14F-4D97-AF65-F5344CB8AC3E}">
-        <p14:creationId xmlns:p14="http://schemas.microsoft.com/office/powerpoint/2010/main" xmlns="" val="2065060951"/>
+        <p14:creationId xmlns="" xmlns:p14="http://schemas.microsoft.com/office/powerpoint/2010/main" val="2065060951"/>
       </p:ext>
     </p:extLst>
   </p:cSld>
@@ -5631,11 +5631,7 @@
             </a:r>
             <a:r>
               <a:rPr lang="ko-KR" altLang="en-US" sz="1500" dirty="0" smtClean="0"/>
-              <a:t> </a:t>
-            </a:r>
-            <a:r>
-              <a:rPr lang="ko-KR" altLang="en-US" sz="1500" dirty="0" smtClean="0"/>
-              <a:t>안에서는 상대방에게 메시지를 보내거나 상대방의 메시지를 받을 수 있고 파일전송이 가능합니다</a:t>
+              <a:t> 안에서는 상대방에게 메시지를 보내거나 상대방의 메시지를 받을 수 있고 파일전송이 가능합니다</a:t>
             </a:r>
             <a:r>
               <a:rPr lang="en-US" altLang="ko-KR" sz="1500" dirty="0" smtClean="0"/>
@@ -5647,7 +5643,7 @@
     </p:spTree>
     <p:extLst>
       <p:ext uri="{BB962C8B-B14F-4D97-AF65-F5344CB8AC3E}">
-        <p14:creationId xmlns:p14="http://schemas.microsoft.com/office/powerpoint/2010/main" xmlns="" val="2065060951"/>
+        <p14:creationId xmlns="" xmlns:p14="http://schemas.microsoft.com/office/powerpoint/2010/main" val="2065060951"/>
       </p:ext>
     </p:extLst>
   </p:cSld>
@@ -5854,7 +5850,7 @@
     </p:spTree>
     <p:extLst>
       <p:ext uri="{BB962C8B-B14F-4D97-AF65-F5344CB8AC3E}">
-        <p14:creationId xmlns:p14="http://schemas.microsoft.com/office/powerpoint/2010/main" xmlns="" val="2705078034"/>
+        <p14:creationId xmlns="" xmlns:p14="http://schemas.microsoft.com/office/powerpoint/2010/main" val="2705078034"/>
       </p:ext>
     </p:extLst>
   </p:cSld>
@@ -5953,11 +5949,7 @@
             </a:pPr>
             <a:r>
               <a:rPr lang="ko-KR" altLang="en-US" sz="1500" dirty="0" smtClean="0"/>
-              <a:t> 게시물을 </a:t>
-            </a:r>
-            <a:r>
-              <a:rPr lang="ko-KR" altLang="en-US" sz="1500" dirty="0" smtClean="0"/>
-              <a:t>열람하면 다음과 같은 화면으로 전환되고 게시물을 내용을 열람할 수 있게 됩니다</a:t>
+              <a:t> 게시물을 열람하면 다음과 같은 화면으로 전환되고 게시물을 내용을 열람할 수 있게 됩니다</a:t>
             </a:r>
             <a:r>
               <a:rPr lang="en-US" altLang="ko-KR" sz="1500" dirty="0" smtClean="0"/>
@@ -5978,11 +5970,7 @@
             </a:pPr>
             <a:r>
               <a:rPr lang="ko-KR" altLang="en-US" sz="1500" dirty="0" smtClean="0"/>
-              <a:t> 게시물 </a:t>
-            </a:r>
-            <a:r>
-              <a:rPr lang="ko-KR" altLang="en-US" sz="1500" dirty="0" smtClean="0"/>
-              <a:t>열람 화면에서는 해당 게시물에 </a:t>
+              <a:t> 게시물 열람 화면에서는 해당 게시물에 </a:t>
             </a:r>
             <a:r>
               <a:rPr lang="ko-KR" altLang="en-US" sz="1500" dirty="0" err="1" smtClean="0"/>
@@ -6027,7 +6015,7 @@
     </p:spTree>
     <p:extLst>
       <p:ext uri="{BB962C8B-B14F-4D97-AF65-F5344CB8AC3E}">
-        <p14:creationId xmlns:p14="http://schemas.microsoft.com/office/powerpoint/2010/main" xmlns="" val="2705078034"/>
+        <p14:creationId xmlns="" xmlns:p14="http://schemas.microsoft.com/office/powerpoint/2010/main" val="2705078034"/>
       </p:ext>
     </p:extLst>
   </p:cSld>
@@ -6237,7 +6225,7 @@
     </p:spTree>
     <p:extLst>
       <p:ext uri="{BB962C8B-B14F-4D97-AF65-F5344CB8AC3E}">
-        <p14:creationId xmlns:p14="http://schemas.microsoft.com/office/powerpoint/2010/main" xmlns="" val="2705078034"/>
+        <p14:creationId xmlns="" xmlns:p14="http://schemas.microsoft.com/office/powerpoint/2010/main" val="2705078034"/>
       </p:ext>
     </p:extLst>
   </p:cSld>
@@ -6465,7 +6453,7 @@
     </p:spTree>
     <p:extLst>
       <p:ext uri="{BB962C8B-B14F-4D97-AF65-F5344CB8AC3E}">
-        <p14:creationId xmlns:p14="http://schemas.microsoft.com/office/powerpoint/2010/main" xmlns="" val="563193488"/>
+        <p14:creationId xmlns="" xmlns:p14="http://schemas.microsoft.com/office/powerpoint/2010/main" val="563193488"/>
       </p:ext>
     </p:extLst>
   </p:cSld>
@@ -6652,7 +6640,7 @@
     </p:spTree>
     <p:extLst>
       <p:ext uri="{BB962C8B-B14F-4D97-AF65-F5344CB8AC3E}">
-        <p14:creationId xmlns:p14="http://schemas.microsoft.com/office/powerpoint/2010/main" xmlns="" val="563193488"/>
+        <p14:creationId xmlns="" xmlns:p14="http://schemas.microsoft.com/office/powerpoint/2010/main" val="563193488"/>
       </p:ext>
     </p:extLst>
   </p:cSld>
@@ -6718,7 +6706,7 @@
     </p:spTree>
     <p:extLst>
       <p:ext uri="{BB962C8B-B14F-4D97-AF65-F5344CB8AC3E}">
-        <p14:creationId xmlns:p14="http://schemas.microsoft.com/office/powerpoint/2010/main" xmlns="" val="2747580281"/>
+        <p14:creationId xmlns="" xmlns:p14="http://schemas.microsoft.com/office/powerpoint/2010/main" val="2747580281"/>
       </p:ext>
     </p:extLst>
   </p:cSld>
@@ -6884,7 +6872,7 @@
     </p:spTree>
     <p:extLst>
       <p:ext uri="{BB962C8B-B14F-4D97-AF65-F5344CB8AC3E}">
-        <p14:creationId xmlns:p14="http://schemas.microsoft.com/office/powerpoint/2010/main" xmlns="" val="1091045753"/>
+        <p14:creationId xmlns="" xmlns:p14="http://schemas.microsoft.com/office/powerpoint/2010/main" val="1091045753"/>
       </p:ext>
     </p:extLst>
   </p:cSld>
@@ -6950,7 +6938,7 @@
     </p:spTree>
     <p:extLst>
       <p:ext uri="{BB962C8B-B14F-4D97-AF65-F5344CB8AC3E}">
-        <p14:creationId xmlns:p14="http://schemas.microsoft.com/office/powerpoint/2010/main" xmlns="" val="2536428638"/>
+        <p14:creationId xmlns="" xmlns:p14="http://schemas.microsoft.com/office/powerpoint/2010/main" val="2536428638"/>
       </p:ext>
     </p:extLst>
   </p:cSld>
@@ -7018,7 +7006,7 @@
     </p:spTree>
     <p:extLst>
       <p:ext uri="{BB962C8B-B14F-4D97-AF65-F5344CB8AC3E}">
-        <p14:creationId xmlns:p14="http://schemas.microsoft.com/office/powerpoint/2010/main" xmlns="" val="243971917"/>
+        <p14:creationId xmlns="" xmlns:p14="http://schemas.microsoft.com/office/powerpoint/2010/main" val="243971917"/>
       </p:ext>
     </p:extLst>
   </p:cSld>
@@ -7190,7 +7178,7 @@
     </p:spTree>
     <p:extLst>
       <p:ext uri="{BB962C8B-B14F-4D97-AF65-F5344CB8AC3E}">
-        <p14:creationId xmlns:p14="http://schemas.microsoft.com/office/powerpoint/2010/main" xmlns="" val="1516649602"/>
+        <p14:creationId xmlns="" xmlns:p14="http://schemas.microsoft.com/office/powerpoint/2010/main" val="1516649602"/>
       </p:ext>
     </p:extLst>
   </p:cSld>
@@ -7336,7 +7324,7 @@
     </p:spTree>
     <p:extLst>
       <p:ext uri="{BB962C8B-B14F-4D97-AF65-F5344CB8AC3E}">
-        <p14:creationId xmlns:p14="http://schemas.microsoft.com/office/powerpoint/2010/main" xmlns="" val="4156960906"/>
+        <p14:creationId xmlns="" xmlns:p14="http://schemas.microsoft.com/office/powerpoint/2010/main" val="4156960906"/>
       </p:ext>
     </p:extLst>
   </p:cSld>
@@ -7656,7 +7644,7 @@
     </p:spTree>
     <p:extLst>
       <p:ext uri="{BB962C8B-B14F-4D97-AF65-F5344CB8AC3E}">
-        <p14:creationId xmlns:p14="http://schemas.microsoft.com/office/powerpoint/2010/main" xmlns="" val="3780432103"/>
+        <p14:creationId xmlns="" xmlns:p14="http://schemas.microsoft.com/office/powerpoint/2010/main" val="3780432103"/>
       </p:ext>
     </p:extLst>
   </p:cSld>
@@ -7846,7 +7834,7 @@
     </p:spTree>
     <p:extLst>
       <p:ext uri="{BB962C8B-B14F-4D97-AF65-F5344CB8AC3E}">
-        <p14:creationId xmlns:p14="http://schemas.microsoft.com/office/powerpoint/2010/main" xmlns="" val="1992902310"/>
+        <p14:creationId xmlns="" xmlns:p14="http://schemas.microsoft.com/office/powerpoint/2010/main" val="1992902310"/>
       </p:ext>
     </p:extLst>
   </p:cSld>
@@ -7929,28 +7917,22 @@
       </p:sp>
       <p:pic>
         <p:nvPicPr>
-          <p:cNvPr id="5" name="그림 4"/>
+          <p:cNvPr id="4" name="그림 3" descr="일정.PNG"/>
           <p:cNvPicPr>
             <a:picLocks noChangeAspect="1"/>
           </p:cNvPicPr>
           <p:nvPr/>
         </p:nvPicPr>
         <p:blipFill>
-          <a:blip r:embed="rId2">
-            <a:extLst>
-              <a:ext uri="{28A0092B-C50C-407E-A947-70E740481C1C}">
-                <a14:useLocalDpi xmlns:a14="http://schemas.microsoft.com/office/drawing/2010/main" xmlns="" val="0"/>
-              </a:ext>
-            </a:extLst>
-          </a:blip>
+          <a:blip r:embed="rId2"/>
           <a:stretch>
             <a:fillRect/>
           </a:stretch>
         </p:blipFill>
         <p:spPr>
           <a:xfrm>
-            <a:off x="1117600" y="560493"/>
-            <a:ext cx="10055654" cy="6205073"/>
+            <a:off x="1061360" y="499633"/>
+            <a:ext cx="9949539" cy="6310180"/>
           </a:xfrm>
           <a:prstGeom prst="rect">
             <a:avLst/>
@@ -7960,7 +7942,7 @@
     </p:spTree>
     <p:extLst>
       <p:ext uri="{BB962C8B-B14F-4D97-AF65-F5344CB8AC3E}">
-        <p14:creationId xmlns:p14="http://schemas.microsoft.com/office/powerpoint/2010/main" xmlns="" val="3495053689"/>
+        <p14:creationId xmlns="" xmlns:p14="http://schemas.microsoft.com/office/powerpoint/2010/main" val="3495053689"/>
       </p:ext>
     </p:extLst>
   </p:cSld>
@@ -8142,7 +8124,7 @@
     </p:spTree>
     <p:extLst>
       <p:ext uri="{BB962C8B-B14F-4D97-AF65-F5344CB8AC3E}">
-        <p14:creationId xmlns:p14="http://schemas.microsoft.com/office/powerpoint/2010/main" xmlns="" val="249681396"/>
+        <p14:creationId xmlns="" xmlns:p14="http://schemas.microsoft.com/office/powerpoint/2010/main" val="249681396"/>
       </p:ext>
     </p:extLst>
   </p:cSld>
@@ -8421,7 +8403,7 @@
     </p:spTree>
     <p:extLst>
       <p:ext uri="{BB962C8B-B14F-4D97-AF65-F5344CB8AC3E}">
-        <p14:creationId xmlns:p14="http://schemas.microsoft.com/office/powerpoint/2010/main" xmlns="" val="249681396"/>
+        <p14:creationId xmlns="" xmlns:p14="http://schemas.microsoft.com/office/powerpoint/2010/main" val="249681396"/>
       </p:ext>
     </p:extLst>
   </p:cSld>
@@ -8653,7 +8635,7 @@
   <a:extraClrSchemeLst/>
   <a:extLst>
     <a:ext uri="{05A4C25C-085E-4340-85A3-A5531E510DB2}">
-      <thm15:themeFamily xmlns:thm15="http://schemas.microsoft.com/office/thememl/2012/main" xmlns="" name="Madison" id="{025CB5FB-2DD3-45EE-B6F0-CC461540EB19}" vid="{178B2DAB-5DDE-4060-A857-D2E1CDA9250F}"/>
+      <thm15:themeFamily xmlns="" xmlns:thm15="http://schemas.microsoft.com/office/thememl/2012/main" name="Madison" id="{025CB5FB-2DD3-45EE-B6F0-CC461540EB19}" vid="{178B2DAB-5DDE-4060-A857-D2E1CDA9250F}"/>
     </a:ext>
   </a:extLst>
 </a:theme>

--- a/보고서 폴더/제출용.pptx
+++ b/보고서 폴더/제출용.pptx
@@ -23,9 +23,7 @@
     <p:sldId id="278" r:id="rId17"/>
     <p:sldId id="270" r:id="rId18"/>
     <p:sldId id="276" r:id="rId19"/>
-    <p:sldId id="271" r:id="rId20"/>
-    <p:sldId id="273" r:id="rId21"/>
-    <p:sldId id="259" r:id="rId22"/>
+    <p:sldId id="259" r:id="rId20"/>
   </p:sldIdLst>
   <p:sldSz cx="12192000" cy="6858000"/>
   <p:notesSz cx="6858000" cy="9144000"/>
@@ -126,7 +124,18 @@
   </p:defaultTextStyle>
   <p:extLst>
     <p:ext uri="{EFAFB233-063F-42B5-8137-9DF3F51BA10A}">
-      <p15:sldGuideLst xmlns="" xmlns:p15="http://schemas.microsoft.com/office/powerpoint/2012/main"/>
+      <p15:sldGuideLst xmlns:p15="http://schemas.microsoft.com/office/powerpoint/2012/main">
+        <p15:guide id="1" orient="horz" pos="2160">
+          <p15:clr>
+            <a:srgbClr val="A4A3A4"/>
+          </p15:clr>
+        </p15:guide>
+        <p15:guide id="2" pos="3840">
+          <p15:clr>
+            <a:srgbClr val="A4A3A4"/>
+          </p15:clr>
+        </p15:guide>
+      </p15:sldGuideLst>
     </p:ext>
   </p:extLst>
 </p:presentation>
@@ -350,7 +359,7 @@
             <a:fld id="{9AB3A824-1A51-4B26-AD58-A6D8E14F6C04}" type="datetimeFigureOut">
               <a:rPr lang="en-US" dirty="0"/>
               <a:pPr/>
-              <a:t>10/16/2019</a:t>
+              <a:t>10/18/2019</a:t>
             </a:fld>
             <a:endParaRPr lang="en-US" dirty="0"/>
           </a:p>
@@ -686,7 +695,7 @@
             <a:fld id="{D857E33E-8B18-4087-B112-809917729534}" type="datetimeFigureOut">
               <a:rPr lang="en-US" dirty="0"/>
               <a:pPr/>
-              <a:t>10/16/2019</a:t>
+              <a:t>10/18/2019</a:t>
             </a:fld>
             <a:endParaRPr lang="en-US" dirty="0"/>
           </a:p>
@@ -990,7 +999,7 @@
             <a:fld id="{D3FFE419-2371-464F-8239-3959401C3561}" type="datetimeFigureOut">
               <a:rPr lang="en-US" dirty="0"/>
               <a:pPr/>
-              <a:t>10/16/2019</a:t>
+              <a:t>10/18/2019</a:t>
             </a:fld>
             <a:endParaRPr lang="en-US" dirty="0"/>
           </a:p>
@@ -1239,7 +1248,7 @@
             <a:fld id="{97D162C4-EDD9-4389-A98B-B87ECEA2A816}" type="datetimeFigureOut">
               <a:rPr lang="en-US" dirty="0"/>
               <a:pPr/>
-              <a:t>10/16/2019</a:t>
+              <a:t>10/18/2019</a:t>
             </a:fld>
             <a:endParaRPr lang="en-US" dirty="0"/>
           </a:p>
@@ -1648,7 +1657,7 @@
             <a:fld id="{3E5059C3-6A89-4494-99FF-5A4D6FFD50EB}" type="datetimeFigureOut">
               <a:rPr lang="en-US" dirty="0"/>
               <a:pPr/>
-              <a:t>10/16/2019</a:t>
+              <a:t>10/18/2019</a:t>
             </a:fld>
             <a:endParaRPr lang="en-US" dirty="0"/>
           </a:p>
@@ -1964,7 +1973,7 @@
             <a:fld id="{CA954B2F-12DE-47F5-8894-472B206D2E1E}" type="datetimeFigureOut">
               <a:rPr lang="en-US" dirty="0"/>
               <a:pPr/>
-              <a:t>10/16/2019</a:t>
+              <a:t>10/18/2019</a:t>
             </a:fld>
             <a:endParaRPr lang="en-US" dirty="0"/>
           </a:p>
@@ -2510,7 +2519,7 @@
             <a:fld id="{3F30E46F-7819-4ACF-B48B-48222C2ACC88}" type="datetimeFigureOut">
               <a:rPr lang="en-US" dirty="0"/>
               <a:pPr/>
-              <a:t>10/16/2019</a:t>
+              <a:t>10/18/2019</a:t>
             </a:fld>
             <a:endParaRPr lang="en-US" dirty="0"/>
           </a:p>
@@ -2707,7 +2716,7 @@
             <a:fld id="{1FAF3416-4057-4DAA-829D-4CA07428D088}" type="datetimeFigureOut">
               <a:rPr lang="en-US" dirty="0"/>
               <a:pPr/>
-              <a:t>10/16/2019</a:t>
+              <a:t>10/18/2019</a:t>
             </a:fld>
             <a:endParaRPr lang="en-US" dirty="0"/>
           </a:p>
@@ -2922,7 +2931,7 @@
             <a:fld id="{921D9284-D300-4297-87F7-E791DCC15DB1}" type="datetimeFigureOut">
               <a:rPr lang="en-US" dirty="0"/>
               <a:pPr/>
-              <a:t>10/16/2019</a:t>
+              <a:t>10/18/2019</a:t>
             </a:fld>
             <a:endParaRPr lang="en-US" dirty="0"/>
           </a:p>
@@ -3293,7 +3302,7 @@
             <a:fld id="{37D525BB-DA17-4BA0-B3C8-3AC3ABC827E6}" type="datetimeFigureOut">
               <a:rPr lang="en-US" dirty="0"/>
               <a:pPr/>
-              <a:t>10/16/2019</a:t>
+              <a:t>10/18/2019</a:t>
             </a:fld>
             <a:endParaRPr lang="en-US" dirty="0"/>
           </a:p>
@@ -3698,7 +3707,7 @@
             <a:fld id="{B16C4C9A-3960-41CF-A4E9-2A8FB932454B}" type="datetimeFigureOut">
               <a:rPr lang="en-US" dirty="0"/>
               <a:pPr/>
-              <a:t>10/16/2019</a:t>
+              <a:t>10/18/2019</a:t>
             </a:fld>
             <a:endParaRPr lang="en-US" dirty="0"/>
           </a:p>
@@ -3793,7 +3802,7 @@
           <a:blip r:embed="rId13">
             <a:extLst>
               <a:ext uri="{28A0092B-C50C-407E-A947-70E740481C1C}">
-                <a14:useLocalDpi xmlns="" xmlns:a14="http://schemas.microsoft.com/office/drawing/2010/main" val="0"/>
+                <a14:useLocalDpi xmlns:a14="http://schemas.microsoft.com/office/drawing/2010/main" val="0"/>
               </a:ext>
             </a:extLst>
           </a:blip>
@@ -3823,7 +3832,7 @@
           <a:blip r:embed="rId14">
             <a:extLst>
               <a:ext uri="{28A0092B-C50C-407E-A947-70E740481C1C}">
-                <a14:useLocalDpi xmlns="" xmlns:a14="http://schemas.microsoft.com/office/drawing/2010/main" val="0"/>
+                <a14:useLocalDpi xmlns:a14="http://schemas.microsoft.com/office/drawing/2010/main" val="0"/>
               </a:ext>
             </a:extLst>
           </a:blip>
@@ -4038,7 +4047,7 @@
             <a:fld id="{3CBC1C18-307B-4F68-A007-B5B542270E8D}" type="datetimeFigureOut">
               <a:rPr lang="en-US" dirty="0"/>
               <a:pPr/>
-              <a:t>10/16/2019</a:t>
+              <a:t>10/18/2019</a:t>
             </a:fld>
             <a:endParaRPr lang="en-US" dirty="0"/>
           </a:p>
@@ -4646,7 +4655,7 @@
     </p:spTree>
     <p:extLst>
       <p:ext uri="{BB962C8B-B14F-4D97-AF65-F5344CB8AC3E}">
-        <p14:creationId xmlns="" xmlns:p14="http://schemas.microsoft.com/office/powerpoint/2010/main" val="3499749389"/>
+        <p14:creationId xmlns:p14="http://schemas.microsoft.com/office/powerpoint/2010/main" val="3499749389"/>
       </p:ext>
     </p:extLst>
   </p:cSld>
@@ -4749,7 +4758,7 @@
         </p:nvSpPr>
         <p:spPr>
           <a:xfrm>
-            <a:off x="6619461" y="1590261"/>
+            <a:off x="6619461" y="1343128"/>
             <a:ext cx="4005470" cy="4478149"/>
           </a:xfrm>
           <a:prstGeom prst="rect">
@@ -4769,7 +4778,11 @@
             </a:pPr>
             <a:r>
               <a:rPr lang="ko-KR" altLang="en-US" sz="1500" dirty="0" smtClean="0"/>
-              <a:t>본 프로그램의 </a:t>
+              <a:t> 본 </a:t>
+            </a:r>
+            <a:r>
+              <a:rPr lang="ko-KR" altLang="en-US" sz="1500" dirty="0" smtClean="0"/>
+              <a:t>프로그램의 </a:t>
             </a:r>
             <a:r>
               <a:rPr lang="ko-KR" altLang="en-US" sz="1500" dirty="0" err="1" smtClean="0"/>
@@ -4794,7 +4807,7 @@
             </a:pPr>
             <a:r>
               <a:rPr lang="ko-KR" altLang="en-US" sz="1500" dirty="0" smtClean="0"/>
-              <a:t>사용자가 </a:t>
+              <a:t> 사용자가 </a:t>
             </a:r>
             <a:r>
               <a:rPr lang="ko-KR" altLang="en-US" sz="1500" dirty="0" err="1" smtClean="0"/>
@@ -4819,7 +4832,7 @@
             </a:pPr>
             <a:r>
               <a:rPr lang="ko-KR" altLang="en-US" sz="1500" dirty="0" smtClean="0"/>
-              <a:t>기본 </a:t>
+              <a:t> 기본 </a:t>
             </a:r>
             <a:r>
               <a:rPr lang="ko-KR" altLang="en-US" sz="1500" dirty="0" err="1" smtClean="0"/>
@@ -4827,23 +4840,7 @@
             </a:r>
             <a:r>
               <a:rPr lang="ko-KR" altLang="en-US" sz="1500" dirty="0" smtClean="0"/>
-              <a:t> </a:t>
-            </a:r>
-            <a:r>
-              <a:rPr lang="ko-KR" altLang="en-US" sz="1500" dirty="0" err="1" smtClean="0"/>
-              <a:t>알림화면으로</a:t>
-            </a:r>
-            <a:r>
-              <a:rPr lang="ko-KR" altLang="en-US" sz="1500" dirty="0" smtClean="0"/>
-              <a:t> 되어 있고 </a:t>
-            </a:r>
-            <a:r>
-              <a:rPr lang="ko-KR" altLang="en-US" sz="1500" dirty="0" err="1" smtClean="0"/>
-              <a:t>알림화면에서는</a:t>
-            </a:r>
-            <a:r>
-              <a:rPr lang="ko-KR" altLang="en-US" sz="1500" dirty="0" smtClean="0"/>
-              <a:t> 해당 조직 내의 공지사항이나 이슈</a:t>
+              <a:t> 알림화면으로 되어 있고 알림화면에서는 해당 조직 내의 공지사항이나 이슈</a:t>
             </a:r>
             <a:r>
               <a:rPr lang="en-US" altLang="ko-KR" sz="1500" dirty="0" smtClean="0"/>
@@ -4963,7 +4960,7 @@
     </p:spTree>
     <p:extLst>
       <p:ext uri="{BB962C8B-B14F-4D97-AF65-F5344CB8AC3E}">
-        <p14:creationId xmlns="" xmlns:p14="http://schemas.microsoft.com/office/powerpoint/2010/main" val="2372702934"/>
+        <p14:creationId xmlns:p14="http://schemas.microsoft.com/office/powerpoint/2010/main" val="2372702934"/>
       </p:ext>
     </p:extLst>
   </p:cSld>
@@ -5066,16 +5063,15 @@
           </p:cNvPicPr>
           <p:nvPr/>
         </p:nvPicPr>
-        <p:blipFill>
+        <p:blipFill rotWithShape="1">
           <a:blip r:embed="rId3"/>
-          <a:stretch>
-            <a:fillRect/>
-          </a:stretch>
+          <a:srcRect t="576" r="104"/>
+          <a:stretch/>
         </p:blipFill>
         <p:spPr>
           <a:xfrm>
-            <a:off x="6755474" y="4957434"/>
-            <a:ext cx="3372321" cy="1733792"/>
+            <a:off x="6755474" y="4967416"/>
+            <a:ext cx="3368829" cy="1723810"/>
           </a:xfrm>
           <a:prstGeom prst="rect">
             <a:avLst/>
@@ -5156,7 +5152,11 @@
             </a:pPr>
             <a:r>
               <a:rPr lang="ko-KR" altLang="en-US" sz="1500" dirty="0" smtClean="0"/>
-              <a:t>맨 위에는 본인의 프로필을 출력하고 그 아래부터 다른 사용자를 출력합니다</a:t>
+              <a:t> 맨 </a:t>
+            </a:r>
+            <a:r>
+              <a:rPr lang="ko-KR" altLang="en-US" sz="1500" dirty="0" smtClean="0"/>
+              <a:t>위에는 본인의 프로필을 출력하고 그 아래부터 다른 사용자를 출력합니다</a:t>
             </a:r>
             <a:r>
               <a:rPr lang="en-US" altLang="ko-KR" sz="1500" dirty="0" smtClean="0"/>
@@ -5220,7 +5220,7 @@
     </p:spTree>
     <p:extLst>
       <p:ext uri="{BB962C8B-B14F-4D97-AF65-F5344CB8AC3E}">
-        <p14:creationId xmlns="" xmlns:p14="http://schemas.microsoft.com/office/powerpoint/2010/main" val="2081439481"/>
+        <p14:creationId xmlns:p14="http://schemas.microsoft.com/office/powerpoint/2010/main" val="2081439481"/>
       </p:ext>
     </p:extLst>
   </p:cSld>
@@ -5328,7 +5328,7 @@
         <p:spPr>
           <a:xfrm>
             <a:off x="6896100" y="1628775"/>
-            <a:ext cx="3990975" cy="3093154"/>
+            <a:ext cx="3990975" cy="4550476"/>
           </a:xfrm>
           <a:prstGeom prst="rect">
             <a:avLst/>
@@ -5342,6 +5342,9 @@
           <a:lstStyle/>
           <a:p>
             <a:pPr>
+              <a:lnSpc>
+                <a:spcPct val="150000"/>
+              </a:lnSpc>
               <a:buFontTx/>
               <a:buChar char="-"/>
             </a:pPr>
@@ -5363,10 +5366,18 @@
             </a:r>
           </a:p>
           <a:p>
+            <a:pPr>
+              <a:lnSpc>
+                <a:spcPct val="150000"/>
+              </a:lnSpc>
+            </a:pPr>
             <a:endParaRPr lang="en-US" altLang="ko-KR" sz="1500" dirty="0" smtClean="0"/>
           </a:p>
           <a:p>
             <a:pPr>
+              <a:lnSpc>
+                <a:spcPct val="150000"/>
+              </a:lnSpc>
               <a:buFontTx/>
               <a:buChar char="-"/>
             </a:pPr>
@@ -5397,6 +5408,9 @@
           </a:p>
           <a:p>
             <a:pPr>
+              <a:lnSpc>
+                <a:spcPct val="150000"/>
+              </a:lnSpc>
               <a:buFontTx/>
               <a:buChar char="-"/>
             </a:pPr>
@@ -5404,6 +5418,9 @@
           </a:p>
           <a:p>
             <a:pPr>
+              <a:lnSpc>
+                <a:spcPct val="150000"/>
+              </a:lnSpc>
               <a:buFontTx/>
               <a:buChar char="-"/>
             </a:pPr>
@@ -5426,12 +5443,20 @@
           </a:p>
           <a:p>
             <a:pPr>
+              <a:lnSpc>
+                <a:spcPct val="150000"/>
+              </a:lnSpc>
               <a:buFontTx/>
               <a:buChar char="-"/>
             </a:pPr>
             <a:endParaRPr lang="en-US" altLang="ko-KR" sz="1500" dirty="0" smtClean="0"/>
           </a:p>
           <a:p>
+            <a:pPr>
+              <a:lnSpc>
+                <a:spcPct val="150000"/>
+              </a:lnSpc>
+            </a:pPr>
             <a:r>
               <a:rPr lang="en-US" altLang="ko-KR" sz="1500" dirty="0" smtClean="0"/>
               <a:t>- </a:t>
@@ -5463,7 +5488,7 @@
     </p:spTree>
     <p:extLst>
       <p:ext uri="{BB962C8B-B14F-4D97-AF65-F5344CB8AC3E}">
-        <p14:creationId xmlns="" xmlns:p14="http://schemas.microsoft.com/office/powerpoint/2010/main" val="2065060951"/>
+        <p14:creationId xmlns:p14="http://schemas.microsoft.com/office/powerpoint/2010/main" val="2065060951"/>
       </p:ext>
     </p:extLst>
   </p:cSld>
@@ -5626,12 +5651,20 @@
               <a:buChar char="-"/>
             </a:pPr>
             <a:r>
+              <a:rPr lang="ko-KR" altLang="en-US" sz="1500" dirty="0" smtClean="0"/>
+              <a:t> </a:t>
+            </a:r>
+            <a:r>
               <a:rPr lang="ko-KR" altLang="en-US" sz="1500" dirty="0" err="1" smtClean="0"/>
               <a:t>채팅방</a:t>
             </a:r>
             <a:r>
               <a:rPr lang="ko-KR" altLang="en-US" sz="1500" dirty="0" smtClean="0"/>
-              <a:t> 안에서는 상대방에게 메시지를 보내거나 상대방의 메시지를 받을 수 있고 파일전송이 가능합니다</a:t>
+              <a:t> </a:t>
+            </a:r>
+            <a:r>
+              <a:rPr lang="ko-KR" altLang="en-US" sz="1500" dirty="0" smtClean="0"/>
+              <a:t>안에서는 상대방에게 메시지를 보내거나 상대방의 메시지를 받을 수 있고 파일전송이 가능합니다</a:t>
             </a:r>
             <a:r>
               <a:rPr lang="en-US" altLang="ko-KR" sz="1500" dirty="0" smtClean="0"/>
@@ -5643,7 +5676,7 @@
     </p:spTree>
     <p:extLst>
       <p:ext uri="{BB962C8B-B14F-4D97-AF65-F5344CB8AC3E}">
-        <p14:creationId xmlns="" xmlns:p14="http://schemas.microsoft.com/office/powerpoint/2010/main" val="2065060951"/>
+        <p14:creationId xmlns:p14="http://schemas.microsoft.com/office/powerpoint/2010/main" val="2065060951"/>
       </p:ext>
     </p:extLst>
   </p:cSld>
@@ -5747,7 +5780,7 @@
         <p:spPr>
           <a:xfrm>
             <a:off x="6715125" y="1457325"/>
-            <a:ext cx="3705225" cy="2862322"/>
+            <a:ext cx="3705225" cy="4247317"/>
           </a:xfrm>
           <a:prstGeom prst="rect">
             <a:avLst/>
@@ -5761,6 +5794,9 @@
           <a:lstStyle/>
           <a:p>
             <a:pPr>
+              <a:lnSpc>
+                <a:spcPct val="150000"/>
+              </a:lnSpc>
               <a:buFontTx/>
               <a:buChar char="-"/>
             </a:pPr>
@@ -5775,6 +5811,9 @@
           </a:p>
           <a:p>
             <a:pPr>
+              <a:lnSpc>
+                <a:spcPct val="150000"/>
+              </a:lnSpc>
               <a:buFontTx/>
               <a:buChar char="-"/>
             </a:pPr>
@@ -5782,6 +5821,9 @@
           </a:p>
           <a:p>
             <a:pPr>
+              <a:lnSpc>
+                <a:spcPct val="150000"/>
+              </a:lnSpc>
               <a:buFontTx/>
               <a:buChar char="-"/>
             </a:pPr>
@@ -5804,6 +5846,9 @@
           </a:p>
           <a:p>
             <a:pPr>
+              <a:lnSpc>
+                <a:spcPct val="150000"/>
+              </a:lnSpc>
               <a:buFontTx/>
               <a:buChar char="-"/>
             </a:pPr>
@@ -5811,6 +5856,9 @@
           </a:p>
           <a:p>
             <a:pPr>
+              <a:lnSpc>
+                <a:spcPct val="150000"/>
+              </a:lnSpc>
               <a:buFontTx/>
               <a:buChar char="-"/>
             </a:pPr>
@@ -5825,12 +5873,20 @@
           </a:p>
           <a:p>
             <a:pPr>
+              <a:lnSpc>
+                <a:spcPct val="150000"/>
+              </a:lnSpc>
               <a:buFontTx/>
               <a:buChar char="-"/>
             </a:pPr>
             <a:endParaRPr lang="en-US" altLang="ko-KR" sz="1500" dirty="0" smtClean="0"/>
           </a:p>
           <a:p>
+            <a:pPr>
+              <a:lnSpc>
+                <a:spcPct val="150000"/>
+              </a:lnSpc>
+            </a:pPr>
             <a:r>
               <a:rPr lang="en-US" altLang="ko-KR" sz="1500" dirty="0" smtClean="0"/>
               <a:t>- </a:t>
@@ -5850,7 +5906,7 @@
     </p:spTree>
     <p:extLst>
       <p:ext uri="{BB962C8B-B14F-4D97-AF65-F5344CB8AC3E}">
-        <p14:creationId xmlns="" xmlns:p14="http://schemas.microsoft.com/office/powerpoint/2010/main" val="2705078034"/>
+        <p14:creationId xmlns:p14="http://schemas.microsoft.com/office/powerpoint/2010/main" val="2705078034"/>
       </p:ext>
     </p:extLst>
   </p:cSld>
@@ -5929,8 +5985,8 @@
         </p:nvSpPr>
         <p:spPr>
           <a:xfrm>
-            <a:off x="6715125" y="1457325"/>
-            <a:ext cx="3848100" cy="1938992"/>
+            <a:off x="6354057" y="1457325"/>
+            <a:ext cx="3945149" cy="3208571"/>
           </a:xfrm>
           <a:prstGeom prst="rect">
             <a:avLst/>
@@ -5944,6 +6000,9 @@
           <a:lstStyle/>
           <a:p>
             <a:pPr>
+              <a:lnSpc>
+                <a:spcPct val="150000"/>
+              </a:lnSpc>
               <a:buFontTx/>
               <a:buChar char="-"/>
             </a:pPr>
@@ -5958,54 +6017,69 @@
           </a:p>
           <a:p>
             <a:pPr>
+              <a:lnSpc>
+                <a:spcPct val="150000"/>
+              </a:lnSpc>
               <a:buFontTx/>
               <a:buChar char="-"/>
             </a:pPr>
-            <a:endParaRPr lang="en-US" altLang="ko-KR" sz="1500" dirty="0" smtClean="0"/>
+            <a:endParaRPr lang="en-US" altLang="ko-KR" sz="1500" dirty="0"/>
           </a:p>
           <a:p>
             <a:pPr>
+              <a:lnSpc>
+                <a:spcPct val="150000"/>
+              </a:lnSpc>
               <a:buFontTx/>
               <a:buChar char="-"/>
             </a:pPr>
             <a:r>
+              <a:rPr lang="en-US" altLang="ko-KR" sz="1500" dirty="0" smtClean="0"/>
+              <a:t> </a:t>
+            </a:r>
+            <a:r>
               <a:rPr lang="ko-KR" altLang="en-US" sz="1500" dirty="0" smtClean="0"/>
-              <a:t> 게시물 열람 화면에서는 해당 게시물에 </a:t>
-            </a:r>
-            <a:r>
-              <a:rPr lang="ko-KR" altLang="en-US" sz="1500" dirty="0" err="1" smtClean="0"/>
-              <a:t>댓글도</a:t>
+              <a:t>게시물 열람 창에서는 게시물을 삭제하거나 수정을 할 수 있습니다</a:t>
+            </a:r>
+            <a:r>
+              <a:rPr lang="en-US" altLang="ko-KR" sz="1500" dirty="0" smtClean="0"/>
+              <a:t>. </a:t>
             </a:r>
             <a:r>
               <a:rPr lang="ko-KR" altLang="en-US" sz="1500" dirty="0" smtClean="0"/>
-              <a:t> 등록할 수 있고 자신의 게시물이라면 삭제 또는 수정 작업을 진행할 수 있습니다</a:t>
+              <a:t>삭제 또는 수정 버튼을 누르면 비밀번호를 입력하는 창이 등장하고 비밀번호가 일치한다면 게시물 삭제 또는 게시물 수정 화면으로 전환됩니다</a:t>
             </a:r>
             <a:r>
               <a:rPr lang="en-US" altLang="ko-KR" sz="1500" dirty="0" smtClean="0"/>
               <a:t>.</a:t>
             </a:r>
-            <a:endParaRPr lang="ko-KR" altLang="en-US" sz="1500" dirty="0"/>
+            <a:endParaRPr lang="en-US" altLang="ko-KR" sz="1500" dirty="0" smtClean="0"/>
           </a:p>
         </p:txBody>
       </p:sp>
       <p:pic>
         <p:nvPicPr>
-          <p:cNvPr id="7" name="그림 6" descr="게시물 열람.png"/>
+          <p:cNvPr id="3" name="그림 2"/>
           <p:cNvPicPr>
             <a:picLocks noChangeAspect="1"/>
           </p:cNvPicPr>
           <p:nvPr/>
         </p:nvPicPr>
-        <p:blipFill>
-          <a:blip r:embed="rId2"/>
-          <a:stretch>
-            <a:fillRect/>
-          </a:stretch>
+        <p:blipFill rotWithShape="1">
+          <a:blip r:embed="rId2">
+            <a:extLst>
+              <a:ext uri="{28A0092B-C50C-407E-A947-70E740481C1C}">
+                <a14:useLocalDpi xmlns:a14="http://schemas.microsoft.com/office/drawing/2010/main" val="0"/>
+              </a:ext>
+            </a:extLst>
+          </a:blip>
+          <a:srcRect l="22048" r="21529"/>
+          <a:stretch/>
         </p:blipFill>
         <p:spPr>
           <a:xfrm>
-            <a:off x="1400174" y="1430336"/>
-            <a:ext cx="6353175" cy="5294313"/>
+            <a:off x="2798992" y="1457325"/>
+            <a:ext cx="3458017" cy="5107312"/>
           </a:xfrm>
           <a:prstGeom prst="rect">
             <a:avLst/>
@@ -6015,7 +6089,7 @@
     </p:spTree>
     <p:extLst>
       <p:ext uri="{BB962C8B-B14F-4D97-AF65-F5344CB8AC3E}">
-        <p14:creationId xmlns="" xmlns:p14="http://schemas.microsoft.com/office/powerpoint/2010/main" val="2705078034"/>
+        <p14:creationId xmlns:p14="http://schemas.microsoft.com/office/powerpoint/2010/main" val="2705078034"/>
       </p:ext>
     </p:extLst>
   </p:cSld>
@@ -6103,7 +6177,7 @@
         <p:spPr>
           <a:xfrm>
             <a:off x="6715125" y="1457325"/>
-            <a:ext cx="4019550" cy="3323987"/>
+            <a:ext cx="4019550" cy="4550476"/>
           </a:xfrm>
           <a:prstGeom prst="rect">
             <a:avLst/>
@@ -6117,12 +6191,19 @@
           <a:lstStyle/>
           <a:p>
             <a:pPr>
+              <a:lnSpc>
+                <a:spcPct val="150000"/>
+              </a:lnSpc>
               <a:buFontTx/>
               <a:buChar char="-"/>
             </a:pPr>
             <a:r>
               <a:rPr lang="ko-KR" altLang="en-US" sz="1500" dirty="0" smtClean="0"/>
-              <a:t>새 글 쓰기 버튼을 누르면 게시물 등록 창이 등장합니다</a:t>
+              <a:t> 새 </a:t>
+            </a:r>
+            <a:r>
+              <a:rPr lang="ko-KR" altLang="en-US" sz="1500" dirty="0" smtClean="0"/>
+              <a:t>글 쓰기 버튼을 누르면 게시물 등록 창이 등장합니다</a:t>
             </a:r>
             <a:r>
               <a:rPr lang="en-US" altLang="ko-KR" sz="1500" dirty="0" smtClean="0"/>
@@ -6131,6 +6212,9 @@
           </a:p>
           <a:p>
             <a:pPr>
+              <a:lnSpc>
+                <a:spcPct val="150000"/>
+              </a:lnSpc>
               <a:buFontTx/>
               <a:buChar char="-"/>
             </a:pPr>
@@ -6138,12 +6222,19 @@
           </a:p>
           <a:p>
             <a:pPr>
+              <a:lnSpc>
+                <a:spcPct val="150000"/>
+              </a:lnSpc>
               <a:buFontTx/>
               <a:buChar char="-"/>
             </a:pPr>
             <a:r>
               <a:rPr lang="ko-KR" altLang="en-US" sz="1500" dirty="0" smtClean="0"/>
-              <a:t>게시판을 선택해 머리말을 등록할 수 있고 제목과 내용을 입력한 후 게시물 수정이나 삭제에 사용되는 비밀번호를 입력하고 등록을 누르면 데이터베이스에 내용이 저장되고 게시물이 등록됩니다</a:t>
+              <a:t> 게시판을 </a:t>
+            </a:r>
+            <a:r>
+              <a:rPr lang="ko-KR" altLang="en-US" sz="1500" dirty="0" smtClean="0"/>
+              <a:t>선택해 머리말을 등록할 수 있고 제목과 내용을 입력한 후 게시물 수정이나 삭제에 사용되는 비밀번호를 입력하고 등록을 누르면 데이터베이스에 내용이 저장되고 게시물이 등록됩니다</a:t>
             </a:r>
             <a:r>
               <a:rPr lang="en-US" altLang="ko-KR" sz="1500" dirty="0" smtClean="0"/>
@@ -6152,6 +6243,9 @@
           </a:p>
           <a:p>
             <a:pPr>
+              <a:lnSpc>
+                <a:spcPct val="150000"/>
+              </a:lnSpc>
               <a:buFontTx/>
               <a:buChar char="-"/>
             </a:pPr>
@@ -6159,12 +6253,31 @@
           </a:p>
           <a:p>
             <a:pPr>
+              <a:lnSpc>
+                <a:spcPct val="150000"/>
+              </a:lnSpc>
               <a:buFontTx/>
               <a:buChar char="-"/>
             </a:pPr>
             <a:r>
               <a:rPr lang="ko-KR" altLang="en-US" sz="1500" dirty="0" smtClean="0"/>
-              <a:t>게시물을 열람하는 창에서 수정버튼을 누르면 게시물 수정 창이 등장하는데 여기에서는 수정하거나 삭제를 하기 위해선 처음에 등록한 비밀번호를 입력해야 진행할 수 있습니다</a:t>
+              <a:t> 게시물을 </a:t>
+            </a:r>
+            <a:r>
+              <a:rPr lang="ko-KR" altLang="en-US" sz="1500" dirty="0" smtClean="0"/>
+              <a:t>열람하는 창에서 수정버튼을 누르면 게시물 수정 </a:t>
+            </a:r>
+            <a:r>
+              <a:rPr lang="ko-KR" altLang="en-US" sz="1500" dirty="0" smtClean="0"/>
+              <a:t>화면이 </a:t>
+            </a:r>
+            <a:r>
+              <a:rPr lang="ko-KR" altLang="en-US" sz="1500" dirty="0" smtClean="0"/>
+              <a:t>등장하는데 여기에서는 </a:t>
+            </a:r>
+            <a:r>
+              <a:rPr lang="ko-KR" altLang="en-US" sz="1500" dirty="0" smtClean="0"/>
+              <a:t>내용을 수정하고 적용시키려면 처음에 등록한 비밀번호를 입력해야 합니다</a:t>
             </a:r>
             <a:r>
               <a:rPr lang="en-US" altLang="ko-KR" sz="1500" dirty="0" smtClean="0"/>
@@ -6200,22 +6313,27 @@
       </p:pic>
       <p:pic>
         <p:nvPicPr>
-          <p:cNvPr id="8" name="그림 7" descr="게시물 수정.png"/>
+          <p:cNvPr id="3" name="그림 2"/>
           <p:cNvPicPr>
             <a:picLocks noChangeAspect="1"/>
           </p:cNvPicPr>
           <p:nvPr/>
         </p:nvPicPr>
-        <p:blipFill>
-          <a:blip r:embed="rId3"/>
-          <a:stretch>
-            <a:fillRect/>
-          </a:stretch>
+        <p:blipFill rotWithShape="1">
+          <a:blip r:embed="rId3">
+            <a:extLst>
+              <a:ext uri="{28A0092B-C50C-407E-A947-70E740481C1C}">
+                <a14:useLocalDpi xmlns:a14="http://schemas.microsoft.com/office/drawing/2010/main" val="0"/>
+              </a:ext>
+            </a:extLst>
+          </a:blip>
+          <a:srcRect l="16593" r="16697"/>
+          <a:stretch/>
         </p:blipFill>
         <p:spPr>
           <a:xfrm>
-            <a:off x="133350" y="2149872"/>
-            <a:ext cx="5649753" cy="4708128"/>
+            <a:off x="1462214" y="2359058"/>
+            <a:ext cx="3525422" cy="4403939"/>
           </a:xfrm>
           <a:prstGeom prst="rect">
             <a:avLst/>
@@ -6225,7 +6343,7 @@
     </p:spTree>
     <p:extLst>
       <p:ext uri="{BB962C8B-B14F-4D97-AF65-F5344CB8AC3E}">
-        <p14:creationId xmlns="" xmlns:p14="http://schemas.microsoft.com/office/powerpoint/2010/main" val="2705078034"/>
+        <p14:creationId xmlns:p14="http://schemas.microsoft.com/office/powerpoint/2010/main" val="2705078034"/>
       </p:ext>
     </p:extLst>
   </p:cSld>
@@ -6336,8 +6454,8 @@
         </p:nvSpPr>
         <p:spPr>
           <a:xfrm>
-            <a:off x="7734300" y="1676400"/>
-            <a:ext cx="3448050" cy="3554819"/>
+            <a:off x="7734300" y="1388076"/>
+            <a:ext cx="3448050" cy="5242974"/>
           </a:xfrm>
           <a:prstGeom prst="rect">
             <a:avLst/>
@@ -6350,6 +6468,11 @@
           </a:bodyPr>
           <a:lstStyle/>
           <a:p>
+            <a:pPr>
+              <a:lnSpc>
+                <a:spcPct val="150000"/>
+              </a:lnSpc>
+            </a:pPr>
             <a:r>
               <a:rPr lang="en-US" altLang="ko-KR" sz="1500" dirty="0" smtClean="0"/>
               <a:t>- </a:t>
@@ -6364,9 +6487,19 @@
             </a:r>
           </a:p>
           <a:p>
+            <a:pPr>
+              <a:lnSpc>
+                <a:spcPct val="150000"/>
+              </a:lnSpc>
+            </a:pPr>
             <a:endParaRPr lang="en-US" altLang="ko-KR" sz="1500" dirty="0" smtClean="0"/>
           </a:p>
           <a:p>
+            <a:pPr>
+              <a:lnSpc>
+                <a:spcPct val="150000"/>
+              </a:lnSpc>
+            </a:pPr>
             <a:r>
               <a:rPr lang="en-US" altLang="ko-KR" sz="1500" dirty="0" smtClean="0"/>
               <a:t>- </a:t>
@@ -6381,9 +6514,19 @@
             </a:r>
           </a:p>
           <a:p>
+            <a:pPr>
+              <a:lnSpc>
+                <a:spcPct val="150000"/>
+              </a:lnSpc>
+            </a:pPr>
             <a:endParaRPr lang="en-US" altLang="ko-KR" sz="1500" dirty="0" smtClean="0"/>
           </a:p>
           <a:p>
+            <a:pPr>
+              <a:lnSpc>
+                <a:spcPct val="150000"/>
+              </a:lnSpc>
+            </a:pPr>
             <a:r>
               <a:rPr lang="en-US" altLang="ko-KR" sz="1500" dirty="0" smtClean="0"/>
               <a:t>- </a:t>
@@ -6406,9 +6549,19 @@
             </a:r>
           </a:p>
           <a:p>
+            <a:pPr>
+              <a:lnSpc>
+                <a:spcPct val="150000"/>
+              </a:lnSpc>
+            </a:pPr>
             <a:endParaRPr lang="en-US" altLang="ko-KR" sz="1500" dirty="0" smtClean="0"/>
           </a:p>
           <a:p>
+            <a:pPr>
+              <a:lnSpc>
+                <a:spcPct val="150000"/>
+              </a:lnSpc>
+            </a:pPr>
             <a:r>
               <a:rPr lang="en-US" altLang="ko-KR" sz="1500" dirty="0" smtClean="0"/>
               <a:t>- </a:t>
@@ -6453,7 +6606,7 @@
     </p:spTree>
     <p:extLst>
       <p:ext uri="{BB962C8B-B14F-4D97-AF65-F5344CB8AC3E}">
-        <p14:creationId xmlns="" xmlns:p14="http://schemas.microsoft.com/office/powerpoint/2010/main" val="563193488"/>
+        <p14:creationId xmlns:p14="http://schemas.microsoft.com/office/powerpoint/2010/main" val="563193488"/>
       </p:ext>
     </p:extLst>
   </p:cSld>
@@ -6541,7 +6694,7 @@
         <p:spPr>
           <a:xfrm>
             <a:off x="7334250" y="2762250"/>
-            <a:ext cx="3448050" cy="1708160"/>
+            <a:ext cx="3448050" cy="2472985"/>
           </a:xfrm>
           <a:prstGeom prst="rect">
             <a:avLst/>
@@ -6554,6 +6707,11 @@
           </a:bodyPr>
           <a:lstStyle/>
           <a:p>
+            <a:pPr>
+              <a:lnSpc>
+                <a:spcPct val="150000"/>
+              </a:lnSpc>
+            </a:pPr>
             <a:r>
               <a:rPr lang="en-US" altLang="ko-KR" sz="1500" dirty="0" smtClean="0"/>
               <a:t>- </a:t>
@@ -6568,9 +6726,19 @@
             </a:r>
           </a:p>
           <a:p>
+            <a:pPr>
+              <a:lnSpc>
+                <a:spcPct val="150000"/>
+              </a:lnSpc>
+            </a:pPr>
             <a:endParaRPr lang="en-US" altLang="ko-KR" sz="1500" dirty="0" smtClean="0"/>
           </a:p>
           <a:p>
+            <a:pPr>
+              <a:lnSpc>
+                <a:spcPct val="150000"/>
+              </a:lnSpc>
+            </a:pPr>
             <a:r>
               <a:rPr lang="en-US" altLang="ko-KR" sz="1500" dirty="0" smtClean="0"/>
               <a:t>- </a:t>
@@ -6640,7 +6808,7 @@
     </p:spTree>
     <p:extLst>
       <p:ext uri="{BB962C8B-B14F-4D97-AF65-F5344CB8AC3E}">
-        <p14:creationId xmlns="" xmlns:p14="http://schemas.microsoft.com/office/powerpoint/2010/main" val="563193488"/>
+        <p14:creationId xmlns:p14="http://schemas.microsoft.com/office/powerpoint/2010/main" val="563193488"/>
       </p:ext>
     </p:extLst>
   </p:cSld>
@@ -6681,23 +6849,25 @@
             <a:spLocks noGrp="1"/>
           </p:cNvSpPr>
           <p:nvPr>
-            <p:ph type="title"/>
+            <p:ph type="ctrTitle"/>
           </p:nvPr>
         </p:nvSpPr>
         <p:spPr>
           <a:xfrm>
-            <a:off x="2340875" y="841923"/>
-            <a:ext cx="7958331" cy="1077229"/>
-          </a:xfrm>
-        </p:spPr>
-        <p:txBody>
-          <a:bodyPr/>
-          <a:lstStyle/>
-          <a:p>
-            <a:pPr algn="l"/>
+            <a:off x="1172475" y="3518186"/>
+            <a:ext cx="6447526" cy="973668"/>
+          </a:xfrm>
+        </p:spPr>
+        <p:txBody>
+          <a:bodyPr>
+            <a:normAutofit/>
+          </a:bodyPr>
+          <a:lstStyle/>
+          <a:p>
+            <a:pPr algn="ctr"/>
             <a:r>
               <a:rPr lang="ko-KR" altLang="en-US" dirty="0" smtClean="0"/>
-              <a:t>데이터 베이스 설계</a:t>
+              <a:t>감사합니다</a:t>
             </a:r>
             <a:endParaRPr lang="ko-KR" altLang="en-US" dirty="0"/>
           </a:p>
@@ -6706,7 +6876,7 @@
     </p:spTree>
     <p:extLst>
       <p:ext uri="{BB962C8B-B14F-4D97-AF65-F5344CB8AC3E}">
-        <p14:creationId xmlns="" xmlns:p14="http://schemas.microsoft.com/office/powerpoint/2010/main" val="2747580281"/>
+        <p14:creationId xmlns:p14="http://schemas.microsoft.com/office/powerpoint/2010/main" val="243971917"/>
       </p:ext>
     </p:extLst>
   </p:cSld>
@@ -6872,141 +7042,7 @@
     </p:spTree>
     <p:extLst>
       <p:ext uri="{BB962C8B-B14F-4D97-AF65-F5344CB8AC3E}">
-        <p14:creationId xmlns="" xmlns:p14="http://schemas.microsoft.com/office/powerpoint/2010/main" val="1091045753"/>
-      </p:ext>
-    </p:extLst>
-  </p:cSld>
-  <p:clrMapOvr>
-    <a:masterClrMapping/>
-  </p:clrMapOvr>
-  <p:timing>
-    <p:tnLst>
-      <p:par>
-        <p:cTn id="1" dur="indefinite" restart="never" nodeType="tmRoot"/>
-      </p:par>
-    </p:tnLst>
-  </p:timing>
-</p:sld>
-</file>
-
-<file path=ppt/slides/slide20.xml><?xml version="1.0" encoding="utf-8"?>
-<p:sld xmlns:a="http://schemas.openxmlformats.org/drawingml/2006/main" xmlns:r="http://schemas.openxmlformats.org/officeDocument/2006/relationships" xmlns:p="http://schemas.openxmlformats.org/presentationml/2006/main">
-  <p:cSld>
-    <p:spTree>
-      <p:nvGrpSpPr>
-        <p:cNvPr id="1" name=""/>
-        <p:cNvGrpSpPr/>
-        <p:nvPr/>
-      </p:nvGrpSpPr>
-      <p:grpSpPr>
-        <a:xfrm>
-          <a:off x="0" y="0"/>
-          <a:ext cx="0" cy="0"/>
-          <a:chOff x="0" y="0"/>
-          <a:chExt cx="0" cy="0"/>
-        </a:xfrm>
-      </p:grpSpPr>
-      <p:sp>
-        <p:nvSpPr>
-          <p:cNvPr id="2" name="제목 1"/>
-          <p:cNvSpPr>
-            <a:spLocks noGrp="1"/>
-          </p:cNvSpPr>
-          <p:nvPr>
-            <p:ph type="title"/>
-          </p:nvPr>
-        </p:nvSpPr>
-        <p:spPr>
-          <a:xfrm>
-            <a:off x="2340875" y="841923"/>
-            <a:ext cx="7958331" cy="1077229"/>
-          </a:xfrm>
-        </p:spPr>
-        <p:txBody>
-          <a:bodyPr/>
-          <a:lstStyle/>
-          <a:p>
-            <a:pPr algn="l"/>
-            <a:r>
-              <a:rPr lang="ko-KR" altLang="en-US" dirty="0" smtClean="0"/>
-              <a:t>데이터 베이스 설계</a:t>
-            </a:r>
-            <a:endParaRPr lang="ko-KR" altLang="en-US" dirty="0"/>
-          </a:p>
-        </p:txBody>
-      </p:sp>
-    </p:spTree>
-    <p:extLst>
-      <p:ext uri="{BB962C8B-B14F-4D97-AF65-F5344CB8AC3E}">
-        <p14:creationId xmlns="" xmlns:p14="http://schemas.microsoft.com/office/powerpoint/2010/main" val="2536428638"/>
-      </p:ext>
-    </p:extLst>
-  </p:cSld>
-  <p:clrMapOvr>
-    <a:masterClrMapping/>
-  </p:clrMapOvr>
-  <p:timing>
-    <p:tnLst>
-      <p:par>
-        <p:cTn id="1" dur="indefinite" restart="never" nodeType="tmRoot"/>
-      </p:par>
-    </p:tnLst>
-  </p:timing>
-</p:sld>
-</file>
-
-<file path=ppt/slides/slide21.xml><?xml version="1.0" encoding="utf-8"?>
-<p:sld xmlns:a="http://schemas.openxmlformats.org/drawingml/2006/main" xmlns:r="http://schemas.openxmlformats.org/officeDocument/2006/relationships" xmlns:p="http://schemas.openxmlformats.org/presentationml/2006/main">
-  <p:cSld>
-    <p:spTree>
-      <p:nvGrpSpPr>
-        <p:cNvPr id="1" name=""/>
-        <p:cNvGrpSpPr/>
-        <p:nvPr/>
-      </p:nvGrpSpPr>
-      <p:grpSpPr>
-        <a:xfrm>
-          <a:off x="0" y="0"/>
-          <a:ext cx="0" cy="0"/>
-          <a:chOff x="0" y="0"/>
-          <a:chExt cx="0" cy="0"/>
-        </a:xfrm>
-      </p:grpSpPr>
-      <p:sp>
-        <p:nvSpPr>
-          <p:cNvPr id="2" name="제목 1"/>
-          <p:cNvSpPr>
-            <a:spLocks noGrp="1"/>
-          </p:cNvSpPr>
-          <p:nvPr>
-            <p:ph type="ctrTitle"/>
-          </p:nvPr>
-        </p:nvSpPr>
-        <p:spPr>
-          <a:xfrm>
-            <a:off x="1172475" y="3518186"/>
-            <a:ext cx="6447526" cy="973668"/>
-          </a:xfrm>
-        </p:spPr>
-        <p:txBody>
-          <a:bodyPr>
-            <a:normAutofit/>
-          </a:bodyPr>
-          <a:lstStyle/>
-          <a:p>
-            <a:pPr algn="ctr"/>
-            <a:r>
-              <a:rPr lang="ko-KR" altLang="en-US" dirty="0" smtClean="0"/>
-              <a:t>감사합니다</a:t>
-            </a:r>
-            <a:endParaRPr lang="ko-KR" altLang="en-US" dirty="0"/>
-          </a:p>
-        </p:txBody>
-      </p:sp>
-    </p:spTree>
-    <p:extLst>
-      <p:ext uri="{BB962C8B-B14F-4D97-AF65-F5344CB8AC3E}">
-        <p14:creationId xmlns="" xmlns:p14="http://schemas.microsoft.com/office/powerpoint/2010/main" val="243971917"/>
+        <p14:creationId xmlns:p14="http://schemas.microsoft.com/office/powerpoint/2010/main" val="1091045753"/>
       </p:ext>
     </p:extLst>
   </p:cSld>
@@ -7178,7 +7214,7 @@
     </p:spTree>
     <p:extLst>
       <p:ext uri="{BB962C8B-B14F-4D97-AF65-F5344CB8AC3E}">
-        <p14:creationId xmlns="" xmlns:p14="http://schemas.microsoft.com/office/powerpoint/2010/main" val="1516649602"/>
+        <p14:creationId xmlns:p14="http://schemas.microsoft.com/office/powerpoint/2010/main" val="1516649602"/>
       </p:ext>
     </p:extLst>
   </p:cSld>
@@ -7324,7 +7360,7 @@
     </p:spTree>
     <p:extLst>
       <p:ext uri="{BB962C8B-B14F-4D97-AF65-F5344CB8AC3E}">
-        <p14:creationId xmlns="" xmlns:p14="http://schemas.microsoft.com/office/powerpoint/2010/main" val="4156960906"/>
+        <p14:creationId xmlns:p14="http://schemas.microsoft.com/office/powerpoint/2010/main" val="4156960906"/>
       </p:ext>
     </p:extLst>
   </p:cSld>
@@ -7537,8 +7573,8 @@
               <a:t>: </a:t>
             </a:r>
             <a:r>
-              <a:rPr lang="ko-KR" altLang="en-US" dirty="0" smtClean="0"/>
-              <a:t>김도엽</a:t>
+              <a:rPr lang="ko-KR" altLang="en-US" dirty="0" err="1" smtClean="0"/>
+              <a:t>심대훈</a:t>
             </a:r>
             <a:endParaRPr lang="en-US" altLang="ko-KR" dirty="0" smtClean="0"/>
           </a:p>
@@ -7560,8 +7596,16 @@
               <a:t>: </a:t>
             </a:r>
             <a:r>
-              <a:rPr lang="ko-KR" altLang="en-US" dirty="0" err="1" smtClean="0"/>
-              <a:t>심대훈</a:t>
+              <a:rPr lang="ko-KR" altLang="en-US" dirty="0" smtClean="0"/>
+              <a:t>김도엽</a:t>
+            </a:r>
+            <a:r>
+              <a:rPr lang="en-US" altLang="ko-KR" dirty="0" smtClean="0"/>
+              <a:t>, </a:t>
+            </a:r>
+            <a:r>
+              <a:rPr lang="ko-KR" altLang="en-US" dirty="0" smtClean="0"/>
+              <a:t>최문석</a:t>
             </a:r>
             <a:endParaRPr lang="en-US" altLang="ko-KR" dirty="0" smtClean="0"/>
           </a:p>
@@ -7576,7 +7620,15 @@
             </a:r>
             <a:r>
               <a:rPr lang="ko-KR" altLang="en-US" dirty="0" smtClean="0"/>
-              <a:t>구성 및 서브 디자인 </a:t>
+              <a:t>구성 </a:t>
+            </a:r>
+            <a:r>
+              <a:rPr lang="ko-KR" altLang="en-US" dirty="0" smtClean="0"/>
+              <a:t>및 </a:t>
+            </a:r>
+            <a:r>
+              <a:rPr lang="ko-KR" altLang="en-US" dirty="0" smtClean="0"/>
+              <a:t>디자인 </a:t>
             </a:r>
             <a:r>
               <a:rPr lang="en-US" altLang="ko-KR" dirty="0" smtClean="0"/>
@@ -7644,7 +7696,7 @@
     </p:spTree>
     <p:extLst>
       <p:ext uri="{BB962C8B-B14F-4D97-AF65-F5344CB8AC3E}">
-        <p14:creationId xmlns="" xmlns:p14="http://schemas.microsoft.com/office/powerpoint/2010/main" val="3780432103"/>
+        <p14:creationId xmlns:p14="http://schemas.microsoft.com/office/powerpoint/2010/main" val="3780432103"/>
       </p:ext>
     </p:extLst>
   </p:cSld>
@@ -7816,12 +7868,24 @@
               <a:t>시스템의 기능은 </a:t>
             </a:r>
             <a:r>
+              <a:rPr lang="en-US" altLang="ko-KR" dirty="0"/>
+              <a:t>5</a:t>
+            </a:r>
+            <a:r>
               <a:rPr lang="en-US" altLang="ko-KR" dirty="0" smtClean="0"/>
-              <a:t>4~5</a:t>
+              <a:t> </a:t>
+            </a:r>
+            <a:r>
+              <a:rPr lang="en-US" altLang="ko-KR" dirty="0" smtClean="0"/>
+              <a:t>~ 6</a:t>
             </a:r>
             <a:r>
               <a:rPr lang="ko-KR" altLang="en-US" dirty="0" smtClean="0"/>
-              <a:t>개 정도로 제한하고 팀원의 능력과 일정 계획에 따라 추가 또는 삭제할 수도 있다</a:t>
+              <a:t>개 </a:t>
+            </a:r>
+            <a:r>
+              <a:rPr lang="ko-KR" altLang="en-US" dirty="0" smtClean="0"/>
+              <a:t>정도로 제한하고 팀원의 능력과 일정 계획에 따라 추가 또는 삭제할 수도 있다</a:t>
             </a:r>
             <a:r>
               <a:rPr lang="en-US" altLang="ko-KR" dirty="0" smtClean="0"/>
@@ -7834,7 +7898,7 @@
     </p:spTree>
     <p:extLst>
       <p:ext uri="{BB962C8B-B14F-4D97-AF65-F5344CB8AC3E}">
-        <p14:creationId xmlns="" xmlns:p14="http://schemas.microsoft.com/office/powerpoint/2010/main" val="1992902310"/>
+        <p14:creationId xmlns:p14="http://schemas.microsoft.com/office/powerpoint/2010/main" val="1992902310"/>
       </p:ext>
     </p:extLst>
   </p:cSld>
@@ -7942,7 +8006,7 @@
     </p:spTree>
     <p:extLst>
       <p:ext uri="{BB962C8B-B14F-4D97-AF65-F5344CB8AC3E}">
-        <p14:creationId xmlns="" xmlns:p14="http://schemas.microsoft.com/office/powerpoint/2010/main" val="3495053689"/>
+        <p14:creationId xmlns:p14="http://schemas.microsoft.com/office/powerpoint/2010/main" val="3495053689"/>
       </p:ext>
     </p:extLst>
   </p:cSld>
@@ -8044,8 +8108,8 @@
         </p:nvSpPr>
         <p:spPr>
           <a:xfrm>
-            <a:off x="5764695" y="2703442"/>
-            <a:ext cx="4651514" cy="2862322"/>
+            <a:off x="5764695" y="1420080"/>
+            <a:ext cx="4651514" cy="6770952"/>
           </a:xfrm>
           <a:prstGeom prst="rect">
             <a:avLst/>
@@ -8059,12 +8123,19 @@
           <a:lstStyle/>
           <a:p>
             <a:pPr>
+              <a:lnSpc>
+                <a:spcPct val="150000"/>
+              </a:lnSpc>
               <a:buFontTx/>
               <a:buChar char="-"/>
             </a:pPr>
             <a:r>
               <a:rPr lang="ko-KR" altLang="en-US" sz="1500" dirty="0" smtClean="0"/>
-              <a:t>프로그램을 실행하면 사용자가 가장 먼저 만나는 화면입니다</a:t>
+              <a:t> 프로그램을 </a:t>
+            </a:r>
+            <a:r>
+              <a:rPr lang="ko-KR" altLang="en-US" sz="1500" dirty="0" smtClean="0"/>
+              <a:t>실행하면 사용자가 가장 먼저 만나는 화면입니다</a:t>
             </a:r>
             <a:r>
               <a:rPr lang="en-US" altLang="ko-KR" sz="1500" dirty="0" smtClean="0"/>
@@ -8073,12 +8144,20 @@
           </a:p>
           <a:p>
             <a:pPr>
+              <a:lnSpc>
+                <a:spcPct val="150000"/>
+              </a:lnSpc>
               <a:buFontTx/>
               <a:buChar char="-"/>
             </a:pPr>
             <a:endParaRPr lang="en-US" altLang="ko-KR" sz="1500" dirty="0" smtClean="0"/>
           </a:p>
           <a:p>
+            <a:pPr>
+              <a:lnSpc>
+                <a:spcPct val="150000"/>
+              </a:lnSpc>
+            </a:pPr>
             <a:r>
               <a:rPr lang="en-US" altLang="ko-KR" sz="1500" dirty="0" smtClean="0"/>
               <a:t>- </a:t>
@@ -8093,18 +8172,43 @@
             </a:r>
           </a:p>
           <a:p>
+            <a:pPr>
+              <a:lnSpc>
+                <a:spcPct val="150000"/>
+              </a:lnSpc>
+            </a:pPr>
             <a:endParaRPr lang="en-US" altLang="ko-KR" sz="1500" dirty="0" smtClean="0"/>
           </a:p>
           <a:p>
+            <a:pPr>
+              <a:lnSpc>
+                <a:spcPct val="150000"/>
+              </a:lnSpc>
+            </a:pPr>
             <a:endParaRPr lang="en-US" altLang="ko-KR" sz="1500" dirty="0" smtClean="0"/>
           </a:p>
           <a:p>
+            <a:pPr>
+              <a:lnSpc>
+                <a:spcPct val="150000"/>
+              </a:lnSpc>
+            </a:pPr>
             <a:endParaRPr lang="en-US" altLang="ko-KR" sz="1500" dirty="0" smtClean="0"/>
           </a:p>
           <a:p>
+            <a:pPr>
+              <a:lnSpc>
+                <a:spcPct val="150000"/>
+              </a:lnSpc>
+            </a:pPr>
             <a:endParaRPr lang="en-US" altLang="ko-KR" sz="1500" dirty="0" smtClean="0"/>
           </a:p>
           <a:p>
+            <a:pPr>
+              <a:lnSpc>
+                <a:spcPct val="150000"/>
+              </a:lnSpc>
+            </a:pPr>
             <a:r>
               <a:rPr lang="en-US" altLang="ko-KR" sz="1500" dirty="0" smtClean="0"/>
               <a:t>- </a:t>
@@ -8124,7 +8228,7 @@
     </p:spTree>
     <p:extLst>
       <p:ext uri="{BB962C8B-B14F-4D97-AF65-F5344CB8AC3E}">
-        <p14:creationId xmlns="" xmlns:p14="http://schemas.microsoft.com/office/powerpoint/2010/main" val="249681396"/>
+        <p14:creationId xmlns:p14="http://schemas.microsoft.com/office/powerpoint/2010/main" val="249681396"/>
       </p:ext>
     </p:extLst>
   </p:cSld>
@@ -8212,7 +8316,7 @@
         <p:spPr>
           <a:xfrm>
             <a:off x="6797535" y="2855842"/>
-            <a:ext cx="4413389" cy="2169825"/>
+            <a:ext cx="4413389" cy="3165482"/>
           </a:xfrm>
           <a:prstGeom prst="rect">
             <a:avLst/>
@@ -8226,6 +8330,9 @@
           <a:lstStyle/>
           <a:p>
             <a:pPr>
+              <a:lnSpc>
+                <a:spcPct val="150000"/>
+              </a:lnSpc>
               <a:buFontTx/>
               <a:buChar char="-"/>
             </a:pPr>
@@ -8244,6 +8351,9 @@
           </a:p>
           <a:p>
             <a:pPr>
+              <a:lnSpc>
+                <a:spcPct val="150000"/>
+              </a:lnSpc>
               <a:buFontTx/>
               <a:buChar char="-"/>
             </a:pPr>
@@ -8251,6 +8361,9 @@
           </a:p>
           <a:p>
             <a:pPr>
+              <a:lnSpc>
+                <a:spcPct val="150000"/>
+              </a:lnSpc>
               <a:buFontTx/>
               <a:buChar char="-"/>
             </a:pPr>
@@ -8272,9 +8385,19 @@
             </a:r>
           </a:p>
           <a:p>
+            <a:pPr>
+              <a:lnSpc>
+                <a:spcPct val="150000"/>
+              </a:lnSpc>
+            </a:pPr>
             <a:endParaRPr lang="en-US" altLang="ko-KR" sz="1500" dirty="0" smtClean="0"/>
           </a:p>
           <a:p>
+            <a:pPr>
+              <a:lnSpc>
+                <a:spcPct val="150000"/>
+              </a:lnSpc>
+            </a:pPr>
             <a:r>
               <a:rPr lang="en-US" altLang="ko-KR" sz="1500" dirty="0" smtClean="0"/>
               <a:t>- </a:t>
@@ -8299,16 +8422,15 @@
           </p:cNvPicPr>
           <p:nvPr/>
         </p:nvPicPr>
-        <p:blipFill>
+        <p:blipFill rotWithShape="1">
           <a:blip r:embed="rId2"/>
-          <a:stretch>
-            <a:fillRect/>
-          </a:stretch>
+          <a:srcRect l="16690" r="16760"/>
+          <a:stretch/>
         </p:blipFill>
         <p:spPr>
           <a:xfrm>
-            <a:off x="364021" y="1440482"/>
-            <a:ext cx="4778072" cy="3981727"/>
+            <a:off x="1161535" y="1440482"/>
+            <a:ext cx="3179806" cy="3981727"/>
           </a:xfrm>
           <a:prstGeom prst="rect">
             <a:avLst/>
@@ -8323,16 +8445,15 @@
           </p:cNvPicPr>
           <p:nvPr/>
         </p:nvPicPr>
-        <p:blipFill>
+        <p:blipFill rotWithShape="1">
           <a:blip r:embed="rId3"/>
-          <a:stretch>
-            <a:fillRect/>
-          </a:stretch>
+          <a:srcRect l="16758" r="16552"/>
+          <a:stretch/>
         </p:blipFill>
         <p:spPr>
           <a:xfrm>
-            <a:off x="2755686" y="2868388"/>
-            <a:ext cx="4787534" cy="3989612"/>
+            <a:off x="3525795" y="2868388"/>
+            <a:ext cx="3212756" cy="3989612"/>
           </a:xfrm>
           <a:prstGeom prst="rect">
             <a:avLst/>
@@ -8348,7 +8469,7 @@
         <p:spPr>
           <a:xfrm>
             <a:off x="4354167" y="1429991"/>
-            <a:ext cx="4651514" cy="1015663"/>
+            <a:ext cx="4651514" cy="1434239"/>
           </a:xfrm>
           <a:prstGeom prst="rect">
             <a:avLst/>
@@ -8362,6 +8483,9 @@
           <a:lstStyle/>
           <a:p>
             <a:pPr>
+              <a:lnSpc>
+                <a:spcPct val="150000"/>
+              </a:lnSpc>
               <a:buFontTx/>
               <a:buChar char="-"/>
             </a:pPr>
@@ -8403,7 +8527,7 @@
     </p:spTree>
     <p:extLst>
       <p:ext uri="{BB962C8B-B14F-4D97-AF65-F5344CB8AC3E}">
-        <p14:creationId xmlns="" xmlns:p14="http://schemas.microsoft.com/office/powerpoint/2010/main" val="249681396"/>
+        <p14:creationId xmlns:p14="http://schemas.microsoft.com/office/powerpoint/2010/main" val="249681396"/>
       </p:ext>
     </p:extLst>
   </p:cSld>
@@ -8635,7 +8759,7 @@
   <a:extraClrSchemeLst/>
   <a:extLst>
     <a:ext uri="{05A4C25C-085E-4340-85A3-A5531E510DB2}">
-      <thm15:themeFamily xmlns="" xmlns:thm15="http://schemas.microsoft.com/office/thememl/2012/main" name="Madison" id="{025CB5FB-2DD3-45EE-B6F0-CC461540EB19}" vid="{178B2DAB-5DDE-4060-A857-D2E1CDA9250F}"/>
+      <thm15:themeFamily xmlns:thm15="http://schemas.microsoft.com/office/thememl/2012/main" name="Madison" id="{025CB5FB-2DD3-45EE-B6F0-CC461540EB19}" vid="{178B2DAB-5DDE-4060-A857-D2E1CDA9250F}"/>
     </a:ext>
   </a:extLst>
 </a:theme>
